--- a/Tableau/DWProjectFinal.pptx
+++ b/Tableau/DWProjectFinal.pptx
@@ -7,22 +7,6 @@
   <p:sldIdLst>
     <p:sldId id="256" r:id="rId6"/>
     <p:sldId id="257" r:id="rId7"/>
-    <p:sldId id="258" r:id="rId8"/>
-    <p:sldId id="259" r:id="rId9"/>
-    <p:sldId id="260" r:id="rId10"/>
-    <p:sldId id="261" r:id="rId11"/>
-    <p:sldId id="262" r:id="rId12"/>
-    <p:sldId id="263" r:id="rId13"/>
-    <p:sldId id="264" r:id="rId14"/>
-    <p:sldId id="265" r:id="rId15"/>
-    <p:sldId id="266" r:id="rId16"/>
-    <p:sldId id="267" r:id="rId17"/>
-    <p:sldId id="268" r:id="rId18"/>
-    <p:sldId id="269" r:id="rId19"/>
-    <p:sldId id="270" r:id="rId20"/>
-    <p:sldId id="271" r:id="rId21"/>
-    <p:sldId id="272" r:id="rId22"/>
-    <p:sldId id="273" r:id="rId23"/>
   </p:sldIdLst>
   <p:sldSz cx="12192000" cy="6858000"/>
   <p:notesSz cx="6858000" cy="9144000"/>
@@ -3343,7 +3327,7 @@
           <p:cNvPr id="0" name="slide1">
             <a:extLst>
               <a:ext uri="{FF2B5EF4-FFF2-40B4-BE49-F238E27FC236}">
-                <a16:creationId xmlns:a16="http://schemas.microsoft.com/office/drawing/2014/main" id="{932D3F75-147F-4247-9184-32C08E6968AC}"/>
+                <a16:creationId xmlns:a16="http://schemas.microsoft.com/office/drawing/2014/main" id="{16030A14-4D12-4C9E-9722-02A77516A563}"/>
               </a:ext>
             </a:extLst>
           </p:cNvPr>
@@ -3371,7 +3355,7 @@
           <p:cNvPr id="1" name="slide1">
             <a:extLst>
               <a:ext uri="{FF2B5EF4-FFF2-40B4-BE49-F238E27FC236}">
-                <a16:creationId xmlns:a16="http://schemas.microsoft.com/office/drawing/2014/main" id="{C2EAA2DC-3B7F-49C2-A71F-6EF9C98ABFAF}"/>
+                <a16:creationId xmlns:a16="http://schemas.microsoft.com/office/drawing/2014/main" id="{7F4B7334-A643-4F58-9197-98BF4AF0AA46}"/>
               </a:ext>
             </a:extLst>
           </p:cNvPr>
@@ -3389,605 +3373,11 @@
           <a:p>
             <a:r>
               <a:rPr/>
-              <a:t>File created on: 7/10/2020 7:46:14 AM</a:t>
-            </a:r>
-          </a:p>
-        </p:txBody>
-      </p:sp>
-    </p:spTree>
-    <p:extLst>
-      <p:ext uri="{BB962C8B-B14F-4D97-AF65-F5344CB8AC3E}">
-        <p14:creationId xmlns:p14="http://schemas.microsoft.com/office/powerpoint/2010/main" val="95992585"/>
-      </p:ext>
-    </p:extLst>
-  </p:cSld>
-  <p:clrMapOvr>
-    <a:masterClrMapping/>
-  </p:clrMapOvr>
-</p:sld>
-</file>
-
-<file path=ppt/slides/slide10.xml><?xml version="1.0" encoding="utf-8"?>
-<p:sld xmlns:a="http://schemas.openxmlformats.org/drawingml/2006/main" xmlns:p="http://schemas.openxmlformats.org/presentationml/2006/main" xmlns:r="http://schemas.openxmlformats.org/officeDocument/2006/relationships">
-  <p:cSld>
-    <p:spTree>
-      <p:nvGrpSpPr>
-        <p:cNvPr id="1" name=""/>
-        <p:cNvGrpSpPr/>
-        <p:nvPr/>
-      </p:nvGrpSpPr>
-      <p:grpSpPr>
-        <a:xfrm>
-          <a:off x="0" y="0"/>
-          <a:ext cx="0" cy="0"/>
-          <a:chOff x="0" y="0"/>
-          <a:chExt cx="0" cy="0"/>
-        </a:xfrm>
-      </p:grpSpPr>
-      <p:pic>
-        <p:nvPicPr>
-          <p:cNvPr descr="Employment by rank years in service" id="10" name="slide10">
-            <a:extLst>
-              <a:ext uri="{FF2B5EF4-FFF2-40B4-BE49-F238E27FC236}">
-                <a16:creationId xmlns:a16="http://schemas.microsoft.com/office/drawing/2014/main" id="{1C8A693F-9A52-48D3-B8AE-240626F29F44}"/>
-              </a:ext>
-            </a:extLst>
-          </p:cNvPr>
-          <p:cNvPicPr>
-            <a:picLocks noChangeAspect="1"/>
-          </p:cNvPicPr>
-          <p:nvPr/>
-        </p:nvPicPr>
-        <p:blipFill>
-          <a:blip r:embed="rId15">
-            <a:extLst>
-              <a:ext uri="{28A0092B-C50C-407E-A947-70E740481C1C}">
-                <a14:useLocalDpi xmlns:a14="http://schemas.microsoft.com/office/drawing/2010/main" val="0"/>
-              </a:ext>
-            </a:extLst>
-          </a:blip>
-          <a:stretch>
-            <a:fillRect/>
-          </a:stretch>
-        </p:blipFill>
-        <p:spPr>
-          <a:xfrm>
-            <a:off x="4244601" y="0"/>
-            <a:ext cx="3702798" cy="6858000"/>
-          </a:xfrm>
-          <a:prstGeom prst="rect">
-            <a:avLst/>
-          </a:prstGeom>
-        </p:spPr>
-      </p:pic>
-    </p:spTree>
-    <p:extLst>
-      <p:ext uri="{BB962C8B-B14F-4D97-AF65-F5344CB8AC3E}">
-        <p14:creationId xmlns:p14="http://schemas.microsoft.com/office/powerpoint/2010/main" val="95992585"/>
-      </p:ext>
-    </p:extLst>
-  </p:cSld>
-  <p:clrMapOvr>
-    <a:masterClrMapping/>
-  </p:clrMapOvr>
-</p:sld>
-</file>
-
-<file path=ppt/slides/slide11.xml><?xml version="1.0" encoding="utf-8"?>
-<p:sld xmlns:a="http://schemas.openxmlformats.org/drawingml/2006/main" xmlns:p="http://schemas.openxmlformats.org/presentationml/2006/main" xmlns:r="http://schemas.openxmlformats.org/officeDocument/2006/relationships">
-  <p:cSld>
-    <p:spTree>
-      <p:nvGrpSpPr>
-        <p:cNvPr id="1" name=""/>
-        <p:cNvGrpSpPr/>
-        <p:nvPr/>
-      </p:nvGrpSpPr>
-      <p:grpSpPr>
-        <a:xfrm>
-          <a:off x="0" y="0"/>
-          <a:ext cx="0" cy="0"/>
-          <a:chOff x="0" y="0"/>
-          <a:chExt cx="0" cy="0"/>
-        </a:xfrm>
-      </p:grpSpPr>
-      <p:pic>
-        <p:nvPicPr>
-          <p:cNvPr descr="Communication prefrences" id="11" name="slide11">
-            <a:extLst>
-              <a:ext uri="{FF2B5EF4-FFF2-40B4-BE49-F238E27FC236}">
-                <a16:creationId xmlns:a16="http://schemas.microsoft.com/office/drawing/2014/main" id="{90FEFE50-12FE-418E-8EFD-FE01D8CAE5E7}"/>
-              </a:ext>
-            </a:extLst>
-          </p:cNvPr>
-          <p:cNvPicPr>
-            <a:picLocks noChangeAspect="1"/>
-          </p:cNvPicPr>
-          <p:nvPr/>
-        </p:nvPicPr>
-        <p:blipFill>
-          <a:blip r:embed="rId16">
-            <a:extLst>
-              <a:ext uri="{28A0092B-C50C-407E-A947-70E740481C1C}">
-                <a14:useLocalDpi xmlns:a14="http://schemas.microsoft.com/office/drawing/2010/main" val="0"/>
-              </a:ext>
-            </a:extLst>
-          </a:blip>
-          <a:stretch>
-            <a:fillRect/>
-          </a:stretch>
-        </p:blipFill>
-        <p:spPr>
-          <a:xfrm>
-            <a:off x="2633662" y="1042987"/>
-            <a:ext cx="6924675" cy="4772025"/>
-          </a:xfrm>
-          <a:prstGeom prst="rect">
-            <a:avLst/>
-          </a:prstGeom>
-        </p:spPr>
-      </p:pic>
-    </p:spTree>
-    <p:extLst>
-      <p:ext uri="{BB962C8B-B14F-4D97-AF65-F5344CB8AC3E}">
-        <p14:creationId xmlns:p14="http://schemas.microsoft.com/office/powerpoint/2010/main" val="95992585"/>
-      </p:ext>
-    </p:extLst>
-  </p:cSld>
-  <p:clrMapOvr>
-    <a:masterClrMapping/>
-  </p:clrMapOvr>
-</p:sld>
-</file>
-
-<file path=ppt/slides/slide12.xml><?xml version="1.0" encoding="utf-8"?>
-<p:sld xmlns:a="http://schemas.openxmlformats.org/drawingml/2006/main" xmlns:p="http://schemas.openxmlformats.org/presentationml/2006/main" xmlns:r="http://schemas.openxmlformats.org/officeDocument/2006/relationships">
-  <p:cSld>
-    <p:spTree>
-      <p:nvGrpSpPr>
-        <p:cNvPr id="1" name=""/>
-        <p:cNvGrpSpPr/>
-        <p:nvPr/>
-      </p:nvGrpSpPr>
-      <p:grpSpPr>
-        <a:xfrm>
-          <a:off x="0" y="0"/>
-          <a:ext cx="0" cy="0"/>
-          <a:chOff x="0" y="0"/>
-          <a:chExt cx="0" cy="0"/>
-        </a:xfrm>
-      </p:grpSpPr>
-      <p:pic>
-        <p:nvPicPr>
-          <p:cNvPr descr="Service men by branch" id="12" name="slide12">
-            <a:extLst>
-              <a:ext uri="{FF2B5EF4-FFF2-40B4-BE49-F238E27FC236}">
-                <a16:creationId xmlns:a16="http://schemas.microsoft.com/office/drawing/2014/main" id="{FB9939B1-CAB9-49BE-9A23-55C3ACB4C249}"/>
-              </a:ext>
-            </a:extLst>
-          </p:cNvPr>
-          <p:cNvPicPr>
-            <a:picLocks noChangeAspect="1"/>
-          </p:cNvPicPr>
-          <p:nvPr/>
-        </p:nvPicPr>
-        <p:blipFill>
-          <a:blip r:embed="rId17">
-            <a:extLst>
-              <a:ext uri="{28A0092B-C50C-407E-A947-70E740481C1C}">
-                <a14:useLocalDpi xmlns:a14="http://schemas.microsoft.com/office/drawing/2010/main" val="0"/>
-              </a:ext>
-            </a:extLst>
-          </a:blip>
-          <a:stretch>
-            <a:fillRect/>
-          </a:stretch>
-        </p:blipFill>
-        <p:spPr>
-          <a:xfrm>
-            <a:off x="1876425" y="1890712"/>
-            <a:ext cx="8439150" cy="3076575"/>
-          </a:xfrm>
-          <a:prstGeom prst="rect">
-            <a:avLst/>
-          </a:prstGeom>
-        </p:spPr>
-      </p:pic>
-    </p:spTree>
-    <p:extLst>
-      <p:ext uri="{BB962C8B-B14F-4D97-AF65-F5344CB8AC3E}">
-        <p14:creationId xmlns:p14="http://schemas.microsoft.com/office/powerpoint/2010/main" val="95992585"/>
-      </p:ext>
-    </p:extLst>
-  </p:cSld>
-  <p:clrMapOvr>
-    <a:masterClrMapping/>
-  </p:clrMapOvr>
-</p:sld>
-</file>
-
-<file path=ppt/slides/slide13.xml><?xml version="1.0" encoding="utf-8"?>
-<p:sld xmlns:a="http://schemas.openxmlformats.org/drawingml/2006/main" xmlns:p="http://schemas.openxmlformats.org/presentationml/2006/main" xmlns:r="http://schemas.openxmlformats.org/officeDocument/2006/relationships">
-  <p:cSld>
-    <p:spTree>
-      <p:nvGrpSpPr>
-        <p:cNvPr id="1" name=""/>
-        <p:cNvGrpSpPr/>
-        <p:nvPr/>
-      </p:nvGrpSpPr>
-      <p:grpSpPr>
-        <a:xfrm>
-          <a:off x="0" y="0"/>
-          <a:ext cx="0" cy="0"/>
-          <a:chOff x="0" y="0"/>
-          <a:chExt cx="0" cy="0"/>
-        </a:xfrm>
-      </p:grpSpPr>
-      <p:pic>
-        <p:nvPicPr>
-          <p:cNvPr descr="No. service men by rank" id="13" name="slide13">
-            <a:extLst>
-              <a:ext uri="{FF2B5EF4-FFF2-40B4-BE49-F238E27FC236}">
-                <a16:creationId xmlns:a16="http://schemas.microsoft.com/office/drawing/2014/main" id="{B92B964F-DF76-40E4-AE9A-92A50640A6C2}"/>
-              </a:ext>
-            </a:extLst>
-          </p:cNvPr>
-          <p:cNvPicPr>
-            <a:picLocks noChangeAspect="1"/>
-          </p:cNvPicPr>
-          <p:nvPr/>
-        </p:nvPicPr>
-        <p:blipFill>
-          <a:blip r:embed="rId18">
-            <a:extLst>
-              <a:ext uri="{28A0092B-C50C-407E-A947-70E740481C1C}">
-                <a14:useLocalDpi xmlns:a14="http://schemas.microsoft.com/office/drawing/2010/main" val="0"/>
-              </a:ext>
-            </a:extLst>
-          </a:blip>
-          <a:stretch>
-            <a:fillRect/>
-          </a:stretch>
-        </p:blipFill>
-        <p:spPr>
-          <a:xfrm>
-            <a:off x="2385164" y="0"/>
-            <a:ext cx="7421671" cy="6858000"/>
-          </a:xfrm>
-          <a:prstGeom prst="rect">
-            <a:avLst/>
-          </a:prstGeom>
-        </p:spPr>
-      </p:pic>
-    </p:spTree>
-    <p:extLst>
-      <p:ext uri="{BB962C8B-B14F-4D97-AF65-F5344CB8AC3E}">
-        <p14:creationId xmlns:p14="http://schemas.microsoft.com/office/powerpoint/2010/main" val="95992585"/>
-      </p:ext>
-    </p:extLst>
-  </p:cSld>
-  <p:clrMapOvr>
-    <a:masterClrMapping/>
-  </p:clrMapOvr>
-</p:sld>
-</file>
-
-<file path=ppt/slides/slide14.xml><?xml version="1.0" encoding="utf-8"?>
-<p:sld xmlns:a="http://schemas.openxmlformats.org/drawingml/2006/main" xmlns:p="http://schemas.openxmlformats.org/presentationml/2006/main" xmlns:r="http://schemas.openxmlformats.org/officeDocument/2006/relationships">
-  <p:cSld>
-    <p:spTree>
-      <p:nvGrpSpPr>
-        <p:cNvPr id="1" name=""/>
-        <p:cNvGrpSpPr/>
-        <p:nvPr/>
-      </p:nvGrpSpPr>
-      <p:grpSpPr>
-        <a:xfrm>
-          <a:off x="0" y="0"/>
-          <a:ext cx="0" cy="0"/>
-          <a:chOff x="0" y="0"/>
-          <a:chExt cx="0" cy="0"/>
-        </a:xfrm>
-      </p:grpSpPr>
-      <p:pic>
-        <p:nvPicPr>
-          <p:cNvPr descr="Employement by status 2" id="14" name="slide14">
-            <a:extLst>
-              <a:ext uri="{FF2B5EF4-FFF2-40B4-BE49-F238E27FC236}">
-                <a16:creationId xmlns:a16="http://schemas.microsoft.com/office/drawing/2014/main" id="{EBCAEB3F-941B-4B4E-AB0C-58EF8023B5E4}"/>
-              </a:ext>
-            </a:extLst>
-          </p:cNvPr>
-          <p:cNvPicPr>
-            <a:picLocks noChangeAspect="1"/>
-          </p:cNvPicPr>
-          <p:nvPr/>
-        </p:nvPicPr>
-        <p:blipFill>
-          <a:blip r:embed="rId19">
-            <a:extLst>
-              <a:ext uri="{28A0092B-C50C-407E-A947-70E740481C1C}">
-                <a14:useLocalDpi xmlns:a14="http://schemas.microsoft.com/office/drawing/2010/main" val="0"/>
-              </a:ext>
-            </a:extLst>
-          </a:blip>
-          <a:stretch>
-            <a:fillRect/>
-          </a:stretch>
-        </p:blipFill>
-        <p:spPr>
-          <a:xfrm>
-            <a:off x="1881187" y="1123950"/>
-            <a:ext cx="8429625" cy="4610100"/>
-          </a:xfrm>
-          <a:prstGeom prst="rect">
-            <a:avLst/>
-          </a:prstGeom>
-        </p:spPr>
-      </p:pic>
-    </p:spTree>
-    <p:extLst>
-      <p:ext uri="{BB962C8B-B14F-4D97-AF65-F5344CB8AC3E}">
-        <p14:creationId xmlns:p14="http://schemas.microsoft.com/office/powerpoint/2010/main" val="95992585"/>
-      </p:ext>
-    </p:extLst>
-  </p:cSld>
-  <p:clrMapOvr>
-    <a:masterClrMapping/>
-  </p:clrMapOvr>
-</p:sld>
-</file>
-
-<file path=ppt/slides/slide15.xml><?xml version="1.0" encoding="utf-8"?>
-<p:sld xmlns:a="http://schemas.openxmlformats.org/drawingml/2006/main" xmlns:p="http://schemas.openxmlformats.org/presentationml/2006/main" xmlns:r="http://schemas.openxmlformats.org/officeDocument/2006/relationships">
-  <p:cSld>
-    <p:spTree>
-      <p:nvGrpSpPr>
-        <p:cNvPr id="1" name=""/>
-        <p:cNvGrpSpPr/>
-        <p:nvPr/>
-      </p:nvGrpSpPr>
-      <p:grpSpPr>
-        <a:xfrm>
-          <a:off x="0" y="0"/>
-          <a:ext cx="0" cy="0"/>
-          <a:chOff x="0" y="0"/>
-          <a:chExt cx="0" cy="0"/>
-        </a:xfrm>
-      </p:grpSpPr>
-      <p:pic>
-        <p:nvPicPr>
-          <p:cNvPr descr="Employment by status" id="15" name="slide15">
-            <a:extLst>
-              <a:ext uri="{FF2B5EF4-FFF2-40B4-BE49-F238E27FC236}">
-                <a16:creationId xmlns:a16="http://schemas.microsoft.com/office/drawing/2014/main" id="{2575B8A3-CD8E-4922-9B77-669EBE6C6B17}"/>
-              </a:ext>
-            </a:extLst>
-          </p:cNvPr>
-          <p:cNvPicPr>
-            <a:picLocks noChangeAspect="1"/>
-          </p:cNvPicPr>
-          <p:nvPr/>
-        </p:nvPicPr>
-        <p:blipFill>
-          <a:blip r:embed="rId20">
-            <a:extLst>
-              <a:ext uri="{28A0092B-C50C-407E-A947-70E740481C1C}">
-                <a14:useLocalDpi xmlns:a14="http://schemas.microsoft.com/office/drawing/2010/main" val="0"/>
-              </a:ext>
-            </a:extLst>
-          </a:blip>
-          <a:stretch>
-            <a:fillRect/>
-          </a:stretch>
-        </p:blipFill>
-        <p:spPr>
-          <a:xfrm>
-            <a:off x="2561367" y="0"/>
-            <a:ext cx="7069265" cy="6858000"/>
-          </a:xfrm>
-          <a:prstGeom prst="rect">
-            <a:avLst/>
-          </a:prstGeom>
-        </p:spPr>
-      </p:pic>
-    </p:spTree>
-    <p:extLst>
-      <p:ext uri="{BB962C8B-B14F-4D97-AF65-F5344CB8AC3E}">
-        <p14:creationId xmlns:p14="http://schemas.microsoft.com/office/powerpoint/2010/main" val="95992585"/>
-      </p:ext>
-    </p:extLst>
-  </p:cSld>
-  <p:clrMapOvr>
-    <a:masterClrMapping/>
-  </p:clrMapOvr>
-</p:sld>
-</file>
-
-<file path=ppt/slides/slide16.xml><?xml version="1.0" encoding="utf-8"?>
-<p:sld xmlns:a="http://schemas.openxmlformats.org/drawingml/2006/main" xmlns:p="http://schemas.openxmlformats.org/presentationml/2006/main" xmlns:r="http://schemas.openxmlformats.org/officeDocument/2006/relationships">
-  <p:cSld>
-    <p:spTree>
-      <p:nvGrpSpPr>
-        <p:cNvPr id="1" name=""/>
-        <p:cNvGrpSpPr/>
-        <p:nvPr/>
-      </p:nvGrpSpPr>
-      <p:grpSpPr>
-        <a:xfrm>
-          <a:off x="0" y="0"/>
-          <a:ext cx="0" cy="0"/>
-          <a:chOff x="0" y="0"/>
-          <a:chExt cx="0" cy="0"/>
-        </a:xfrm>
-      </p:grpSpPr>
-      <p:pic>
-        <p:nvPicPr>
-          <p:cNvPr descr="Employment by gender" id="16" name="slide16">
-            <a:extLst>
-              <a:ext uri="{FF2B5EF4-FFF2-40B4-BE49-F238E27FC236}">
-                <a16:creationId xmlns:a16="http://schemas.microsoft.com/office/drawing/2014/main" id="{D30170A6-3E62-43B0-BD16-097B028E5796}"/>
-              </a:ext>
-            </a:extLst>
-          </p:cNvPr>
-          <p:cNvPicPr>
-            <a:picLocks noChangeAspect="1"/>
-          </p:cNvPicPr>
-          <p:nvPr/>
-        </p:nvPicPr>
-        <p:blipFill>
-          <a:blip r:embed="rId21">
-            <a:extLst>
-              <a:ext uri="{28A0092B-C50C-407E-A947-70E740481C1C}">
-                <a14:useLocalDpi xmlns:a14="http://schemas.microsoft.com/office/drawing/2010/main" val="0"/>
-              </a:ext>
-            </a:extLst>
-          </a:blip>
-          <a:stretch>
-            <a:fillRect/>
-          </a:stretch>
-        </p:blipFill>
-        <p:spPr>
-          <a:xfrm>
-            <a:off x="1871662" y="1790700"/>
-            <a:ext cx="8448675" cy="3276600"/>
-          </a:xfrm>
-          <a:prstGeom prst="rect">
-            <a:avLst/>
-          </a:prstGeom>
-        </p:spPr>
-      </p:pic>
-    </p:spTree>
-    <p:extLst>
-      <p:ext uri="{BB962C8B-B14F-4D97-AF65-F5344CB8AC3E}">
-        <p14:creationId xmlns:p14="http://schemas.microsoft.com/office/powerpoint/2010/main" val="95992585"/>
-      </p:ext>
-    </p:extLst>
-  </p:cSld>
-  <p:clrMapOvr>
-    <a:masterClrMapping/>
-  </p:clrMapOvr>
-</p:sld>
-</file>
-
-<file path=ppt/slides/slide17.xml><?xml version="1.0" encoding="utf-8"?>
-<p:sld xmlns:a="http://schemas.openxmlformats.org/drawingml/2006/main" xmlns:p="http://schemas.openxmlformats.org/presentationml/2006/main" xmlns:r="http://schemas.openxmlformats.org/officeDocument/2006/relationships">
-  <p:cSld>
-    <p:spTree>
-      <p:nvGrpSpPr>
-        <p:cNvPr id="1" name=""/>
-        <p:cNvGrpSpPr/>
-        <p:nvPr/>
-      </p:nvGrpSpPr>
-      <p:grpSpPr>
-        <a:xfrm>
-          <a:off x="0" y="0"/>
-          <a:ext cx="0" cy="0"/>
-          <a:chOff x="0" y="0"/>
-          <a:chExt cx="0" cy="0"/>
-        </a:xfrm>
-      </p:grpSpPr>
-      <p:pic>
-        <p:nvPicPr>
-          <p:cNvPr descr="Average years in service" id="17" name="slide17">
-            <a:extLst>
-              <a:ext uri="{FF2B5EF4-FFF2-40B4-BE49-F238E27FC236}">
-                <a16:creationId xmlns:a16="http://schemas.microsoft.com/office/drawing/2014/main" id="{6FD0AE20-3804-46E9-9C3A-673F5874A180}"/>
-              </a:ext>
-            </a:extLst>
-          </p:cNvPr>
-          <p:cNvPicPr>
-            <a:picLocks noChangeAspect="1"/>
-          </p:cNvPicPr>
-          <p:nvPr/>
-        </p:nvPicPr>
-        <p:blipFill>
-          <a:blip r:embed="rId22">
-            <a:extLst>
-              <a:ext uri="{28A0092B-C50C-407E-A947-70E740481C1C}">
-                <a14:useLocalDpi xmlns:a14="http://schemas.microsoft.com/office/drawing/2010/main" val="0"/>
-              </a:ext>
-            </a:extLst>
-          </a:blip>
-          <a:stretch>
-            <a:fillRect/>
-          </a:stretch>
-        </p:blipFill>
-        <p:spPr>
-          <a:xfrm>
-            <a:off x="2638425" y="2000250"/>
-            <a:ext cx="6915150" cy="2857500"/>
-          </a:xfrm>
-          <a:prstGeom prst="rect">
-            <a:avLst/>
-          </a:prstGeom>
-        </p:spPr>
-      </p:pic>
-    </p:spTree>
-    <p:extLst>
-      <p:ext uri="{BB962C8B-B14F-4D97-AF65-F5344CB8AC3E}">
-        <p14:creationId xmlns:p14="http://schemas.microsoft.com/office/powerpoint/2010/main" val="95992585"/>
-      </p:ext>
-    </p:extLst>
-  </p:cSld>
-  <p:clrMapOvr>
-    <a:masterClrMapping/>
-  </p:clrMapOvr>
-</p:sld>
-</file>
-
-<file path=ppt/slides/slide18.xml><?xml version="1.0" encoding="utf-8"?>
-<p:sld xmlns:a="http://schemas.openxmlformats.org/drawingml/2006/main" xmlns:p="http://schemas.openxmlformats.org/presentationml/2006/main" xmlns:r="http://schemas.openxmlformats.org/officeDocument/2006/relationships">
-  <p:cSld>
-    <p:spTree>
-      <p:nvGrpSpPr>
-        <p:cNvPr id="1" name=""/>
-        <p:cNvGrpSpPr/>
-        <p:nvPr/>
-      </p:nvGrpSpPr>
-      <p:grpSpPr>
-        <a:xfrm>
-          <a:off x="0" y="0"/>
-          <a:ext cx="0" cy="0"/>
-          <a:chOff x="0" y="0"/>
-          <a:chExt cx="0" cy="0"/>
-        </a:xfrm>
-      </p:grpSpPr>
-      <p:pic>
-        <p:nvPicPr>
-          <p:cNvPr descr="Dashboard 1" id="18" name="slide18">
-            <a:extLst>
-              <a:ext uri="{FF2B5EF4-FFF2-40B4-BE49-F238E27FC236}">
-                <a16:creationId xmlns:a16="http://schemas.microsoft.com/office/drawing/2014/main" id="{AF7C3E2D-753B-4FBD-B0B9-3796E6AE48F4}"/>
-              </a:ext>
-            </a:extLst>
-          </p:cNvPr>
-          <p:cNvPicPr>
-            <a:picLocks noChangeAspect="1"/>
-          </p:cNvPicPr>
-          <p:nvPr/>
-        </p:nvPicPr>
-        <p:blipFill>
-          <a:blip r:embed="rId23">
-            <a:extLst>
-              <a:ext uri="{28A0092B-C50C-407E-A947-70E740481C1C}">
-                <a14:useLocalDpi xmlns:a14="http://schemas.microsoft.com/office/drawing/2010/main" val="0"/>
-              </a:ext>
-            </a:extLst>
-          </a:blip>
-          <a:stretch>
-            <a:fillRect/>
-          </a:stretch>
-        </p:blipFill>
-        <p:spPr>
-          <a:xfrm>
-            <a:off x="1809750" y="0"/>
-            <a:ext cx="8572500" cy="6858000"/>
-          </a:xfrm>
-          <a:prstGeom prst="rect">
-            <a:avLst/>
-          </a:prstGeom>
-        </p:spPr>
-      </p:pic>
+              <a:t>File created on: 7/10/2020 9:02:42 AM</a:t>
+            </a:r>
+          </a:p>
+        </p:txBody>
+      </p:sp>
     </p:spTree>
     <p:extLst>
       <p:ext uri="{BB962C8B-B14F-4D97-AF65-F5344CB8AC3E}">
@@ -4020,10 +3410,10 @@
       </p:grpSpPr>
       <p:pic>
         <p:nvPicPr>
-          <p:cNvPr descr="Service rank Vs Years in service. " id="2" name="slide2">
-            <a:extLst>
-              <a:ext uri="{FF2B5EF4-FFF2-40B4-BE49-F238E27FC236}">
-                <a16:creationId xmlns:a16="http://schemas.microsoft.com/office/drawing/2014/main" id="{EA0E6DFA-E29C-4BFE-83AA-E7D95DE6412F}"/>
+          <p:cNvPr descr="Registration trends" id="2" name="slide2">
+            <a:extLst>
+              <a:ext uri="{FF2B5EF4-FFF2-40B4-BE49-F238E27FC236}">
+                <a16:creationId xmlns:a16="http://schemas.microsoft.com/office/drawing/2014/main" id="{F0979812-99E3-421F-82A2-813EDB594511}"/>
               </a:ext>
             </a:extLst>
           </p:cNvPr>
@@ -4046,470 +3436,8 @@
         </p:blipFill>
         <p:spPr>
           <a:xfrm>
-            <a:off x="2114225" y="0"/>
-            <a:ext cx="7963549" cy="6858000"/>
-          </a:xfrm>
-          <a:prstGeom prst="rect">
-            <a:avLst/>
-          </a:prstGeom>
-        </p:spPr>
-      </p:pic>
-    </p:spTree>
-    <p:extLst>
-      <p:ext uri="{BB962C8B-B14F-4D97-AF65-F5344CB8AC3E}">
-        <p14:creationId xmlns:p14="http://schemas.microsoft.com/office/powerpoint/2010/main" val="95992585"/>
-      </p:ext>
-    </p:extLst>
-  </p:cSld>
-  <p:clrMapOvr>
-    <a:masterClrMapping/>
-  </p:clrMapOvr>
-</p:sld>
-</file>
-
-<file path=ppt/slides/slide3.xml><?xml version="1.0" encoding="utf-8"?>
-<p:sld xmlns:a="http://schemas.openxmlformats.org/drawingml/2006/main" xmlns:p="http://schemas.openxmlformats.org/presentationml/2006/main" xmlns:r="http://schemas.openxmlformats.org/officeDocument/2006/relationships">
-  <p:cSld>
-    <p:spTree>
-      <p:nvGrpSpPr>
-        <p:cNvPr id="1" name=""/>
-        <p:cNvGrpSpPr/>
-        <p:nvPr/>
-      </p:nvGrpSpPr>
-      <p:grpSpPr>
-        <a:xfrm>
-          <a:off x="0" y="0"/>
-          <a:ext cx="0" cy="0"/>
-          <a:chOff x="0" y="0"/>
-          <a:chExt cx="0" cy="0"/>
-        </a:xfrm>
-      </p:grpSpPr>
-      <p:pic>
-        <p:nvPicPr>
-          <p:cNvPr descr="Average time service men register for services" id="3" name="slide3">
-            <a:extLst>
-              <a:ext uri="{FF2B5EF4-FFF2-40B4-BE49-F238E27FC236}">
-                <a16:creationId xmlns:a16="http://schemas.microsoft.com/office/drawing/2014/main" id="{1827A9AA-95B0-4E26-A57E-6C62C14DE3AE}"/>
-              </a:ext>
-            </a:extLst>
-          </p:cNvPr>
-          <p:cNvPicPr>
-            <a:picLocks noChangeAspect="1"/>
-          </p:cNvPicPr>
-          <p:nvPr/>
-        </p:nvPicPr>
-        <p:blipFill>
-          <a:blip r:embed="rId8">
-            <a:extLst>
-              <a:ext uri="{28A0092B-C50C-407E-A947-70E740481C1C}">
-                <a14:useLocalDpi xmlns:a14="http://schemas.microsoft.com/office/drawing/2010/main" val="0"/>
-              </a:ext>
-            </a:extLst>
-          </a:blip>
-          <a:stretch>
-            <a:fillRect/>
-          </a:stretch>
-        </p:blipFill>
-        <p:spPr>
-          <a:xfrm>
-            <a:off x="2140148" y="0"/>
-            <a:ext cx="7911703" cy="6858000"/>
-          </a:xfrm>
-          <a:prstGeom prst="rect">
-            <a:avLst/>
-          </a:prstGeom>
-        </p:spPr>
-      </p:pic>
-    </p:spTree>
-    <p:extLst>
-      <p:ext uri="{BB962C8B-B14F-4D97-AF65-F5344CB8AC3E}">
-        <p14:creationId xmlns:p14="http://schemas.microsoft.com/office/powerpoint/2010/main" val="95992585"/>
-      </p:ext>
-    </p:extLst>
-  </p:cSld>
-  <p:clrMapOvr>
-    <a:masterClrMapping/>
-  </p:clrMapOvr>
-</p:sld>
-</file>
-
-<file path=ppt/slides/slide4.xml><?xml version="1.0" encoding="utf-8"?>
-<p:sld xmlns:a="http://schemas.openxmlformats.org/drawingml/2006/main" xmlns:p="http://schemas.openxmlformats.org/presentationml/2006/main" xmlns:r="http://schemas.openxmlformats.org/officeDocument/2006/relationships">
-  <p:cSld>
-    <p:spTree>
-      <p:nvGrpSpPr>
-        <p:cNvPr id="1" name=""/>
-        <p:cNvGrpSpPr/>
-        <p:nvPr/>
-      </p:nvGrpSpPr>
-      <p:grpSpPr>
-        <a:xfrm>
-          <a:off x="0" y="0"/>
-          <a:ext cx="0" cy="0"/>
-          <a:chOff x="0" y="0"/>
-          <a:chExt cx="0" cy="0"/>
-        </a:xfrm>
-      </p:grpSpPr>
-      <p:pic>
-        <p:nvPicPr>
-          <p:cNvPr descr="Service branch emp by gender" id="4" name="slide4">
-            <a:extLst>
-              <a:ext uri="{FF2B5EF4-FFF2-40B4-BE49-F238E27FC236}">
-                <a16:creationId xmlns:a16="http://schemas.microsoft.com/office/drawing/2014/main" id="{29F0880B-8BA7-4B10-B783-8307A3C4E882}"/>
-              </a:ext>
-            </a:extLst>
-          </p:cNvPr>
-          <p:cNvPicPr>
-            <a:picLocks noChangeAspect="1"/>
-          </p:cNvPicPr>
-          <p:nvPr/>
-        </p:nvPicPr>
-        <p:blipFill>
-          <a:blip r:embed="rId9">
-            <a:extLst>
-              <a:ext uri="{28A0092B-C50C-407E-A947-70E740481C1C}">
-                <a14:useLocalDpi xmlns:a14="http://schemas.microsoft.com/office/drawing/2010/main" val="0"/>
-              </a:ext>
-            </a:extLst>
-          </a:blip>
-          <a:stretch>
-            <a:fillRect/>
-          </a:stretch>
-        </p:blipFill>
-        <p:spPr>
-          <a:xfrm>
-            <a:off x="3669857" y="0"/>
-            <a:ext cx="4852285" cy="6858000"/>
-          </a:xfrm>
-          <a:prstGeom prst="rect">
-            <a:avLst/>
-          </a:prstGeom>
-        </p:spPr>
-      </p:pic>
-    </p:spTree>
-    <p:extLst>
-      <p:ext uri="{BB962C8B-B14F-4D97-AF65-F5344CB8AC3E}">
-        <p14:creationId xmlns:p14="http://schemas.microsoft.com/office/powerpoint/2010/main" val="95992585"/>
-      </p:ext>
-    </p:extLst>
-  </p:cSld>
-  <p:clrMapOvr>
-    <a:masterClrMapping/>
-  </p:clrMapOvr>
-</p:sld>
-</file>
-
-<file path=ppt/slides/slide5.xml><?xml version="1.0" encoding="utf-8"?>
-<p:sld xmlns:a="http://schemas.openxmlformats.org/drawingml/2006/main" xmlns:p="http://schemas.openxmlformats.org/presentationml/2006/main" xmlns:r="http://schemas.openxmlformats.org/officeDocument/2006/relationships">
-  <p:cSld>
-    <p:spTree>
-      <p:nvGrpSpPr>
-        <p:cNvPr id="1" name=""/>
-        <p:cNvGrpSpPr/>
-        <p:nvPr/>
-      </p:nvGrpSpPr>
-      <p:grpSpPr>
-        <a:xfrm>
-          <a:off x="0" y="0"/>
-          <a:ext cx="0" cy="0"/>
-          <a:chOff x="0" y="0"/>
-          <a:chExt cx="0" cy="0"/>
-        </a:xfrm>
-      </p:grpSpPr>
-      <p:pic>
-        <p:nvPicPr>
-          <p:cNvPr descr="Relationship between status and service time. " id="5" name="slide5">
-            <a:extLst>
-              <a:ext uri="{FF2B5EF4-FFF2-40B4-BE49-F238E27FC236}">
-                <a16:creationId xmlns:a16="http://schemas.microsoft.com/office/drawing/2014/main" id="{6CD71166-BDF9-491D-BC50-DF8F7DDE54EE}"/>
-              </a:ext>
-            </a:extLst>
-          </p:cNvPr>
-          <p:cNvPicPr>
-            <a:picLocks noChangeAspect="1"/>
-          </p:cNvPicPr>
-          <p:nvPr/>
-        </p:nvPicPr>
-        <p:blipFill>
-          <a:blip r:embed="rId10">
-            <a:extLst>
-              <a:ext uri="{28A0092B-C50C-407E-A947-70E740481C1C}">
-                <a14:useLocalDpi xmlns:a14="http://schemas.microsoft.com/office/drawing/2010/main" val="0"/>
-              </a:ext>
-            </a:extLst>
-          </a:blip>
-          <a:stretch>
-            <a:fillRect/>
-          </a:stretch>
-        </p:blipFill>
-        <p:spPr>
-          <a:xfrm>
-            <a:off x="4754628" y="0"/>
-            <a:ext cx="2682743" cy="6858000"/>
-          </a:xfrm>
-          <a:prstGeom prst="rect">
-            <a:avLst/>
-          </a:prstGeom>
-        </p:spPr>
-      </p:pic>
-    </p:spTree>
-    <p:extLst>
-      <p:ext uri="{BB962C8B-B14F-4D97-AF65-F5344CB8AC3E}">
-        <p14:creationId xmlns:p14="http://schemas.microsoft.com/office/powerpoint/2010/main" val="95992585"/>
-      </p:ext>
-    </p:extLst>
-  </p:cSld>
-  <p:clrMapOvr>
-    <a:masterClrMapping/>
-  </p:clrMapOvr>
-</p:sld>
-</file>
-
-<file path=ppt/slides/slide6.xml><?xml version="1.0" encoding="utf-8"?>
-<p:sld xmlns:a="http://schemas.openxmlformats.org/drawingml/2006/main" xmlns:p="http://schemas.openxmlformats.org/presentationml/2006/main" xmlns:r="http://schemas.openxmlformats.org/officeDocument/2006/relationships">
-  <p:cSld>
-    <p:spTree>
-      <p:nvGrpSpPr>
-        <p:cNvPr id="1" name=""/>
-        <p:cNvGrpSpPr/>
-        <p:nvPr/>
-      </p:nvGrpSpPr>
-      <p:grpSpPr>
-        <a:xfrm>
-          <a:off x="0" y="0"/>
-          <a:ext cx="0" cy="0"/>
-          <a:chOff x="0" y="0"/>
-          <a:chExt cx="0" cy="0"/>
-        </a:xfrm>
-      </p:grpSpPr>
-      <p:pic>
-        <p:nvPicPr>
-          <p:cNvPr descr="Service rank vs time in service." id="6" name="slide6">
-            <a:extLst>
-              <a:ext uri="{FF2B5EF4-FFF2-40B4-BE49-F238E27FC236}">
-                <a16:creationId xmlns:a16="http://schemas.microsoft.com/office/drawing/2014/main" id="{B8B595B4-D934-4949-AAF6-183E98A20FAA}"/>
-              </a:ext>
-            </a:extLst>
-          </p:cNvPr>
-          <p:cNvPicPr>
-            <a:picLocks noChangeAspect="1"/>
-          </p:cNvPicPr>
-          <p:nvPr/>
-        </p:nvPicPr>
-        <p:blipFill>
-          <a:blip r:embed="rId11">
-            <a:extLst>
-              <a:ext uri="{28A0092B-C50C-407E-A947-70E740481C1C}">
-                <a14:useLocalDpi xmlns:a14="http://schemas.microsoft.com/office/drawing/2010/main" val="0"/>
-              </a:ext>
-            </a:extLst>
-          </a:blip>
-          <a:stretch>
-            <a:fillRect/>
-          </a:stretch>
-        </p:blipFill>
-        <p:spPr>
-          <a:xfrm>
-            <a:off x="4476179" y="0"/>
-            <a:ext cx="3239640" cy="6858000"/>
-          </a:xfrm>
-          <a:prstGeom prst="rect">
-            <a:avLst/>
-          </a:prstGeom>
-        </p:spPr>
-      </p:pic>
-    </p:spTree>
-    <p:extLst>
-      <p:ext uri="{BB962C8B-B14F-4D97-AF65-F5344CB8AC3E}">
-        <p14:creationId xmlns:p14="http://schemas.microsoft.com/office/powerpoint/2010/main" val="95992585"/>
-      </p:ext>
-    </p:extLst>
-  </p:cSld>
-  <p:clrMapOvr>
-    <a:masterClrMapping/>
-  </p:clrMapOvr>
-</p:sld>
-</file>
-
-<file path=ppt/slides/slide7.xml><?xml version="1.0" encoding="utf-8"?>
-<p:sld xmlns:a="http://schemas.openxmlformats.org/drawingml/2006/main" xmlns:p="http://schemas.openxmlformats.org/presentationml/2006/main" xmlns:r="http://schemas.openxmlformats.org/officeDocument/2006/relationships">
-  <p:cSld>
-    <p:spTree>
-      <p:nvGrpSpPr>
-        <p:cNvPr id="1" name=""/>
-        <p:cNvGrpSpPr/>
-        <p:nvPr/>
-      </p:nvGrpSpPr>
-      <p:grpSpPr>
-        <a:xfrm>
-          <a:off x="0" y="0"/>
-          <a:ext cx="0" cy="0"/>
-          <a:chOff x="0" y="0"/>
-          <a:chExt cx="0" cy="0"/>
-        </a:xfrm>
-      </p:grpSpPr>
-      <p:pic>
-        <p:nvPicPr>
-          <p:cNvPr descr="Employment by location and service years. " id="7" name="slide7">
-            <a:extLst>
-              <a:ext uri="{FF2B5EF4-FFF2-40B4-BE49-F238E27FC236}">
-                <a16:creationId xmlns:a16="http://schemas.microsoft.com/office/drawing/2014/main" id="{A4EA439F-3029-4B7A-AFE3-FC5C08F21320}"/>
-              </a:ext>
-            </a:extLst>
-          </p:cNvPr>
-          <p:cNvPicPr>
-            <a:picLocks noChangeAspect="1"/>
-          </p:cNvPicPr>
-          <p:nvPr/>
-        </p:nvPicPr>
-        <p:blipFill>
-          <a:blip r:embed="rId12">
-            <a:extLst>
-              <a:ext uri="{28A0092B-C50C-407E-A947-70E740481C1C}">
-                <a14:useLocalDpi xmlns:a14="http://schemas.microsoft.com/office/drawing/2010/main" val="0"/>
-              </a:ext>
-            </a:extLst>
-          </a:blip>
-          <a:stretch>
-            <a:fillRect/>
-          </a:stretch>
-        </p:blipFill>
-        <p:spPr>
-          <a:xfrm>
-            <a:off x="5602668" y="0"/>
-            <a:ext cx="986662" cy="6858000"/>
-          </a:xfrm>
-          <a:prstGeom prst="rect">
-            <a:avLst/>
-          </a:prstGeom>
-        </p:spPr>
-      </p:pic>
-    </p:spTree>
-    <p:extLst>
-      <p:ext uri="{BB962C8B-B14F-4D97-AF65-F5344CB8AC3E}">
-        <p14:creationId xmlns:p14="http://schemas.microsoft.com/office/powerpoint/2010/main" val="95992585"/>
-      </p:ext>
-    </p:extLst>
-  </p:cSld>
-  <p:clrMapOvr>
-    <a:masterClrMapping/>
-  </p:clrMapOvr>
-</p:sld>
-</file>
-
-<file path=ppt/slides/slide8.xml><?xml version="1.0" encoding="utf-8"?>
-<p:sld xmlns:a="http://schemas.openxmlformats.org/drawingml/2006/main" xmlns:p="http://schemas.openxmlformats.org/presentationml/2006/main" xmlns:r="http://schemas.openxmlformats.org/officeDocument/2006/relationships">
-  <p:cSld>
-    <p:spTree>
-      <p:nvGrpSpPr>
-        <p:cNvPr id="1" name=""/>
-        <p:cNvGrpSpPr/>
-        <p:nvPr/>
-      </p:nvGrpSpPr>
-      <p:grpSpPr>
-        <a:xfrm>
-          <a:off x="0" y="0"/>
-          <a:ext cx="0" cy="0"/>
-          <a:chOff x="0" y="0"/>
-          <a:chExt cx="0" cy="0"/>
-        </a:xfrm>
-      </p:grpSpPr>
-      <p:pic>
-        <p:nvPicPr>
-          <p:cNvPr descr="Communication by service years" id="8" name="slide8">
-            <a:extLst>
-              <a:ext uri="{FF2B5EF4-FFF2-40B4-BE49-F238E27FC236}">
-                <a16:creationId xmlns:a16="http://schemas.microsoft.com/office/drawing/2014/main" id="{5D8D2ADA-EE2C-4B4B-8589-A10E1EBB4EB9}"/>
-              </a:ext>
-            </a:extLst>
-          </p:cNvPr>
-          <p:cNvPicPr>
-            <a:picLocks noChangeAspect="1"/>
-          </p:cNvPicPr>
-          <p:nvPr/>
-        </p:nvPicPr>
-        <p:blipFill>
-          <a:blip r:embed="rId13">
-            <a:extLst>
-              <a:ext uri="{28A0092B-C50C-407E-A947-70E740481C1C}">
-                <a14:useLocalDpi xmlns:a14="http://schemas.microsoft.com/office/drawing/2010/main" val="0"/>
-              </a:ext>
-            </a:extLst>
-          </a:blip>
-          <a:stretch>
-            <a:fillRect/>
-          </a:stretch>
-        </p:blipFill>
-        <p:spPr>
-          <a:xfrm>
-            <a:off x="2638425" y="952500"/>
-            <a:ext cx="6915150" cy="4953000"/>
-          </a:xfrm>
-          <a:prstGeom prst="rect">
-            <a:avLst/>
-          </a:prstGeom>
-        </p:spPr>
-      </p:pic>
-    </p:spTree>
-    <p:extLst>
-      <p:ext uri="{BB962C8B-B14F-4D97-AF65-F5344CB8AC3E}">
-        <p14:creationId xmlns:p14="http://schemas.microsoft.com/office/powerpoint/2010/main" val="95992585"/>
-      </p:ext>
-    </p:extLst>
-  </p:cSld>
-  <p:clrMapOvr>
-    <a:masterClrMapping/>
-  </p:clrMapOvr>
-</p:sld>
-</file>
-
-<file path=ppt/slides/slide9.xml><?xml version="1.0" encoding="utf-8"?>
-<p:sld xmlns:a="http://schemas.openxmlformats.org/drawingml/2006/main" xmlns:p="http://schemas.openxmlformats.org/presentationml/2006/main" xmlns:r="http://schemas.openxmlformats.org/officeDocument/2006/relationships">
-  <p:cSld>
-    <p:spTree>
-      <p:nvGrpSpPr>
-        <p:cNvPr id="1" name=""/>
-        <p:cNvGrpSpPr/>
-        <p:nvPr/>
-      </p:nvGrpSpPr>
-      <p:grpSpPr>
-        <a:xfrm>
-          <a:off x="0" y="0"/>
-          <a:ext cx="0" cy="0"/>
-          <a:chOff x="0" y="0"/>
-          <a:chExt cx="0" cy="0"/>
-        </a:xfrm>
-      </p:grpSpPr>
-      <p:pic>
-        <p:nvPicPr>
-          <p:cNvPr descr="Employment by service years" id="9" name="slide9">
-            <a:extLst>
-              <a:ext uri="{FF2B5EF4-FFF2-40B4-BE49-F238E27FC236}">
-                <a16:creationId xmlns:a16="http://schemas.microsoft.com/office/drawing/2014/main" id="{3C133722-8483-427D-A808-F372B9FF23CE}"/>
-              </a:ext>
-            </a:extLst>
-          </p:cNvPr>
-          <p:cNvPicPr>
-            <a:picLocks noChangeAspect="1"/>
-          </p:cNvPicPr>
-          <p:nvPr/>
-        </p:nvPicPr>
-        <p:blipFill>
-          <a:blip r:embed="rId14">
-            <a:extLst>
-              <a:ext uri="{28A0092B-C50C-407E-A947-70E740481C1C}">
-                <a14:useLocalDpi xmlns:a14="http://schemas.microsoft.com/office/drawing/2010/main" val="0"/>
-              </a:ext>
-            </a:extLst>
-          </a:blip>
-          <a:stretch>
-            <a:fillRect/>
-          </a:stretch>
-        </p:blipFill>
-        <p:spPr>
-          <a:xfrm>
-            <a:off x="2638425" y="976312"/>
-            <a:ext cx="6915150" cy="4905375"/>
+            <a:off x="2468092" y="0"/>
+            <a:ext cx="7255816" cy="6858000"/>
           </a:xfrm>
           <a:prstGeom prst="rect">
             <a:avLst/>

--- a/Tableau/DWProjectFinal.pptx
+++ b/Tableau/DWProjectFinal.pptx
@@ -7,6 +7,32 @@
   <p:sldIdLst>
     <p:sldId id="256" r:id="rId6"/>
     <p:sldId id="257" r:id="rId7"/>
+    <p:sldId id="258" r:id="rId8"/>
+    <p:sldId id="259" r:id="rId9"/>
+    <p:sldId id="260" r:id="rId10"/>
+    <p:sldId id="261" r:id="rId11"/>
+    <p:sldId id="262" r:id="rId12"/>
+    <p:sldId id="263" r:id="rId13"/>
+    <p:sldId id="264" r:id="rId14"/>
+    <p:sldId id="265" r:id="rId15"/>
+    <p:sldId id="266" r:id="rId16"/>
+    <p:sldId id="267" r:id="rId17"/>
+    <p:sldId id="268" r:id="rId18"/>
+    <p:sldId id="269" r:id="rId19"/>
+    <p:sldId id="270" r:id="rId20"/>
+    <p:sldId id="271" r:id="rId21"/>
+    <p:sldId id="272" r:id="rId22"/>
+    <p:sldId id="273" r:id="rId23"/>
+    <p:sldId id="274" r:id="rId24"/>
+    <p:sldId id="275" r:id="rId25"/>
+    <p:sldId id="276" r:id="rId26"/>
+    <p:sldId id="277" r:id="rId27"/>
+    <p:sldId id="278" r:id="rId28"/>
+    <p:sldId id="279" r:id="rId29"/>
+    <p:sldId id="280" r:id="rId30"/>
+    <p:sldId id="281" r:id="rId31"/>
+    <p:sldId id="282" r:id="rId32"/>
+    <p:sldId id="283" r:id="rId33"/>
   </p:sldIdLst>
   <p:sldSz cx="12192000" cy="6858000"/>
   <p:notesSz cx="6858000" cy="9144000"/>
@@ -3327,7 +3353,7 @@
           <p:cNvPr id="0" name="slide1">
             <a:extLst>
               <a:ext uri="{FF2B5EF4-FFF2-40B4-BE49-F238E27FC236}">
-                <a16:creationId xmlns:a16="http://schemas.microsoft.com/office/drawing/2014/main" id="{16030A14-4D12-4C9E-9722-02A77516A563}"/>
+                <a16:creationId xmlns:a16="http://schemas.microsoft.com/office/drawing/2014/main" id="{20810E32-EBAA-4A77-82EC-E29112FEF2A2}"/>
               </a:ext>
             </a:extLst>
           </p:cNvPr>
@@ -3355,7 +3381,7 @@
           <p:cNvPr id="1" name="slide1">
             <a:extLst>
               <a:ext uri="{FF2B5EF4-FFF2-40B4-BE49-F238E27FC236}">
-                <a16:creationId xmlns:a16="http://schemas.microsoft.com/office/drawing/2014/main" id="{7F4B7334-A643-4F58-9197-98BF4AF0AA46}"/>
+                <a16:creationId xmlns:a16="http://schemas.microsoft.com/office/drawing/2014/main" id="{C1FE2668-E10C-4C07-90C8-080F8E0D94ED}"/>
               </a:ext>
             </a:extLst>
           </p:cNvPr>
@@ -3373,11 +3399,671 @@
           <a:p>
             <a:r>
               <a:rPr/>
-              <a:t>File created on: 7/10/2020 9:02:42 AM</a:t>
-            </a:r>
-          </a:p>
-        </p:txBody>
-      </p:sp>
+              <a:t>File created on: 7/10/2020 11:39:15 PM</a:t>
+            </a:r>
+          </a:p>
+        </p:txBody>
+      </p:sp>
+    </p:spTree>
+    <p:extLst>
+      <p:ext uri="{BB962C8B-B14F-4D97-AF65-F5344CB8AC3E}">
+        <p14:creationId xmlns:p14="http://schemas.microsoft.com/office/powerpoint/2010/main" val="95992585"/>
+      </p:ext>
+    </p:extLst>
+  </p:cSld>
+  <p:clrMapOvr>
+    <a:masterClrMapping/>
+  </p:clrMapOvr>
+</p:sld>
+</file>
+
+<file path=ppt/slides/slide10.xml><?xml version="1.0" encoding="utf-8"?>
+<p:sld xmlns:a="http://schemas.openxmlformats.org/drawingml/2006/main" xmlns:p="http://schemas.openxmlformats.org/presentationml/2006/main" xmlns:r="http://schemas.openxmlformats.org/officeDocument/2006/relationships">
+  <p:cSld>
+    <p:spTree>
+      <p:nvGrpSpPr>
+        <p:cNvPr id="1" name=""/>
+        <p:cNvGrpSpPr/>
+        <p:nvPr/>
+      </p:nvGrpSpPr>
+      <p:grpSpPr>
+        <a:xfrm>
+          <a:off x="0" y="0"/>
+          <a:ext cx="0" cy="0"/>
+          <a:chOff x="0" y="0"/>
+          <a:chExt cx="0" cy="0"/>
+        </a:xfrm>
+      </p:grpSpPr>
+      <p:pic>
+        <p:nvPicPr>
+          <p:cNvPr descr="Employment by rank years in service" id="10" name="slide10">
+            <a:extLst>
+              <a:ext uri="{FF2B5EF4-FFF2-40B4-BE49-F238E27FC236}">
+                <a16:creationId xmlns:a16="http://schemas.microsoft.com/office/drawing/2014/main" id="{35BC2073-F1C1-4318-B28E-CB255FD24EE1}"/>
+              </a:ext>
+            </a:extLst>
+          </p:cNvPr>
+          <p:cNvPicPr>
+            <a:picLocks noChangeAspect="1"/>
+          </p:cNvPicPr>
+          <p:nvPr/>
+        </p:nvPicPr>
+        <p:blipFill>
+          <a:blip r:embed="rId15">
+            <a:extLst>
+              <a:ext uri="{28A0092B-C50C-407E-A947-70E740481C1C}">
+                <a14:useLocalDpi xmlns:a14="http://schemas.microsoft.com/office/drawing/2010/main" val="0"/>
+              </a:ext>
+            </a:extLst>
+          </a:blip>
+          <a:stretch>
+            <a:fillRect/>
+          </a:stretch>
+        </p:blipFill>
+        <p:spPr>
+          <a:xfrm>
+            <a:off x="4244601" y="0"/>
+            <a:ext cx="3702798" cy="6858000"/>
+          </a:xfrm>
+          <a:prstGeom prst="rect">
+            <a:avLst/>
+          </a:prstGeom>
+        </p:spPr>
+      </p:pic>
+    </p:spTree>
+    <p:extLst>
+      <p:ext uri="{BB962C8B-B14F-4D97-AF65-F5344CB8AC3E}">
+        <p14:creationId xmlns:p14="http://schemas.microsoft.com/office/powerpoint/2010/main" val="95992585"/>
+      </p:ext>
+    </p:extLst>
+  </p:cSld>
+  <p:clrMapOvr>
+    <a:masterClrMapping/>
+  </p:clrMapOvr>
+</p:sld>
+</file>
+
+<file path=ppt/slides/slide11.xml><?xml version="1.0" encoding="utf-8"?>
+<p:sld xmlns:a="http://schemas.openxmlformats.org/drawingml/2006/main" xmlns:p="http://schemas.openxmlformats.org/presentationml/2006/main" xmlns:r="http://schemas.openxmlformats.org/officeDocument/2006/relationships">
+  <p:cSld>
+    <p:spTree>
+      <p:nvGrpSpPr>
+        <p:cNvPr id="1" name=""/>
+        <p:cNvGrpSpPr/>
+        <p:nvPr/>
+      </p:nvGrpSpPr>
+      <p:grpSpPr>
+        <a:xfrm>
+          <a:off x="0" y="0"/>
+          <a:ext cx="0" cy="0"/>
+          <a:chOff x="0" y="0"/>
+          <a:chExt cx="0" cy="0"/>
+        </a:xfrm>
+      </p:grpSpPr>
+      <p:pic>
+        <p:nvPicPr>
+          <p:cNvPr descr="Communication prefrences" id="11" name="slide11">
+            <a:extLst>
+              <a:ext uri="{FF2B5EF4-FFF2-40B4-BE49-F238E27FC236}">
+                <a16:creationId xmlns:a16="http://schemas.microsoft.com/office/drawing/2014/main" id="{045AC315-93E6-490A-8B22-A07361F825B0}"/>
+              </a:ext>
+            </a:extLst>
+          </p:cNvPr>
+          <p:cNvPicPr>
+            <a:picLocks noChangeAspect="1"/>
+          </p:cNvPicPr>
+          <p:nvPr/>
+        </p:nvPicPr>
+        <p:blipFill>
+          <a:blip r:embed="rId16">
+            <a:extLst>
+              <a:ext uri="{28A0092B-C50C-407E-A947-70E740481C1C}">
+                <a14:useLocalDpi xmlns:a14="http://schemas.microsoft.com/office/drawing/2010/main" val="0"/>
+              </a:ext>
+            </a:extLst>
+          </a:blip>
+          <a:stretch>
+            <a:fillRect/>
+          </a:stretch>
+        </p:blipFill>
+        <p:spPr>
+          <a:xfrm>
+            <a:off x="2633662" y="1042987"/>
+            <a:ext cx="6924675" cy="4772025"/>
+          </a:xfrm>
+          <a:prstGeom prst="rect">
+            <a:avLst/>
+          </a:prstGeom>
+        </p:spPr>
+      </p:pic>
+    </p:spTree>
+    <p:extLst>
+      <p:ext uri="{BB962C8B-B14F-4D97-AF65-F5344CB8AC3E}">
+        <p14:creationId xmlns:p14="http://schemas.microsoft.com/office/powerpoint/2010/main" val="95992585"/>
+      </p:ext>
+    </p:extLst>
+  </p:cSld>
+  <p:clrMapOvr>
+    <a:masterClrMapping/>
+  </p:clrMapOvr>
+</p:sld>
+</file>
+
+<file path=ppt/slides/slide12.xml><?xml version="1.0" encoding="utf-8"?>
+<p:sld xmlns:a="http://schemas.openxmlformats.org/drawingml/2006/main" xmlns:p="http://schemas.openxmlformats.org/presentationml/2006/main" xmlns:r="http://schemas.openxmlformats.org/officeDocument/2006/relationships">
+  <p:cSld>
+    <p:spTree>
+      <p:nvGrpSpPr>
+        <p:cNvPr id="1" name=""/>
+        <p:cNvGrpSpPr/>
+        <p:nvPr/>
+      </p:nvGrpSpPr>
+      <p:grpSpPr>
+        <a:xfrm>
+          <a:off x="0" y="0"/>
+          <a:ext cx="0" cy="0"/>
+          <a:chOff x="0" y="0"/>
+          <a:chExt cx="0" cy="0"/>
+        </a:xfrm>
+      </p:grpSpPr>
+      <p:pic>
+        <p:nvPicPr>
+          <p:cNvPr descr="Service men by branch" id="12" name="slide12">
+            <a:extLst>
+              <a:ext uri="{FF2B5EF4-FFF2-40B4-BE49-F238E27FC236}">
+                <a16:creationId xmlns:a16="http://schemas.microsoft.com/office/drawing/2014/main" id="{821F5B84-13E2-44A3-86D5-35E7B48714D3}"/>
+              </a:ext>
+            </a:extLst>
+          </p:cNvPr>
+          <p:cNvPicPr>
+            <a:picLocks noChangeAspect="1"/>
+          </p:cNvPicPr>
+          <p:nvPr/>
+        </p:nvPicPr>
+        <p:blipFill>
+          <a:blip r:embed="rId17">
+            <a:extLst>
+              <a:ext uri="{28A0092B-C50C-407E-A947-70E740481C1C}">
+                <a14:useLocalDpi xmlns:a14="http://schemas.microsoft.com/office/drawing/2010/main" val="0"/>
+              </a:ext>
+            </a:extLst>
+          </a:blip>
+          <a:stretch>
+            <a:fillRect/>
+          </a:stretch>
+        </p:blipFill>
+        <p:spPr>
+          <a:xfrm>
+            <a:off x="1876425" y="1890712"/>
+            <a:ext cx="8439150" cy="3076575"/>
+          </a:xfrm>
+          <a:prstGeom prst="rect">
+            <a:avLst/>
+          </a:prstGeom>
+        </p:spPr>
+      </p:pic>
+    </p:spTree>
+    <p:extLst>
+      <p:ext uri="{BB962C8B-B14F-4D97-AF65-F5344CB8AC3E}">
+        <p14:creationId xmlns:p14="http://schemas.microsoft.com/office/powerpoint/2010/main" val="95992585"/>
+      </p:ext>
+    </p:extLst>
+  </p:cSld>
+  <p:clrMapOvr>
+    <a:masterClrMapping/>
+  </p:clrMapOvr>
+</p:sld>
+</file>
+
+<file path=ppt/slides/slide13.xml><?xml version="1.0" encoding="utf-8"?>
+<p:sld xmlns:a="http://schemas.openxmlformats.org/drawingml/2006/main" xmlns:p="http://schemas.openxmlformats.org/presentationml/2006/main" xmlns:r="http://schemas.openxmlformats.org/officeDocument/2006/relationships">
+  <p:cSld>
+    <p:spTree>
+      <p:nvGrpSpPr>
+        <p:cNvPr id="1" name=""/>
+        <p:cNvGrpSpPr/>
+        <p:nvPr/>
+      </p:nvGrpSpPr>
+      <p:grpSpPr>
+        <a:xfrm>
+          <a:off x="0" y="0"/>
+          <a:ext cx="0" cy="0"/>
+          <a:chOff x="0" y="0"/>
+          <a:chExt cx="0" cy="0"/>
+        </a:xfrm>
+      </p:grpSpPr>
+      <p:pic>
+        <p:nvPicPr>
+          <p:cNvPr descr="No. service men by rank" id="13" name="slide13">
+            <a:extLst>
+              <a:ext uri="{FF2B5EF4-FFF2-40B4-BE49-F238E27FC236}">
+                <a16:creationId xmlns:a16="http://schemas.microsoft.com/office/drawing/2014/main" id="{28CC91DD-BF32-49BB-B915-64490193CD81}"/>
+              </a:ext>
+            </a:extLst>
+          </p:cNvPr>
+          <p:cNvPicPr>
+            <a:picLocks noChangeAspect="1"/>
+          </p:cNvPicPr>
+          <p:nvPr/>
+        </p:nvPicPr>
+        <p:blipFill>
+          <a:blip r:embed="rId18">
+            <a:extLst>
+              <a:ext uri="{28A0092B-C50C-407E-A947-70E740481C1C}">
+                <a14:useLocalDpi xmlns:a14="http://schemas.microsoft.com/office/drawing/2010/main" val="0"/>
+              </a:ext>
+            </a:extLst>
+          </a:blip>
+          <a:stretch>
+            <a:fillRect/>
+          </a:stretch>
+        </p:blipFill>
+        <p:spPr>
+          <a:xfrm>
+            <a:off x="2385164" y="0"/>
+            <a:ext cx="7421671" cy="6858000"/>
+          </a:xfrm>
+          <a:prstGeom prst="rect">
+            <a:avLst/>
+          </a:prstGeom>
+        </p:spPr>
+      </p:pic>
+    </p:spTree>
+    <p:extLst>
+      <p:ext uri="{BB962C8B-B14F-4D97-AF65-F5344CB8AC3E}">
+        <p14:creationId xmlns:p14="http://schemas.microsoft.com/office/powerpoint/2010/main" val="95992585"/>
+      </p:ext>
+    </p:extLst>
+  </p:cSld>
+  <p:clrMapOvr>
+    <a:masterClrMapping/>
+  </p:clrMapOvr>
+</p:sld>
+</file>
+
+<file path=ppt/slides/slide14.xml><?xml version="1.0" encoding="utf-8"?>
+<p:sld xmlns:a="http://schemas.openxmlformats.org/drawingml/2006/main" xmlns:p="http://schemas.openxmlformats.org/presentationml/2006/main" xmlns:r="http://schemas.openxmlformats.org/officeDocument/2006/relationships">
+  <p:cSld>
+    <p:spTree>
+      <p:nvGrpSpPr>
+        <p:cNvPr id="1" name=""/>
+        <p:cNvGrpSpPr/>
+        <p:nvPr/>
+      </p:nvGrpSpPr>
+      <p:grpSpPr>
+        <a:xfrm>
+          <a:off x="0" y="0"/>
+          <a:ext cx="0" cy="0"/>
+          <a:chOff x="0" y="0"/>
+          <a:chExt cx="0" cy="0"/>
+        </a:xfrm>
+      </p:grpSpPr>
+      <p:pic>
+        <p:nvPicPr>
+          <p:cNvPr descr="Employement by status 2" id="14" name="slide14">
+            <a:extLst>
+              <a:ext uri="{FF2B5EF4-FFF2-40B4-BE49-F238E27FC236}">
+                <a16:creationId xmlns:a16="http://schemas.microsoft.com/office/drawing/2014/main" id="{67E833AD-85CA-4467-B36D-76065DBB77E2}"/>
+              </a:ext>
+            </a:extLst>
+          </p:cNvPr>
+          <p:cNvPicPr>
+            <a:picLocks noChangeAspect="1"/>
+          </p:cNvPicPr>
+          <p:nvPr/>
+        </p:nvPicPr>
+        <p:blipFill>
+          <a:blip r:embed="rId19">
+            <a:extLst>
+              <a:ext uri="{28A0092B-C50C-407E-A947-70E740481C1C}">
+                <a14:useLocalDpi xmlns:a14="http://schemas.microsoft.com/office/drawing/2010/main" val="0"/>
+              </a:ext>
+            </a:extLst>
+          </a:blip>
+          <a:stretch>
+            <a:fillRect/>
+          </a:stretch>
+        </p:blipFill>
+        <p:spPr>
+          <a:xfrm>
+            <a:off x="1881187" y="1123950"/>
+            <a:ext cx="8429625" cy="4610100"/>
+          </a:xfrm>
+          <a:prstGeom prst="rect">
+            <a:avLst/>
+          </a:prstGeom>
+        </p:spPr>
+      </p:pic>
+    </p:spTree>
+    <p:extLst>
+      <p:ext uri="{BB962C8B-B14F-4D97-AF65-F5344CB8AC3E}">
+        <p14:creationId xmlns:p14="http://schemas.microsoft.com/office/powerpoint/2010/main" val="95992585"/>
+      </p:ext>
+    </p:extLst>
+  </p:cSld>
+  <p:clrMapOvr>
+    <a:masterClrMapping/>
+  </p:clrMapOvr>
+</p:sld>
+</file>
+
+<file path=ppt/slides/slide15.xml><?xml version="1.0" encoding="utf-8"?>
+<p:sld xmlns:a="http://schemas.openxmlformats.org/drawingml/2006/main" xmlns:p="http://schemas.openxmlformats.org/presentationml/2006/main" xmlns:r="http://schemas.openxmlformats.org/officeDocument/2006/relationships">
+  <p:cSld>
+    <p:spTree>
+      <p:nvGrpSpPr>
+        <p:cNvPr id="1" name=""/>
+        <p:cNvGrpSpPr/>
+        <p:nvPr/>
+      </p:nvGrpSpPr>
+      <p:grpSpPr>
+        <a:xfrm>
+          <a:off x="0" y="0"/>
+          <a:ext cx="0" cy="0"/>
+          <a:chOff x="0" y="0"/>
+          <a:chExt cx="0" cy="0"/>
+        </a:xfrm>
+      </p:grpSpPr>
+      <p:pic>
+        <p:nvPicPr>
+          <p:cNvPr descr="Employment by status" id="15" name="slide15">
+            <a:extLst>
+              <a:ext uri="{FF2B5EF4-FFF2-40B4-BE49-F238E27FC236}">
+                <a16:creationId xmlns:a16="http://schemas.microsoft.com/office/drawing/2014/main" id="{FF2F6ECC-32CF-4F3E-90C1-DBFD29397331}"/>
+              </a:ext>
+            </a:extLst>
+          </p:cNvPr>
+          <p:cNvPicPr>
+            <a:picLocks noChangeAspect="1"/>
+          </p:cNvPicPr>
+          <p:nvPr/>
+        </p:nvPicPr>
+        <p:blipFill>
+          <a:blip r:embed="rId20">
+            <a:extLst>
+              <a:ext uri="{28A0092B-C50C-407E-A947-70E740481C1C}">
+                <a14:useLocalDpi xmlns:a14="http://schemas.microsoft.com/office/drawing/2010/main" val="0"/>
+              </a:ext>
+            </a:extLst>
+          </a:blip>
+          <a:stretch>
+            <a:fillRect/>
+          </a:stretch>
+        </p:blipFill>
+        <p:spPr>
+          <a:xfrm>
+            <a:off x="2561367" y="0"/>
+            <a:ext cx="7069265" cy="6858000"/>
+          </a:xfrm>
+          <a:prstGeom prst="rect">
+            <a:avLst/>
+          </a:prstGeom>
+        </p:spPr>
+      </p:pic>
+    </p:spTree>
+    <p:extLst>
+      <p:ext uri="{BB962C8B-B14F-4D97-AF65-F5344CB8AC3E}">
+        <p14:creationId xmlns:p14="http://schemas.microsoft.com/office/powerpoint/2010/main" val="95992585"/>
+      </p:ext>
+    </p:extLst>
+  </p:cSld>
+  <p:clrMapOvr>
+    <a:masterClrMapping/>
+  </p:clrMapOvr>
+</p:sld>
+</file>
+
+<file path=ppt/slides/slide16.xml><?xml version="1.0" encoding="utf-8"?>
+<p:sld xmlns:a="http://schemas.openxmlformats.org/drawingml/2006/main" xmlns:p="http://schemas.openxmlformats.org/presentationml/2006/main" xmlns:r="http://schemas.openxmlformats.org/officeDocument/2006/relationships">
+  <p:cSld>
+    <p:spTree>
+      <p:nvGrpSpPr>
+        <p:cNvPr id="1" name=""/>
+        <p:cNvGrpSpPr/>
+        <p:nvPr/>
+      </p:nvGrpSpPr>
+      <p:grpSpPr>
+        <a:xfrm>
+          <a:off x="0" y="0"/>
+          <a:ext cx="0" cy="0"/>
+          <a:chOff x="0" y="0"/>
+          <a:chExt cx="0" cy="0"/>
+        </a:xfrm>
+      </p:grpSpPr>
+      <p:pic>
+        <p:nvPicPr>
+          <p:cNvPr descr="Employment by gender" id="16" name="slide16">
+            <a:extLst>
+              <a:ext uri="{FF2B5EF4-FFF2-40B4-BE49-F238E27FC236}">
+                <a16:creationId xmlns:a16="http://schemas.microsoft.com/office/drawing/2014/main" id="{59D4DAE8-C5D6-4417-B46A-6CBD1F9AC426}"/>
+              </a:ext>
+            </a:extLst>
+          </p:cNvPr>
+          <p:cNvPicPr>
+            <a:picLocks noChangeAspect="1"/>
+          </p:cNvPicPr>
+          <p:nvPr/>
+        </p:nvPicPr>
+        <p:blipFill>
+          <a:blip r:embed="rId21">
+            <a:extLst>
+              <a:ext uri="{28A0092B-C50C-407E-A947-70E740481C1C}">
+                <a14:useLocalDpi xmlns:a14="http://schemas.microsoft.com/office/drawing/2010/main" val="0"/>
+              </a:ext>
+            </a:extLst>
+          </a:blip>
+          <a:stretch>
+            <a:fillRect/>
+          </a:stretch>
+        </p:blipFill>
+        <p:spPr>
+          <a:xfrm>
+            <a:off x="1871662" y="1790700"/>
+            <a:ext cx="8448675" cy="3276600"/>
+          </a:xfrm>
+          <a:prstGeom prst="rect">
+            <a:avLst/>
+          </a:prstGeom>
+        </p:spPr>
+      </p:pic>
+    </p:spTree>
+    <p:extLst>
+      <p:ext uri="{BB962C8B-B14F-4D97-AF65-F5344CB8AC3E}">
+        <p14:creationId xmlns:p14="http://schemas.microsoft.com/office/powerpoint/2010/main" val="95992585"/>
+      </p:ext>
+    </p:extLst>
+  </p:cSld>
+  <p:clrMapOvr>
+    <a:masterClrMapping/>
+  </p:clrMapOvr>
+</p:sld>
+</file>
+
+<file path=ppt/slides/slide17.xml><?xml version="1.0" encoding="utf-8"?>
+<p:sld xmlns:a="http://schemas.openxmlformats.org/drawingml/2006/main" xmlns:p="http://schemas.openxmlformats.org/presentationml/2006/main" xmlns:r="http://schemas.openxmlformats.org/officeDocument/2006/relationships">
+  <p:cSld>
+    <p:spTree>
+      <p:nvGrpSpPr>
+        <p:cNvPr id="1" name=""/>
+        <p:cNvGrpSpPr/>
+        <p:nvPr/>
+      </p:nvGrpSpPr>
+      <p:grpSpPr>
+        <a:xfrm>
+          <a:off x="0" y="0"/>
+          <a:ext cx="0" cy="0"/>
+          <a:chOff x="0" y="0"/>
+          <a:chExt cx="0" cy="0"/>
+        </a:xfrm>
+      </p:grpSpPr>
+      <p:pic>
+        <p:nvPicPr>
+          <p:cNvPr descr="Average years in service" id="17" name="slide17">
+            <a:extLst>
+              <a:ext uri="{FF2B5EF4-FFF2-40B4-BE49-F238E27FC236}">
+                <a16:creationId xmlns:a16="http://schemas.microsoft.com/office/drawing/2014/main" id="{3CB770D8-9C6E-4A37-91C1-0CA662DD56E5}"/>
+              </a:ext>
+            </a:extLst>
+          </p:cNvPr>
+          <p:cNvPicPr>
+            <a:picLocks noChangeAspect="1"/>
+          </p:cNvPicPr>
+          <p:nvPr/>
+        </p:nvPicPr>
+        <p:blipFill>
+          <a:blip r:embed="rId22">
+            <a:extLst>
+              <a:ext uri="{28A0092B-C50C-407E-A947-70E740481C1C}">
+                <a14:useLocalDpi xmlns:a14="http://schemas.microsoft.com/office/drawing/2010/main" val="0"/>
+              </a:ext>
+            </a:extLst>
+          </a:blip>
+          <a:stretch>
+            <a:fillRect/>
+          </a:stretch>
+        </p:blipFill>
+        <p:spPr>
+          <a:xfrm>
+            <a:off x="2638425" y="1809750"/>
+            <a:ext cx="6915150" cy="3238500"/>
+          </a:xfrm>
+          <a:prstGeom prst="rect">
+            <a:avLst/>
+          </a:prstGeom>
+        </p:spPr>
+      </p:pic>
+    </p:spTree>
+    <p:extLst>
+      <p:ext uri="{BB962C8B-B14F-4D97-AF65-F5344CB8AC3E}">
+        <p14:creationId xmlns:p14="http://schemas.microsoft.com/office/powerpoint/2010/main" val="95992585"/>
+      </p:ext>
+    </p:extLst>
+  </p:cSld>
+  <p:clrMapOvr>
+    <a:masterClrMapping/>
+  </p:clrMapOvr>
+</p:sld>
+</file>
+
+<file path=ppt/slides/slide18.xml><?xml version="1.0" encoding="utf-8"?>
+<p:sld xmlns:a="http://schemas.openxmlformats.org/drawingml/2006/main" xmlns:p="http://schemas.openxmlformats.org/presentationml/2006/main" xmlns:r="http://schemas.openxmlformats.org/officeDocument/2006/relationships">
+  <p:cSld>
+    <p:spTree>
+      <p:nvGrpSpPr>
+        <p:cNvPr id="1" name=""/>
+        <p:cNvGrpSpPr/>
+        <p:nvPr/>
+      </p:nvGrpSpPr>
+      <p:grpSpPr>
+        <a:xfrm>
+          <a:off x="0" y="0"/>
+          <a:ext cx="0" cy="0"/>
+          <a:chOff x="0" y="0"/>
+          <a:chExt cx="0" cy="0"/>
+        </a:xfrm>
+      </p:grpSpPr>
+      <p:pic>
+        <p:nvPicPr>
+          <p:cNvPr descr="Hires" id="18" name="slide18">
+            <a:extLst>
+              <a:ext uri="{FF2B5EF4-FFF2-40B4-BE49-F238E27FC236}">
+                <a16:creationId xmlns:a16="http://schemas.microsoft.com/office/drawing/2014/main" id="{21207BCA-B1CD-4E47-93AC-E2DE298F5402}"/>
+              </a:ext>
+            </a:extLst>
+          </p:cNvPr>
+          <p:cNvPicPr>
+            <a:picLocks noChangeAspect="1"/>
+          </p:cNvPicPr>
+          <p:nvPr/>
+        </p:nvPicPr>
+        <p:blipFill>
+          <a:blip r:embed="rId23">
+            <a:extLst>
+              <a:ext uri="{28A0092B-C50C-407E-A947-70E740481C1C}">
+                <a14:useLocalDpi xmlns:a14="http://schemas.microsoft.com/office/drawing/2010/main" val="0"/>
+              </a:ext>
+            </a:extLst>
+          </a:blip>
+          <a:stretch>
+            <a:fillRect/>
+          </a:stretch>
+        </p:blipFill>
+        <p:spPr>
+          <a:xfrm>
+            <a:off x="2795967" y="0"/>
+            <a:ext cx="6600066" cy="6858000"/>
+          </a:xfrm>
+          <a:prstGeom prst="rect">
+            <a:avLst/>
+          </a:prstGeom>
+        </p:spPr>
+      </p:pic>
+    </p:spTree>
+    <p:extLst>
+      <p:ext uri="{BB962C8B-B14F-4D97-AF65-F5344CB8AC3E}">
+        <p14:creationId xmlns:p14="http://schemas.microsoft.com/office/powerpoint/2010/main" val="95992585"/>
+      </p:ext>
+    </p:extLst>
+  </p:cSld>
+  <p:clrMapOvr>
+    <a:masterClrMapping/>
+  </p:clrMapOvr>
+</p:sld>
+</file>
+
+<file path=ppt/slides/slide19.xml><?xml version="1.0" encoding="utf-8"?>
+<p:sld xmlns:a="http://schemas.openxmlformats.org/drawingml/2006/main" xmlns:p="http://schemas.openxmlformats.org/presentationml/2006/main" xmlns:r="http://schemas.openxmlformats.org/officeDocument/2006/relationships">
+  <p:cSld>
+    <p:spTree>
+      <p:nvGrpSpPr>
+        <p:cNvPr id="1" name=""/>
+        <p:cNvGrpSpPr/>
+        <p:nvPr/>
+      </p:nvGrpSpPr>
+      <p:grpSpPr>
+        <a:xfrm>
+          <a:off x="0" y="0"/>
+          <a:ext cx="0" cy="0"/>
+          <a:chOff x="0" y="0"/>
+          <a:chExt cx="0" cy="0"/>
+        </a:xfrm>
+      </p:grpSpPr>
+      <p:pic>
+        <p:nvPicPr>
+          <p:cNvPr descr="Hire satisfaction" id="19" name="slide19">
+            <a:extLst>
+              <a:ext uri="{FF2B5EF4-FFF2-40B4-BE49-F238E27FC236}">
+                <a16:creationId xmlns:a16="http://schemas.microsoft.com/office/drawing/2014/main" id="{36F2C154-E7EF-4A3E-9BE5-6EE9FCF874A3}"/>
+              </a:ext>
+            </a:extLst>
+          </p:cNvPr>
+          <p:cNvPicPr>
+            <a:picLocks noChangeAspect="1"/>
+          </p:cNvPicPr>
+          <p:nvPr/>
+        </p:nvPicPr>
+        <p:blipFill>
+          <a:blip r:embed="rId24">
+            <a:extLst>
+              <a:ext uri="{28A0092B-C50C-407E-A947-70E740481C1C}">
+                <a14:useLocalDpi xmlns:a14="http://schemas.microsoft.com/office/drawing/2010/main" val="0"/>
+              </a:ext>
+            </a:extLst>
+          </a:blip>
+          <a:stretch>
+            <a:fillRect/>
+          </a:stretch>
+        </p:blipFill>
+        <p:spPr>
+          <a:xfrm>
+            <a:off x="1871662" y="1885950"/>
+            <a:ext cx="8448675" cy="3086100"/>
+          </a:xfrm>
+          <a:prstGeom prst="rect">
+            <a:avLst/>
+          </a:prstGeom>
+        </p:spPr>
+      </p:pic>
     </p:spTree>
     <p:extLst>
       <p:ext uri="{BB962C8B-B14F-4D97-AF65-F5344CB8AC3E}">
@@ -3410,10 +4096,10 @@
       </p:grpSpPr>
       <p:pic>
         <p:nvPicPr>
-          <p:cNvPr descr="Registration trends" id="2" name="slide2">
-            <a:extLst>
-              <a:ext uri="{FF2B5EF4-FFF2-40B4-BE49-F238E27FC236}">
-                <a16:creationId xmlns:a16="http://schemas.microsoft.com/office/drawing/2014/main" id="{F0979812-99E3-421F-82A2-813EDB594511}"/>
+          <p:cNvPr descr="Service rank Vs Years in service. " id="2" name="slide2">
+            <a:extLst>
+              <a:ext uri="{FF2B5EF4-FFF2-40B4-BE49-F238E27FC236}">
+                <a16:creationId xmlns:a16="http://schemas.microsoft.com/office/drawing/2014/main" id="{07A75A52-B821-49EA-86B9-972F377FF0E1}"/>
               </a:ext>
             </a:extLst>
           </p:cNvPr>
@@ -3424,6 +4110,72 @@
         </p:nvPicPr>
         <p:blipFill>
           <a:blip r:embed="rId7">
+            <a:extLst>
+              <a:ext uri="{28A0092B-C50C-407E-A947-70E740481C1C}">
+                <a14:useLocalDpi xmlns:a14="http://schemas.microsoft.com/office/drawing/2010/main" val="0"/>
+              </a:ext>
+            </a:extLst>
+          </a:blip>
+          <a:stretch>
+            <a:fillRect/>
+          </a:stretch>
+        </p:blipFill>
+        <p:spPr>
+          <a:xfrm>
+            <a:off x="2114225" y="0"/>
+            <a:ext cx="7963549" cy="6858000"/>
+          </a:xfrm>
+          <a:prstGeom prst="rect">
+            <a:avLst/>
+          </a:prstGeom>
+        </p:spPr>
+      </p:pic>
+    </p:spTree>
+    <p:extLst>
+      <p:ext uri="{BB962C8B-B14F-4D97-AF65-F5344CB8AC3E}">
+        <p14:creationId xmlns:p14="http://schemas.microsoft.com/office/powerpoint/2010/main" val="95992585"/>
+      </p:ext>
+    </p:extLst>
+  </p:cSld>
+  <p:clrMapOvr>
+    <a:masterClrMapping/>
+  </p:clrMapOvr>
+</p:sld>
+</file>
+
+<file path=ppt/slides/slide20.xml><?xml version="1.0" encoding="utf-8"?>
+<p:sld xmlns:a="http://schemas.openxmlformats.org/drawingml/2006/main" xmlns:p="http://schemas.openxmlformats.org/presentationml/2006/main" xmlns:r="http://schemas.openxmlformats.org/officeDocument/2006/relationships">
+  <p:cSld>
+    <p:spTree>
+      <p:nvGrpSpPr>
+        <p:cNvPr id="1" name=""/>
+        <p:cNvGrpSpPr/>
+        <p:nvPr/>
+      </p:nvGrpSpPr>
+      <p:grpSpPr>
+        <a:xfrm>
+          <a:off x="0" y="0"/>
+          <a:ext cx="0" cy="0"/>
+          <a:chOff x="0" y="0"/>
+          <a:chExt cx="0" cy="0"/>
+        </a:xfrm>
+      </p:grpSpPr>
+      <p:pic>
+        <p:nvPicPr>
+          <p:cNvPr descr="Registration trends" id="20" name="slide20">
+            <a:extLst>
+              <a:ext uri="{FF2B5EF4-FFF2-40B4-BE49-F238E27FC236}">
+                <a16:creationId xmlns:a16="http://schemas.microsoft.com/office/drawing/2014/main" id="{99FEB1E9-9E23-4617-9F22-FDAD37BCA498}"/>
+              </a:ext>
+            </a:extLst>
+          </p:cNvPr>
+          <p:cNvPicPr>
+            <a:picLocks noChangeAspect="1"/>
+          </p:cNvPicPr>
+          <p:nvPr/>
+        </p:nvPicPr>
+        <p:blipFill>
+          <a:blip r:embed="rId25">
             <a:extLst>
               <a:ext uri="{28A0092B-C50C-407E-A947-70E740481C1C}">
                 <a14:useLocalDpi xmlns:a14="http://schemas.microsoft.com/office/drawing/2010/main" val="0"/>
@@ -3438,6 +4190,996 @@
           <a:xfrm>
             <a:off x="2468092" y="0"/>
             <a:ext cx="7255816" cy="6858000"/>
+          </a:xfrm>
+          <a:prstGeom prst="rect">
+            <a:avLst/>
+          </a:prstGeom>
+        </p:spPr>
+      </p:pic>
+    </p:spTree>
+    <p:extLst>
+      <p:ext uri="{BB962C8B-B14F-4D97-AF65-F5344CB8AC3E}">
+        <p14:creationId xmlns:p14="http://schemas.microsoft.com/office/powerpoint/2010/main" val="95992585"/>
+      </p:ext>
+    </p:extLst>
+  </p:cSld>
+  <p:clrMapOvr>
+    <a:masterClrMapping/>
+  </p:clrMapOvr>
+</p:sld>
+</file>
+
+<file path=ppt/slides/slide21.xml><?xml version="1.0" encoding="utf-8"?>
+<p:sld xmlns:a="http://schemas.openxmlformats.org/drawingml/2006/main" xmlns:p="http://schemas.openxmlformats.org/presentationml/2006/main" xmlns:r="http://schemas.openxmlformats.org/officeDocument/2006/relationships">
+  <p:cSld>
+    <p:spTree>
+      <p:nvGrpSpPr>
+        <p:cNvPr id="1" name=""/>
+        <p:cNvGrpSpPr/>
+        <p:nvPr/>
+      </p:nvGrpSpPr>
+      <p:grpSpPr>
+        <a:xfrm>
+          <a:off x="0" y="0"/>
+          <a:ext cx="0" cy="0"/>
+          <a:chOff x="0" y="0"/>
+          <a:chExt cx="0" cy="0"/>
+        </a:xfrm>
+      </p:grpSpPr>
+      <p:pic>
+        <p:nvPicPr>
+          <p:cNvPr descr="Dashboard 1" id="21" name="slide21">
+            <a:extLst>
+              <a:ext uri="{FF2B5EF4-FFF2-40B4-BE49-F238E27FC236}">
+                <a16:creationId xmlns:a16="http://schemas.microsoft.com/office/drawing/2014/main" id="{A81D9BEC-4419-43DF-B401-56A4879C3193}"/>
+              </a:ext>
+            </a:extLst>
+          </p:cNvPr>
+          <p:cNvPicPr>
+            <a:picLocks noChangeAspect="1"/>
+          </p:cNvPicPr>
+          <p:nvPr/>
+        </p:nvPicPr>
+        <p:blipFill>
+          <a:blip r:embed="rId26">
+            <a:extLst>
+              <a:ext uri="{28A0092B-C50C-407E-A947-70E740481C1C}">
+                <a14:useLocalDpi xmlns:a14="http://schemas.microsoft.com/office/drawing/2010/main" val="0"/>
+              </a:ext>
+            </a:extLst>
+          </a:blip>
+          <a:stretch>
+            <a:fillRect/>
+          </a:stretch>
+        </p:blipFill>
+        <p:spPr>
+          <a:xfrm>
+            <a:off x="1809750" y="0"/>
+            <a:ext cx="8572500" cy="6858000"/>
+          </a:xfrm>
+          <a:prstGeom prst="rect">
+            <a:avLst/>
+          </a:prstGeom>
+        </p:spPr>
+      </p:pic>
+    </p:spTree>
+    <p:extLst>
+      <p:ext uri="{BB962C8B-B14F-4D97-AF65-F5344CB8AC3E}">
+        <p14:creationId xmlns:p14="http://schemas.microsoft.com/office/powerpoint/2010/main" val="95992585"/>
+      </p:ext>
+    </p:extLst>
+  </p:cSld>
+  <p:clrMapOvr>
+    <a:masterClrMapping/>
+  </p:clrMapOvr>
+</p:sld>
+</file>
+
+<file path=ppt/slides/slide22.xml><?xml version="1.0" encoding="utf-8"?>
+<p:sld xmlns:a="http://schemas.openxmlformats.org/drawingml/2006/main" xmlns:p="http://schemas.openxmlformats.org/presentationml/2006/main" xmlns:r="http://schemas.openxmlformats.org/officeDocument/2006/relationships">
+  <p:cSld>
+    <p:spTree>
+      <p:nvGrpSpPr>
+        <p:cNvPr id="1" name=""/>
+        <p:cNvGrpSpPr/>
+        <p:nvPr/>
+      </p:nvGrpSpPr>
+      <p:grpSpPr>
+        <a:xfrm>
+          <a:off x="0" y="0"/>
+          <a:ext cx="0" cy="0"/>
+          <a:chOff x="0" y="0"/>
+          <a:chExt cx="0" cy="0"/>
+        </a:xfrm>
+      </p:grpSpPr>
+      <p:pic>
+        <p:nvPicPr>
+          <p:cNvPr descr="Service Details" id="22" name="slide22">
+            <a:extLst>
+              <a:ext uri="{FF2B5EF4-FFF2-40B4-BE49-F238E27FC236}">
+                <a16:creationId xmlns:a16="http://schemas.microsoft.com/office/drawing/2014/main" id="{552F154B-F3B8-453B-B4CF-7DEC8A9DE4BD}"/>
+              </a:ext>
+            </a:extLst>
+          </p:cNvPr>
+          <p:cNvPicPr>
+            <a:picLocks noChangeAspect="1"/>
+          </p:cNvPicPr>
+          <p:nvPr/>
+        </p:nvPicPr>
+        <p:blipFill>
+          <a:blip r:embed="rId27">
+            <a:extLst>
+              <a:ext uri="{28A0092B-C50C-407E-A947-70E740481C1C}">
+                <a14:useLocalDpi xmlns:a14="http://schemas.microsoft.com/office/drawing/2010/main" val="0"/>
+              </a:ext>
+            </a:extLst>
+          </a:blip>
+          <a:stretch>
+            <a:fillRect/>
+          </a:stretch>
+        </p:blipFill>
+        <p:spPr>
+          <a:xfrm>
+            <a:off x="1809750" y="0"/>
+            <a:ext cx="8572500" cy="6858000"/>
+          </a:xfrm>
+          <a:prstGeom prst="rect">
+            <a:avLst/>
+          </a:prstGeom>
+        </p:spPr>
+      </p:pic>
+    </p:spTree>
+    <p:extLst>
+      <p:ext uri="{BB962C8B-B14F-4D97-AF65-F5344CB8AC3E}">
+        <p14:creationId xmlns:p14="http://schemas.microsoft.com/office/powerpoint/2010/main" val="95992585"/>
+      </p:ext>
+    </p:extLst>
+  </p:cSld>
+  <p:clrMapOvr>
+    <a:masterClrMapping/>
+  </p:clrMapOvr>
+</p:sld>
+</file>
+
+<file path=ppt/slides/slide23.xml><?xml version="1.0" encoding="utf-8"?>
+<p:sld xmlns:a="http://schemas.openxmlformats.org/drawingml/2006/main" xmlns:p="http://schemas.openxmlformats.org/presentationml/2006/main" xmlns:r="http://schemas.openxmlformats.org/officeDocument/2006/relationships">
+  <p:cSld>
+    <p:spTree>
+      <p:nvGrpSpPr>
+        <p:cNvPr id="1" name=""/>
+        <p:cNvGrpSpPr/>
+        <p:nvPr/>
+      </p:nvGrpSpPr>
+      <p:grpSpPr>
+        <a:xfrm>
+          <a:off x="0" y="0"/>
+          <a:ext cx="0" cy="0"/>
+          <a:chOff x="0" y="0"/>
+          <a:chExt cx="0" cy="0"/>
+        </a:xfrm>
+      </p:grpSpPr>
+      <p:pic>
+        <p:nvPicPr>
+          <p:cNvPr descr="Registration Details" id="23" name="slide23">
+            <a:extLst>
+              <a:ext uri="{FF2B5EF4-FFF2-40B4-BE49-F238E27FC236}">
+                <a16:creationId xmlns:a16="http://schemas.microsoft.com/office/drawing/2014/main" id="{99AA39C3-DF97-46FB-98A0-05AEEF01F9FC}"/>
+              </a:ext>
+            </a:extLst>
+          </p:cNvPr>
+          <p:cNvPicPr>
+            <a:picLocks noChangeAspect="1"/>
+          </p:cNvPicPr>
+          <p:nvPr/>
+        </p:nvPicPr>
+        <p:blipFill>
+          <a:blip r:embed="rId28">
+            <a:extLst>
+              <a:ext uri="{28A0092B-C50C-407E-A947-70E740481C1C}">
+                <a14:useLocalDpi xmlns:a14="http://schemas.microsoft.com/office/drawing/2010/main" val="0"/>
+              </a:ext>
+            </a:extLst>
+          </a:blip>
+          <a:stretch>
+            <a:fillRect/>
+          </a:stretch>
+        </p:blipFill>
+        <p:spPr>
+          <a:xfrm>
+            <a:off x="1809750" y="0"/>
+            <a:ext cx="8572500" cy="6858000"/>
+          </a:xfrm>
+          <a:prstGeom prst="rect">
+            <a:avLst/>
+          </a:prstGeom>
+        </p:spPr>
+      </p:pic>
+    </p:spTree>
+    <p:extLst>
+      <p:ext uri="{BB962C8B-B14F-4D97-AF65-F5344CB8AC3E}">
+        <p14:creationId xmlns:p14="http://schemas.microsoft.com/office/powerpoint/2010/main" val="95992585"/>
+      </p:ext>
+    </p:extLst>
+  </p:cSld>
+  <p:clrMapOvr>
+    <a:masterClrMapping/>
+  </p:clrMapOvr>
+</p:sld>
+</file>
+
+<file path=ppt/slides/slide24.xml><?xml version="1.0" encoding="utf-8"?>
+<p:sld xmlns:a="http://schemas.openxmlformats.org/drawingml/2006/main" xmlns:p="http://schemas.openxmlformats.org/presentationml/2006/main" xmlns:r="http://schemas.openxmlformats.org/officeDocument/2006/relationships">
+  <p:cSld>
+    <p:spTree>
+      <p:nvGrpSpPr>
+        <p:cNvPr id="1" name=""/>
+        <p:cNvGrpSpPr/>
+        <p:nvPr/>
+      </p:nvGrpSpPr>
+      <p:grpSpPr>
+        <a:xfrm>
+          <a:off x="0" y="0"/>
+          <a:ext cx="0" cy="0"/>
+          <a:chOff x="0" y="0"/>
+          <a:chExt cx="0" cy="0"/>
+        </a:xfrm>
+      </p:grpSpPr>
+      <p:pic>
+        <p:nvPicPr>
+          <p:cNvPr descr="Reg for services by branch" id="24" name="slide24">
+            <a:extLst>
+              <a:ext uri="{FF2B5EF4-FFF2-40B4-BE49-F238E27FC236}">
+                <a16:creationId xmlns:a16="http://schemas.microsoft.com/office/drawing/2014/main" id="{C9F748D7-760A-4C40-8F3D-3A17F58D03D1}"/>
+              </a:ext>
+            </a:extLst>
+          </p:cNvPr>
+          <p:cNvPicPr>
+            <a:picLocks noChangeAspect="1"/>
+          </p:cNvPicPr>
+          <p:nvPr/>
+        </p:nvPicPr>
+        <p:blipFill>
+          <a:blip r:embed="rId29">
+            <a:extLst>
+              <a:ext uri="{28A0092B-C50C-407E-A947-70E740481C1C}">
+                <a14:useLocalDpi xmlns:a14="http://schemas.microsoft.com/office/drawing/2010/main" val="0"/>
+              </a:ext>
+            </a:extLst>
+          </a:blip>
+          <a:stretch>
+            <a:fillRect/>
+          </a:stretch>
+        </p:blipFill>
+        <p:spPr>
+          <a:xfrm>
+            <a:off x="2638425" y="2000250"/>
+            <a:ext cx="6915150" cy="2857500"/>
+          </a:xfrm>
+          <a:prstGeom prst="rect">
+            <a:avLst/>
+          </a:prstGeom>
+        </p:spPr>
+      </p:pic>
+    </p:spTree>
+    <p:extLst>
+      <p:ext uri="{BB962C8B-B14F-4D97-AF65-F5344CB8AC3E}">
+        <p14:creationId xmlns:p14="http://schemas.microsoft.com/office/powerpoint/2010/main" val="95992585"/>
+      </p:ext>
+    </p:extLst>
+  </p:cSld>
+  <p:clrMapOvr>
+    <a:masterClrMapping/>
+  </p:clrMapOvr>
+</p:sld>
+</file>
+
+<file path=ppt/slides/slide25.xml><?xml version="1.0" encoding="utf-8"?>
+<p:sld xmlns:a="http://schemas.openxmlformats.org/drawingml/2006/main" xmlns:p="http://schemas.openxmlformats.org/presentationml/2006/main" xmlns:r="http://schemas.openxmlformats.org/officeDocument/2006/relationships">
+  <p:cSld>
+    <p:spTree>
+      <p:nvGrpSpPr>
+        <p:cNvPr id="1" name=""/>
+        <p:cNvGrpSpPr/>
+        <p:nvPr/>
+      </p:nvGrpSpPr>
+      <p:grpSpPr>
+        <a:xfrm>
+          <a:off x="0" y="0"/>
+          <a:ext cx="0" cy="0"/>
+          <a:chOff x="0" y="0"/>
+          <a:chExt cx="0" cy="0"/>
+        </a:xfrm>
+      </p:grpSpPr>
+      <p:pic>
+        <p:nvPicPr>
+          <p:cNvPr descr="Hire information" id="25" name="slide25">
+            <a:extLst>
+              <a:ext uri="{FF2B5EF4-FFF2-40B4-BE49-F238E27FC236}">
+                <a16:creationId xmlns:a16="http://schemas.microsoft.com/office/drawing/2014/main" id="{50168C0C-D665-4C5B-95BE-57CEDFEDC84E}"/>
+              </a:ext>
+            </a:extLst>
+          </p:cNvPr>
+          <p:cNvPicPr>
+            <a:picLocks noChangeAspect="1"/>
+          </p:cNvPicPr>
+          <p:nvPr/>
+        </p:nvPicPr>
+        <p:blipFill>
+          <a:blip r:embed="rId30">
+            <a:extLst>
+              <a:ext uri="{28A0092B-C50C-407E-A947-70E740481C1C}">
+                <a14:useLocalDpi xmlns:a14="http://schemas.microsoft.com/office/drawing/2010/main" val="0"/>
+              </a:ext>
+            </a:extLst>
+          </a:blip>
+          <a:stretch>
+            <a:fillRect/>
+          </a:stretch>
+        </p:blipFill>
+        <p:spPr>
+          <a:xfrm>
+            <a:off x="1809750" y="0"/>
+            <a:ext cx="8572500" cy="6858000"/>
+          </a:xfrm>
+          <a:prstGeom prst="rect">
+            <a:avLst/>
+          </a:prstGeom>
+        </p:spPr>
+      </p:pic>
+    </p:spTree>
+    <p:extLst>
+      <p:ext uri="{BB962C8B-B14F-4D97-AF65-F5344CB8AC3E}">
+        <p14:creationId xmlns:p14="http://schemas.microsoft.com/office/powerpoint/2010/main" val="95992585"/>
+      </p:ext>
+    </p:extLst>
+  </p:cSld>
+  <p:clrMapOvr>
+    <a:masterClrMapping/>
+  </p:clrMapOvr>
+</p:sld>
+</file>
+
+<file path=ppt/slides/slide26.xml><?xml version="1.0" encoding="utf-8"?>
+<p:sld xmlns:a="http://schemas.openxmlformats.org/drawingml/2006/main" xmlns:p="http://schemas.openxmlformats.org/presentationml/2006/main" xmlns:r="http://schemas.openxmlformats.org/officeDocument/2006/relationships">
+  <p:cSld>
+    <p:spTree>
+      <p:nvGrpSpPr>
+        <p:cNvPr id="1" name=""/>
+        <p:cNvGrpSpPr/>
+        <p:nvPr/>
+      </p:nvGrpSpPr>
+      <p:grpSpPr>
+        <a:xfrm>
+          <a:off x="0" y="0"/>
+          <a:ext cx="0" cy="0"/>
+          <a:chOff x="0" y="0"/>
+          <a:chExt cx="0" cy="0"/>
+        </a:xfrm>
+      </p:grpSpPr>
+      <p:pic>
+        <p:nvPicPr>
+          <p:cNvPr descr="Hires by service branch" id="26" name="slide26">
+            <a:extLst>
+              <a:ext uri="{FF2B5EF4-FFF2-40B4-BE49-F238E27FC236}">
+                <a16:creationId xmlns:a16="http://schemas.microsoft.com/office/drawing/2014/main" id="{6EF7F617-6151-4C94-A599-182015C46611}"/>
+              </a:ext>
+            </a:extLst>
+          </p:cNvPr>
+          <p:cNvPicPr>
+            <a:picLocks noChangeAspect="1"/>
+          </p:cNvPicPr>
+          <p:nvPr/>
+        </p:nvPicPr>
+        <p:blipFill>
+          <a:blip r:embed="rId31">
+            <a:extLst>
+              <a:ext uri="{28A0092B-C50C-407E-A947-70E740481C1C}">
+                <a14:useLocalDpi xmlns:a14="http://schemas.microsoft.com/office/drawing/2010/main" val="0"/>
+              </a:ext>
+            </a:extLst>
+          </a:blip>
+          <a:stretch>
+            <a:fillRect/>
+          </a:stretch>
+        </p:blipFill>
+        <p:spPr>
+          <a:xfrm>
+            <a:off x="1871662" y="647700"/>
+            <a:ext cx="8448675" cy="5562600"/>
+          </a:xfrm>
+          <a:prstGeom prst="rect">
+            <a:avLst/>
+          </a:prstGeom>
+        </p:spPr>
+      </p:pic>
+    </p:spTree>
+    <p:extLst>
+      <p:ext uri="{BB962C8B-B14F-4D97-AF65-F5344CB8AC3E}">
+        <p14:creationId xmlns:p14="http://schemas.microsoft.com/office/powerpoint/2010/main" val="95992585"/>
+      </p:ext>
+    </p:extLst>
+  </p:cSld>
+  <p:clrMapOvr>
+    <a:masterClrMapping/>
+  </p:clrMapOvr>
+</p:sld>
+</file>
+
+<file path=ppt/slides/slide27.xml><?xml version="1.0" encoding="utf-8"?>
+<p:sld xmlns:a="http://schemas.openxmlformats.org/drawingml/2006/main" xmlns:p="http://schemas.openxmlformats.org/presentationml/2006/main" xmlns:r="http://schemas.openxmlformats.org/officeDocument/2006/relationships">
+  <p:cSld>
+    <p:spTree>
+      <p:nvGrpSpPr>
+        <p:cNvPr id="1" name=""/>
+        <p:cNvGrpSpPr/>
+        <p:nvPr/>
+      </p:nvGrpSpPr>
+      <p:grpSpPr>
+        <a:xfrm>
+          <a:off x="0" y="0"/>
+          <a:ext cx="0" cy="0"/>
+          <a:chOff x="0" y="0"/>
+          <a:chExt cx="0" cy="0"/>
+        </a:xfrm>
+      </p:grpSpPr>
+      <p:pic>
+        <p:nvPicPr>
+          <p:cNvPr descr="Communication Dashboard" id="27" name="slide27">
+            <a:extLst>
+              <a:ext uri="{FF2B5EF4-FFF2-40B4-BE49-F238E27FC236}">
+                <a16:creationId xmlns:a16="http://schemas.microsoft.com/office/drawing/2014/main" id="{03FC6236-B9AD-4921-BC14-E273E7DF2179}"/>
+              </a:ext>
+            </a:extLst>
+          </p:cNvPr>
+          <p:cNvPicPr>
+            <a:picLocks noChangeAspect="1"/>
+          </p:cNvPicPr>
+          <p:nvPr/>
+        </p:nvPicPr>
+        <p:blipFill>
+          <a:blip r:embed="rId32">
+            <a:extLst>
+              <a:ext uri="{28A0092B-C50C-407E-A947-70E740481C1C}">
+                <a14:useLocalDpi xmlns:a14="http://schemas.microsoft.com/office/drawing/2010/main" val="0"/>
+              </a:ext>
+            </a:extLst>
+          </a:blip>
+          <a:stretch>
+            <a:fillRect/>
+          </a:stretch>
+        </p:blipFill>
+        <p:spPr>
+          <a:xfrm>
+            <a:off x="1809750" y="0"/>
+            <a:ext cx="8572500" cy="6858000"/>
+          </a:xfrm>
+          <a:prstGeom prst="rect">
+            <a:avLst/>
+          </a:prstGeom>
+        </p:spPr>
+      </p:pic>
+    </p:spTree>
+    <p:extLst>
+      <p:ext uri="{BB962C8B-B14F-4D97-AF65-F5344CB8AC3E}">
+        <p14:creationId xmlns:p14="http://schemas.microsoft.com/office/powerpoint/2010/main" val="95992585"/>
+      </p:ext>
+    </p:extLst>
+  </p:cSld>
+  <p:clrMapOvr>
+    <a:masterClrMapping/>
+  </p:clrMapOvr>
+</p:sld>
+</file>
+
+<file path=ppt/slides/slide28.xml><?xml version="1.0" encoding="utf-8"?>
+<p:sld xmlns:a="http://schemas.openxmlformats.org/drawingml/2006/main" xmlns:p="http://schemas.openxmlformats.org/presentationml/2006/main" xmlns:r="http://schemas.openxmlformats.org/officeDocument/2006/relationships">
+  <p:cSld>
+    <p:spTree>
+      <p:nvGrpSpPr>
+        <p:cNvPr id="1" name=""/>
+        <p:cNvGrpSpPr/>
+        <p:nvPr/>
+      </p:nvGrpSpPr>
+      <p:grpSpPr>
+        <a:xfrm>
+          <a:off x="0" y="0"/>
+          <a:ext cx="0" cy="0"/>
+          <a:chOff x="0" y="0"/>
+          <a:chExt cx="0" cy="0"/>
+        </a:xfrm>
+      </p:grpSpPr>
+      <p:pic>
+        <p:nvPicPr>
+          <p:cNvPr descr="Communication by branches" id="28" name="slide28">
+            <a:extLst>
+              <a:ext uri="{FF2B5EF4-FFF2-40B4-BE49-F238E27FC236}">
+                <a16:creationId xmlns:a16="http://schemas.microsoft.com/office/drawing/2014/main" id="{2ED7EDE8-95E8-4A6C-876A-3059B174894E}"/>
+              </a:ext>
+            </a:extLst>
+          </p:cNvPr>
+          <p:cNvPicPr>
+            <a:picLocks noChangeAspect="1"/>
+          </p:cNvPicPr>
+          <p:nvPr/>
+        </p:nvPicPr>
+        <p:blipFill>
+          <a:blip r:embed="rId33">
+            <a:extLst>
+              <a:ext uri="{28A0092B-C50C-407E-A947-70E740481C1C}">
+                <a14:useLocalDpi xmlns:a14="http://schemas.microsoft.com/office/drawing/2010/main" val="0"/>
+              </a:ext>
+            </a:extLst>
+          </a:blip>
+          <a:stretch>
+            <a:fillRect/>
+          </a:stretch>
+        </p:blipFill>
+        <p:spPr>
+          <a:xfrm>
+            <a:off x="2647950" y="1995487"/>
+            <a:ext cx="6896100" cy="2867025"/>
+          </a:xfrm>
+          <a:prstGeom prst="rect">
+            <a:avLst/>
+          </a:prstGeom>
+        </p:spPr>
+      </p:pic>
+    </p:spTree>
+    <p:extLst>
+      <p:ext uri="{BB962C8B-B14F-4D97-AF65-F5344CB8AC3E}">
+        <p14:creationId xmlns:p14="http://schemas.microsoft.com/office/powerpoint/2010/main" val="95992585"/>
+      </p:ext>
+    </p:extLst>
+  </p:cSld>
+  <p:clrMapOvr>
+    <a:masterClrMapping/>
+  </p:clrMapOvr>
+</p:sld>
+</file>
+
+<file path=ppt/slides/slide3.xml><?xml version="1.0" encoding="utf-8"?>
+<p:sld xmlns:a="http://schemas.openxmlformats.org/drawingml/2006/main" xmlns:p="http://schemas.openxmlformats.org/presentationml/2006/main" xmlns:r="http://schemas.openxmlformats.org/officeDocument/2006/relationships">
+  <p:cSld>
+    <p:spTree>
+      <p:nvGrpSpPr>
+        <p:cNvPr id="1" name=""/>
+        <p:cNvGrpSpPr/>
+        <p:nvPr/>
+      </p:nvGrpSpPr>
+      <p:grpSpPr>
+        <a:xfrm>
+          <a:off x="0" y="0"/>
+          <a:ext cx="0" cy="0"/>
+          <a:chOff x="0" y="0"/>
+          <a:chExt cx="0" cy="0"/>
+        </a:xfrm>
+      </p:grpSpPr>
+      <p:pic>
+        <p:nvPicPr>
+          <p:cNvPr descr="Average time service men register for services" id="3" name="slide3">
+            <a:extLst>
+              <a:ext uri="{FF2B5EF4-FFF2-40B4-BE49-F238E27FC236}">
+                <a16:creationId xmlns:a16="http://schemas.microsoft.com/office/drawing/2014/main" id="{776FC114-9182-4553-87A3-79678C7B656C}"/>
+              </a:ext>
+            </a:extLst>
+          </p:cNvPr>
+          <p:cNvPicPr>
+            <a:picLocks noChangeAspect="1"/>
+          </p:cNvPicPr>
+          <p:nvPr/>
+        </p:nvPicPr>
+        <p:blipFill>
+          <a:blip r:embed="rId8">
+            <a:extLst>
+              <a:ext uri="{28A0092B-C50C-407E-A947-70E740481C1C}">
+                <a14:useLocalDpi xmlns:a14="http://schemas.microsoft.com/office/drawing/2010/main" val="0"/>
+              </a:ext>
+            </a:extLst>
+          </a:blip>
+          <a:stretch>
+            <a:fillRect/>
+          </a:stretch>
+        </p:blipFill>
+        <p:spPr>
+          <a:xfrm>
+            <a:off x="1990467" y="0"/>
+            <a:ext cx="8211065" cy="6858000"/>
+          </a:xfrm>
+          <a:prstGeom prst="rect">
+            <a:avLst/>
+          </a:prstGeom>
+        </p:spPr>
+      </p:pic>
+    </p:spTree>
+    <p:extLst>
+      <p:ext uri="{BB962C8B-B14F-4D97-AF65-F5344CB8AC3E}">
+        <p14:creationId xmlns:p14="http://schemas.microsoft.com/office/powerpoint/2010/main" val="95992585"/>
+      </p:ext>
+    </p:extLst>
+  </p:cSld>
+  <p:clrMapOvr>
+    <a:masterClrMapping/>
+  </p:clrMapOvr>
+</p:sld>
+</file>
+
+<file path=ppt/slides/slide4.xml><?xml version="1.0" encoding="utf-8"?>
+<p:sld xmlns:a="http://schemas.openxmlformats.org/drawingml/2006/main" xmlns:p="http://schemas.openxmlformats.org/presentationml/2006/main" xmlns:r="http://schemas.openxmlformats.org/officeDocument/2006/relationships">
+  <p:cSld>
+    <p:spTree>
+      <p:nvGrpSpPr>
+        <p:cNvPr id="1" name=""/>
+        <p:cNvGrpSpPr/>
+        <p:nvPr/>
+      </p:nvGrpSpPr>
+      <p:grpSpPr>
+        <a:xfrm>
+          <a:off x="0" y="0"/>
+          <a:ext cx="0" cy="0"/>
+          <a:chOff x="0" y="0"/>
+          <a:chExt cx="0" cy="0"/>
+        </a:xfrm>
+      </p:grpSpPr>
+      <p:pic>
+        <p:nvPicPr>
+          <p:cNvPr descr="Service branch emp by gender" id="4" name="slide4">
+            <a:extLst>
+              <a:ext uri="{FF2B5EF4-FFF2-40B4-BE49-F238E27FC236}">
+                <a16:creationId xmlns:a16="http://schemas.microsoft.com/office/drawing/2014/main" id="{441B2C3D-6B0A-462C-9827-3E0FFBDD6D1C}"/>
+              </a:ext>
+            </a:extLst>
+          </p:cNvPr>
+          <p:cNvPicPr>
+            <a:picLocks noChangeAspect="1"/>
+          </p:cNvPicPr>
+          <p:nvPr/>
+        </p:nvPicPr>
+        <p:blipFill>
+          <a:blip r:embed="rId9">
+            <a:extLst>
+              <a:ext uri="{28A0092B-C50C-407E-A947-70E740481C1C}">
+                <a14:useLocalDpi xmlns:a14="http://schemas.microsoft.com/office/drawing/2010/main" val="0"/>
+              </a:ext>
+            </a:extLst>
+          </a:blip>
+          <a:stretch>
+            <a:fillRect/>
+          </a:stretch>
+        </p:blipFill>
+        <p:spPr>
+          <a:xfrm>
+            <a:off x="4982771" y="0"/>
+            <a:ext cx="2226457" cy="6858000"/>
+          </a:xfrm>
+          <a:prstGeom prst="rect">
+            <a:avLst/>
+          </a:prstGeom>
+        </p:spPr>
+      </p:pic>
+    </p:spTree>
+    <p:extLst>
+      <p:ext uri="{BB962C8B-B14F-4D97-AF65-F5344CB8AC3E}">
+        <p14:creationId xmlns:p14="http://schemas.microsoft.com/office/powerpoint/2010/main" val="95992585"/>
+      </p:ext>
+    </p:extLst>
+  </p:cSld>
+  <p:clrMapOvr>
+    <a:masterClrMapping/>
+  </p:clrMapOvr>
+</p:sld>
+</file>
+
+<file path=ppt/slides/slide5.xml><?xml version="1.0" encoding="utf-8"?>
+<p:sld xmlns:a="http://schemas.openxmlformats.org/drawingml/2006/main" xmlns:p="http://schemas.openxmlformats.org/presentationml/2006/main" xmlns:r="http://schemas.openxmlformats.org/officeDocument/2006/relationships">
+  <p:cSld>
+    <p:spTree>
+      <p:nvGrpSpPr>
+        <p:cNvPr id="1" name=""/>
+        <p:cNvGrpSpPr/>
+        <p:nvPr/>
+      </p:nvGrpSpPr>
+      <p:grpSpPr>
+        <a:xfrm>
+          <a:off x="0" y="0"/>
+          <a:ext cx="0" cy="0"/>
+          <a:chOff x="0" y="0"/>
+          <a:chExt cx="0" cy="0"/>
+        </a:xfrm>
+      </p:grpSpPr>
+      <p:pic>
+        <p:nvPicPr>
+          <p:cNvPr descr="Relationship between status and service time. " id="5" name="slide5">
+            <a:extLst>
+              <a:ext uri="{FF2B5EF4-FFF2-40B4-BE49-F238E27FC236}">
+                <a16:creationId xmlns:a16="http://schemas.microsoft.com/office/drawing/2014/main" id="{DDF681C6-ACF5-4834-85D6-749204781049}"/>
+              </a:ext>
+            </a:extLst>
+          </p:cNvPr>
+          <p:cNvPicPr>
+            <a:picLocks noChangeAspect="1"/>
+          </p:cNvPicPr>
+          <p:nvPr/>
+        </p:nvPicPr>
+        <p:blipFill>
+          <a:blip r:embed="rId10">
+            <a:extLst>
+              <a:ext uri="{28A0092B-C50C-407E-A947-70E740481C1C}">
+                <a14:useLocalDpi xmlns:a14="http://schemas.microsoft.com/office/drawing/2010/main" val="0"/>
+              </a:ext>
+            </a:extLst>
+          </a:blip>
+          <a:stretch>
+            <a:fillRect/>
+          </a:stretch>
+        </p:blipFill>
+        <p:spPr>
+          <a:xfrm>
+            <a:off x="4754628" y="0"/>
+            <a:ext cx="2682743" cy="6858000"/>
+          </a:xfrm>
+          <a:prstGeom prst="rect">
+            <a:avLst/>
+          </a:prstGeom>
+        </p:spPr>
+      </p:pic>
+    </p:spTree>
+    <p:extLst>
+      <p:ext uri="{BB962C8B-B14F-4D97-AF65-F5344CB8AC3E}">
+        <p14:creationId xmlns:p14="http://schemas.microsoft.com/office/powerpoint/2010/main" val="95992585"/>
+      </p:ext>
+    </p:extLst>
+  </p:cSld>
+  <p:clrMapOvr>
+    <a:masterClrMapping/>
+  </p:clrMapOvr>
+</p:sld>
+</file>
+
+<file path=ppt/slides/slide6.xml><?xml version="1.0" encoding="utf-8"?>
+<p:sld xmlns:a="http://schemas.openxmlformats.org/drawingml/2006/main" xmlns:p="http://schemas.openxmlformats.org/presentationml/2006/main" xmlns:r="http://schemas.openxmlformats.org/officeDocument/2006/relationships">
+  <p:cSld>
+    <p:spTree>
+      <p:nvGrpSpPr>
+        <p:cNvPr id="1" name=""/>
+        <p:cNvGrpSpPr/>
+        <p:nvPr/>
+      </p:nvGrpSpPr>
+      <p:grpSpPr>
+        <a:xfrm>
+          <a:off x="0" y="0"/>
+          <a:ext cx="0" cy="0"/>
+          <a:chOff x="0" y="0"/>
+          <a:chExt cx="0" cy="0"/>
+        </a:xfrm>
+      </p:grpSpPr>
+      <p:pic>
+        <p:nvPicPr>
+          <p:cNvPr descr="Service rank vs time in service." id="6" name="slide6">
+            <a:extLst>
+              <a:ext uri="{FF2B5EF4-FFF2-40B4-BE49-F238E27FC236}">
+                <a16:creationId xmlns:a16="http://schemas.microsoft.com/office/drawing/2014/main" id="{1150AB16-3298-4233-80D0-4184CEE7B8C4}"/>
+              </a:ext>
+            </a:extLst>
+          </p:cNvPr>
+          <p:cNvPicPr>
+            <a:picLocks noChangeAspect="1"/>
+          </p:cNvPicPr>
+          <p:nvPr/>
+        </p:nvPicPr>
+        <p:blipFill>
+          <a:blip r:embed="rId11">
+            <a:extLst>
+              <a:ext uri="{28A0092B-C50C-407E-A947-70E740481C1C}">
+                <a14:useLocalDpi xmlns:a14="http://schemas.microsoft.com/office/drawing/2010/main" val="0"/>
+              </a:ext>
+            </a:extLst>
+          </a:blip>
+          <a:stretch>
+            <a:fillRect/>
+          </a:stretch>
+        </p:blipFill>
+        <p:spPr>
+          <a:xfrm>
+            <a:off x="4476179" y="0"/>
+            <a:ext cx="3239640" cy="6858000"/>
+          </a:xfrm>
+          <a:prstGeom prst="rect">
+            <a:avLst/>
+          </a:prstGeom>
+        </p:spPr>
+      </p:pic>
+    </p:spTree>
+    <p:extLst>
+      <p:ext uri="{BB962C8B-B14F-4D97-AF65-F5344CB8AC3E}">
+        <p14:creationId xmlns:p14="http://schemas.microsoft.com/office/powerpoint/2010/main" val="95992585"/>
+      </p:ext>
+    </p:extLst>
+  </p:cSld>
+  <p:clrMapOvr>
+    <a:masterClrMapping/>
+  </p:clrMapOvr>
+</p:sld>
+</file>
+
+<file path=ppt/slides/slide7.xml><?xml version="1.0" encoding="utf-8"?>
+<p:sld xmlns:a="http://schemas.openxmlformats.org/drawingml/2006/main" xmlns:p="http://schemas.openxmlformats.org/presentationml/2006/main" xmlns:r="http://schemas.openxmlformats.org/officeDocument/2006/relationships">
+  <p:cSld>
+    <p:spTree>
+      <p:nvGrpSpPr>
+        <p:cNvPr id="1" name=""/>
+        <p:cNvGrpSpPr/>
+        <p:nvPr/>
+      </p:nvGrpSpPr>
+      <p:grpSpPr>
+        <a:xfrm>
+          <a:off x="0" y="0"/>
+          <a:ext cx="0" cy="0"/>
+          <a:chOff x="0" y="0"/>
+          <a:chExt cx="0" cy="0"/>
+        </a:xfrm>
+      </p:grpSpPr>
+      <p:pic>
+        <p:nvPicPr>
+          <p:cNvPr descr="Employment by location and service years. " id="7" name="slide7">
+            <a:extLst>
+              <a:ext uri="{FF2B5EF4-FFF2-40B4-BE49-F238E27FC236}">
+                <a16:creationId xmlns:a16="http://schemas.microsoft.com/office/drawing/2014/main" id="{30BBBA9F-25CB-4CB1-A83F-E542E8767415}"/>
+              </a:ext>
+            </a:extLst>
+          </p:cNvPr>
+          <p:cNvPicPr>
+            <a:picLocks noChangeAspect="1"/>
+          </p:cNvPicPr>
+          <p:nvPr/>
+        </p:nvPicPr>
+        <p:blipFill>
+          <a:blip r:embed="rId12">
+            <a:extLst>
+              <a:ext uri="{28A0092B-C50C-407E-A947-70E740481C1C}">
+                <a14:useLocalDpi xmlns:a14="http://schemas.microsoft.com/office/drawing/2010/main" val="0"/>
+              </a:ext>
+            </a:extLst>
+          </a:blip>
+          <a:stretch>
+            <a:fillRect/>
+          </a:stretch>
+        </p:blipFill>
+        <p:spPr>
+          <a:xfrm>
+            <a:off x="5602668" y="0"/>
+            <a:ext cx="986662" cy="6858000"/>
+          </a:xfrm>
+          <a:prstGeom prst="rect">
+            <a:avLst/>
+          </a:prstGeom>
+        </p:spPr>
+      </p:pic>
+    </p:spTree>
+    <p:extLst>
+      <p:ext uri="{BB962C8B-B14F-4D97-AF65-F5344CB8AC3E}">
+        <p14:creationId xmlns:p14="http://schemas.microsoft.com/office/powerpoint/2010/main" val="95992585"/>
+      </p:ext>
+    </p:extLst>
+  </p:cSld>
+  <p:clrMapOvr>
+    <a:masterClrMapping/>
+  </p:clrMapOvr>
+</p:sld>
+</file>
+
+<file path=ppt/slides/slide8.xml><?xml version="1.0" encoding="utf-8"?>
+<p:sld xmlns:a="http://schemas.openxmlformats.org/drawingml/2006/main" xmlns:p="http://schemas.openxmlformats.org/presentationml/2006/main" xmlns:r="http://schemas.openxmlformats.org/officeDocument/2006/relationships">
+  <p:cSld>
+    <p:spTree>
+      <p:nvGrpSpPr>
+        <p:cNvPr id="1" name=""/>
+        <p:cNvGrpSpPr/>
+        <p:nvPr/>
+      </p:nvGrpSpPr>
+      <p:grpSpPr>
+        <a:xfrm>
+          <a:off x="0" y="0"/>
+          <a:ext cx="0" cy="0"/>
+          <a:chOff x="0" y="0"/>
+          <a:chExt cx="0" cy="0"/>
+        </a:xfrm>
+      </p:grpSpPr>
+      <p:pic>
+        <p:nvPicPr>
+          <p:cNvPr descr="Communication by service years" id="8" name="slide8">
+            <a:extLst>
+              <a:ext uri="{FF2B5EF4-FFF2-40B4-BE49-F238E27FC236}">
+                <a16:creationId xmlns:a16="http://schemas.microsoft.com/office/drawing/2014/main" id="{637F8BE0-5D79-4737-976B-1CE55390E40B}"/>
+              </a:ext>
+            </a:extLst>
+          </p:cNvPr>
+          <p:cNvPicPr>
+            <a:picLocks noChangeAspect="1"/>
+          </p:cNvPicPr>
+          <p:nvPr/>
+        </p:nvPicPr>
+        <p:blipFill>
+          <a:blip r:embed="rId13">
+            <a:extLst>
+              <a:ext uri="{28A0092B-C50C-407E-A947-70E740481C1C}">
+                <a14:useLocalDpi xmlns:a14="http://schemas.microsoft.com/office/drawing/2010/main" val="0"/>
+              </a:ext>
+            </a:extLst>
+          </a:blip>
+          <a:stretch>
+            <a:fillRect/>
+          </a:stretch>
+        </p:blipFill>
+        <p:spPr>
+          <a:xfrm>
+            <a:off x="2638425" y="1085850"/>
+            <a:ext cx="6915150" cy="4686300"/>
+          </a:xfrm>
+          <a:prstGeom prst="rect">
+            <a:avLst/>
+          </a:prstGeom>
+        </p:spPr>
+      </p:pic>
+    </p:spTree>
+    <p:extLst>
+      <p:ext uri="{BB962C8B-B14F-4D97-AF65-F5344CB8AC3E}">
+        <p14:creationId xmlns:p14="http://schemas.microsoft.com/office/powerpoint/2010/main" val="95992585"/>
+      </p:ext>
+    </p:extLst>
+  </p:cSld>
+  <p:clrMapOvr>
+    <a:masterClrMapping/>
+  </p:clrMapOvr>
+</p:sld>
+</file>
+
+<file path=ppt/slides/slide9.xml><?xml version="1.0" encoding="utf-8"?>
+<p:sld xmlns:a="http://schemas.openxmlformats.org/drawingml/2006/main" xmlns:p="http://schemas.openxmlformats.org/presentationml/2006/main" xmlns:r="http://schemas.openxmlformats.org/officeDocument/2006/relationships">
+  <p:cSld>
+    <p:spTree>
+      <p:nvGrpSpPr>
+        <p:cNvPr id="1" name=""/>
+        <p:cNvGrpSpPr/>
+        <p:nvPr/>
+      </p:nvGrpSpPr>
+      <p:grpSpPr>
+        <a:xfrm>
+          <a:off x="0" y="0"/>
+          <a:ext cx="0" cy="0"/>
+          <a:chOff x="0" y="0"/>
+          <a:chExt cx="0" cy="0"/>
+        </a:xfrm>
+      </p:grpSpPr>
+      <p:pic>
+        <p:nvPicPr>
+          <p:cNvPr descr="Employment by service years" id="9" name="slide9">
+            <a:extLst>
+              <a:ext uri="{FF2B5EF4-FFF2-40B4-BE49-F238E27FC236}">
+                <a16:creationId xmlns:a16="http://schemas.microsoft.com/office/drawing/2014/main" id="{F5D9B6F8-E6B8-4C66-A91B-79227CD45CD6}"/>
+              </a:ext>
+            </a:extLst>
+          </p:cNvPr>
+          <p:cNvPicPr>
+            <a:picLocks noChangeAspect="1"/>
+          </p:cNvPicPr>
+          <p:nvPr/>
+        </p:nvPicPr>
+        <p:blipFill>
+          <a:blip r:embed="rId14">
+            <a:extLst>
+              <a:ext uri="{28A0092B-C50C-407E-A947-70E740481C1C}">
+                <a14:useLocalDpi xmlns:a14="http://schemas.microsoft.com/office/drawing/2010/main" val="0"/>
+              </a:ext>
+            </a:extLst>
+          </a:blip>
+          <a:stretch>
+            <a:fillRect/>
+          </a:stretch>
+        </p:blipFill>
+        <p:spPr>
+          <a:xfrm>
+            <a:off x="2638425" y="976312"/>
+            <a:ext cx="6915150" cy="4905375"/>
           </a:xfrm>
           <a:prstGeom prst="rect">
             <a:avLst/>

--- a/Tableau/DWProjectFinal.pptx
+++ b/Tableau/DWProjectFinal.pptx
@@ -1,38 +1,38 @@
 
 <file path=ppt/presentation.xml><?xml version="1.0" encoding="utf-8"?>
-<p:presentation xmlns:a="http://schemas.openxmlformats.org/drawingml/2006/main" xmlns:p="http://schemas.openxmlformats.org/presentationml/2006/main" xmlns:r="http://schemas.openxmlformats.org/officeDocument/2006/relationships" saveSubsetFonts="1">
+<p:presentation xmlns:a="http://schemas.openxmlformats.org/drawingml/2006/main" xmlns:r="http://schemas.openxmlformats.org/officeDocument/2006/relationships" xmlns:p="http://schemas.openxmlformats.org/presentationml/2006/main" saveSubsetFonts="1">
   <p:sldMasterIdLst>
     <p:sldMasterId id="2147483648" r:id="rId1"/>
   </p:sldMasterIdLst>
   <p:sldIdLst>
-    <p:sldId id="256" r:id="rId6"/>
-    <p:sldId id="257" r:id="rId7"/>
-    <p:sldId id="258" r:id="rId8"/>
-    <p:sldId id="259" r:id="rId9"/>
-    <p:sldId id="260" r:id="rId10"/>
-    <p:sldId id="261" r:id="rId11"/>
-    <p:sldId id="262" r:id="rId12"/>
-    <p:sldId id="263" r:id="rId13"/>
-    <p:sldId id="264" r:id="rId14"/>
-    <p:sldId id="265" r:id="rId15"/>
-    <p:sldId id="266" r:id="rId16"/>
-    <p:sldId id="267" r:id="rId17"/>
-    <p:sldId id="268" r:id="rId18"/>
-    <p:sldId id="269" r:id="rId19"/>
-    <p:sldId id="270" r:id="rId20"/>
-    <p:sldId id="271" r:id="rId21"/>
-    <p:sldId id="272" r:id="rId22"/>
-    <p:sldId id="273" r:id="rId23"/>
-    <p:sldId id="274" r:id="rId24"/>
-    <p:sldId id="275" r:id="rId25"/>
-    <p:sldId id="276" r:id="rId26"/>
-    <p:sldId id="277" r:id="rId27"/>
-    <p:sldId id="278" r:id="rId28"/>
-    <p:sldId id="279" r:id="rId29"/>
-    <p:sldId id="280" r:id="rId30"/>
-    <p:sldId id="281" r:id="rId31"/>
-    <p:sldId id="282" r:id="rId32"/>
-    <p:sldId id="283" r:id="rId33"/>
+    <p:sldId id="256" r:id="rId2"/>
+    <p:sldId id="284" r:id="rId3"/>
+    <p:sldId id="285" r:id="rId4"/>
+    <p:sldId id="291" r:id="rId5"/>
+    <p:sldId id="292" r:id="rId6"/>
+    <p:sldId id="293" r:id="rId7"/>
+    <p:sldId id="294" r:id="rId8"/>
+    <p:sldId id="277" r:id="rId9"/>
+    <p:sldId id="286" r:id="rId10"/>
+    <p:sldId id="288" r:id="rId11"/>
+    <p:sldId id="295" r:id="rId12"/>
+    <p:sldId id="296" r:id="rId13"/>
+    <p:sldId id="297" r:id="rId14"/>
+    <p:sldId id="298" r:id="rId15"/>
+    <p:sldId id="287" r:id="rId16"/>
+    <p:sldId id="289" r:id="rId17"/>
+    <p:sldId id="299" r:id="rId18"/>
+    <p:sldId id="300" r:id="rId19"/>
+    <p:sldId id="301" r:id="rId20"/>
+    <p:sldId id="302" r:id="rId21"/>
+    <p:sldId id="306" r:id="rId22"/>
+    <p:sldId id="307" r:id="rId23"/>
+    <p:sldId id="280" r:id="rId24"/>
+    <p:sldId id="290" r:id="rId25"/>
+    <p:sldId id="305" r:id="rId26"/>
+    <p:sldId id="303" r:id="rId27"/>
+    <p:sldId id="304" r:id="rId28"/>
+    <p:sldId id="282" r:id="rId29"/>
   </p:sldIdLst>
   <p:sldSz cx="12192000" cy="6858000"/>
   <p:notesSz cx="6858000" cy="9144000"/>
@@ -40,8 +40,8 @@
     <a:defPPr>
       <a:defRPr lang="en-US"/>
     </a:defPPr>
-    <a:lvl1pPr algn="l" defTabSz="914400" eaLnBrk="1" hangingPunct="1" latinLnBrk="0" marL="0" rtl="0">
-      <a:defRPr kern="1200" sz="1800">
+    <a:lvl1pPr marL="0" algn="l" defTabSz="914400" rtl="0" eaLnBrk="1" latinLnBrk="0" hangingPunct="1">
+      <a:defRPr sz="1800" kern="1200">
         <a:solidFill>
           <a:schemeClr val="tx1"/>
         </a:solidFill>
@@ -50,8 +50,8 @@
         <a:cs typeface="+mn-cs"/>
       </a:defRPr>
     </a:lvl1pPr>
-    <a:lvl2pPr algn="l" defTabSz="914400" eaLnBrk="1" hangingPunct="1" latinLnBrk="0" marL="457200" rtl="0">
-      <a:defRPr kern="1200" sz="1800">
+    <a:lvl2pPr marL="457200" algn="l" defTabSz="914400" rtl="0" eaLnBrk="1" latinLnBrk="0" hangingPunct="1">
+      <a:defRPr sz="1800" kern="1200">
         <a:solidFill>
           <a:schemeClr val="tx1"/>
         </a:solidFill>
@@ -60,8 +60,8 @@
         <a:cs typeface="+mn-cs"/>
       </a:defRPr>
     </a:lvl2pPr>
-    <a:lvl3pPr algn="l" defTabSz="914400" eaLnBrk="1" hangingPunct="1" latinLnBrk="0" marL="914400" rtl="0">
-      <a:defRPr kern="1200" sz="1800">
+    <a:lvl3pPr marL="914400" algn="l" defTabSz="914400" rtl="0" eaLnBrk="1" latinLnBrk="0" hangingPunct="1">
+      <a:defRPr sz="1800" kern="1200">
         <a:solidFill>
           <a:schemeClr val="tx1"/>
         </a:solidFill>
@@ -70,8 +70,8 @@
         <a:cs typeface="+mn-cs"/>
       </a:defRPr>
     </a:lvl3pPr>
-    <a:lvl4pPr algn="l" defTabSz="914400" eaLnBrk="1" hangingPunct="1" latinLnBrk="0" marL="1371600" rtl="0">
-      <a:defRPr kern="1200" sz="1800">
+    <a:lvl4pPr marL="1371600" algn="l" defTabSz="914400" rtl="0" eaLnBrk="1" latinLnBrk="0" hangingPunct="1">
+      <a:defRPr sz="1800" kern="1200">
         <a:solidFill>
           <a:schemeClr val="tx1"/>
         </a:solidFill>
@@ -80,8 +80,8 @@
         <a:cs typeface="+mn-cs"/>
       </a:defRPr>
     </a:lvl4pPr>
-    <a:lvl5pPr algn="l" defTabSz="914400" eaLnBrk="1" hangingPunct="1" latinLnBrk="0" marL="1828800" rtl="0">
-      <a:defRPr kern="1200" sz="1800">
+    <a:lvl5pPr marL="1828800" algn="l" defTabSz="914400" rtl="0" eaLnBrk="1" latinLnBrk="0" hangingPunct="1">
+      <a:defRPr sz="1800" kern="1200">
         <a:solidFill>
           <a:schemeClr val="tx1"/>
         </a:solidFill>
@@ -90,8 +90,8 @@
         <a:cs typeface="+mn-cs"/>
       </a:defRPr>
     </a:lvl5pPr>
-    <a:lvl6pPr algn="l" defTabSz="914400" eaLnBrk="1" hangingPunct="1" latinLnBrk="0" marL="2286000" rtl="0">
-      <a:defRPr kern="1200" sz="1800">
+    <a:lvl6pPr marL="2286000" algn="l" defTabSz="914400" rtl="0" eaLnBrk="1" latinLnBrk="0" hangingPunct="1">
+      <a:defRPr sz="1800" kern="1200">
         <a:solidFill>
           <a:schemeClr val="tx1"/>
         </a:solidFill>
@@ -100,8 +100,8 @@
         <a:cs typeface="+mn-cs"/>
       </a:defRPr>
     </a:lvl6pPr>
-    <a:lvl7pPr algn="l" defTabSz="914400" eaLnBrk="1" hangingPunct="1" latinLnBrk="0" marL="2743200" rtl="0">
-      <a:defRPr kern="1200" sz="1800">
+    <a:lvl7pPr marL="2743200" algn="l" defTabSz="914400" rtl="0" eaLnBrk="1" latinLnBrk="0" hangingPunct="1">
+      <a:defRPr sz="1800" kern="1200">
         <a:solidFill>
           <a:schemeClr val="tx1"/>
         </a:solidFill>
@@ -110,8 +110,8 @@
         <a:cs typeface="+mn-cs"/>
       </a:defRPr>
     </a:lvl7pPr>
-    <a:lvl8pPr algn="l" defTabSz="914400" eaLnBrk="1" hangingPunct="1" latinLnBrk="0" marL="3200400" rtl="0">
-      <a:defRPr kern="1200" sz="1800">
+    <a:lvl8pPr marL="3200400" algn="l" defTabSz="914400" rtl="0" eaLnBrk="1" latinLnBrk="0" hangingPunct="1">
+      <a:defRPr sz="1800" kern="1200">
         <a:solidFill>
           <a:schemeClr val="tx1"/>
         </a:solidFill>
@@ -120,8 +120,8 @@
         <a:cs typeface="+mn-cs"/>
       </a:defRPr>
     </a:lvl8pPr>
-    <a:lvl9pPr algn="l" defTabSz="914400" eaLnBrk="1" hangingPunct="1" latinLnBrk="0" marL="3657600" rtl="0">
-      <a:defRPr kern="1200" sz="1800">
+    <a:lvl9pPr marL="3657600" algn="l" defTabSz="914400" rtl="0" eaLnBrk="1" latinLnBrk="0" hangingPunct="1">
+      <a:defRPr sz="1800" kern="1200">
         <a:solidFill>
           <a:schemeClr val="tx1"/>
         </a:solidFill>
@@ -131,6 +131,11 @@
       </a:defRPr>
     </a:lvl9pPr>
   </p:defaultTextStyle>
+  <p:extLst>
+    <p:ext uri="{EFAFB233-063F-42B5-8137-9DF3F51BA10A}">
+      <p15:sldGuideLst xmlns:p15="http://schemas.microsoft.com/office/powerpoint/2012/main"/>
+    </p:ext>
+  </p:extLst>
 </p:presentation>
 </file>
 
@@ -281,7 +286,7 @@
           <a:p>
             <a:fld id="{EED1C14C-A143-42F5-B247-D0E800131009}" type="datetimeFigureOut">
               <a:rPr lang="en-US" smtClean="0"/>
-              <a:t>8/15/2018</a:t>
+              <a:t>7/10/2020</a:t>
             </a:fld>
             <a:endParaRPr lang="en-US"/>
           </a:p>
@@ -479,7 +484,7 @@
           <a:p>
             <a:fld id="{EED1C14C-A143-42F5-B247-D0E800131009}" type="datetimeFigureOut">
               <a:rPr lang="en-US" smtClean="0"/>
-              <a:t>8/15/2018</a:t>
+              <a:t>7/10/2020</a:t>
             </a:fld>
             <a:endParaRPr lang="en-US"/>
           </a:p>
@@ -687,7 +692,7 @@
           <a:p>
             <a:fld id="{EED1C14C-A143-42F5-B247-D0E800131009}" type="datetimeFigureOut">
               <a:rPr lang="en-US" smtClean="0"/>
-              <a:t>8/15/2018</a:t>
+              <a:t>7/10/2020</a:t>
             </a:fld>
             <a:endParaRPr lang="en-US"/>
           </a:p>
@@ -885,7 +890,7 @@
           <a:p>
             <a:fld id="{EED1C14C-A143-42F5-B247-D0E800131009}" type="datetimeFigureOut">
               <a:rPr lang="en-US" smtClean="0"/>
-              <a:t>8/15/2018</a:t>
+              <a:t>7/10/2020</a:t>
             </a:fld>
             <a:endParaRPr lang="en-US"/>
           </a:p>
@@ -1160,7 +1165,7 @@
           <a:p>
             <a:fld id="{EED1C14C-A143-42F5-B247-D0E800131009}" type="datetimeFigureOut">
               <a:rPr lang="en-US" smtClean="0"/>
-              <a:t>8/15/2018</a:t>
+              <a:t>7/10/2020</a:t>
             </a:fld>
             <a:endParaRPr lang="en-US"/>
           </a:p>
@@ -1425,7 +1430,7 @@
           <a:p>
             <a:fld id="{EED1C14C-A143-42F5-B247-D0E800131009}" type="datetimeFigureOut">
               <a:rPr lang="en-US" smtClean="0"/>
-              <a:t>8/15/2018</a:t>
+              <a:t>7/10/2020</a:t>
             </a:fld>
             <a:endParaRPr lang="en-US"/>
           </a:p>
@@ -1837,7 +1842,7 @@
           <a:p>
             <a:fld id="{EED1C14C-A143-42F5-B247-D0E800131009}" type="datetimeFigureOut">
               <a:rPr lang="en-US" smtClean="0"/>
-              <a:t>8/15/2018</a:t>
+              <a:t>7/10/2020</a:t>
             </a:fld>
             <a:endParaRPr lang="en-US"/>
           </a:p>
@@ -1978,7 +1983,7 @@
           <a:p>
             <a:fld id="{EED1C14C-A143-42F5-B247-D0E800131009}" type="datetimeFigureOut">
               <a:rPr lang="en-US" smtClean="0"/>
-              <a:t>8/15/2018</a:t>
+              <a:t>7/10/2020</a:t>
             </a:fld>
             <a:endParaRPr lang="en-US"/>
           </a:p>
@@ -2091,7 +2096,7 @@
           <a:p>
             <a:fld id="{EED1C14C-A143-42F5-B247-D0E800131009}" type="datetimeFigureOut">
               <a:rPr lang="en-US" smtClean="0"/>
-              <a:t>8/15/2018</a:t>
+              <a:t>7/10/2020</a:t>
             </a:fld>
             <a:endParaRPr lang="en-US"/>
           </a:p>
@@ -2402,7 +2407,7 @@
           <a:p>
             <a:fld id="{EED1C14C-A143-42F5-B247-D0E800131009}" type="datetimeFigureOut">
               <a:rPr lang="en-US" smtClean="0"/>
-              <a:t>8/15/2018</a:t>
+              <a:t>7/10/2020</a:t>
             </a:fld>
             <a:endParaRPr lang="en-US"/>
           </a:p>
@@ -2690,7 +2695,7 @@
           <a:p>
             <a:fld id="{EED1C14C-A143-42F5-B247-D0E800131009}" type="datetimeFigureOut">
               <a:rPr lang="en-US" smtClean="0"/>
-              <a:t>8/15/2018</a:t>
+              <a:t>7/10/2020</a:t>
             </a:fld>
             <a:endParaRPr lang="en-US"/>
           </a:p>
@@ -2931,7 +2936,7 @@
           <a:p>
             <a:fld id="{EED1C14C-A143-42F5-B247-D0E800131009}" type="datetimeFigureOut">
               <a:rPr lang="en-US" smtClean="0"/>
-              <a:t>8/15/2018</a:t>
+              <a:t>7/10/2020</a:t>
             </a:fld>
             <a:endParaRPr lang="en-US"/>
           </a:p>
@@ -3332,7 +3337,7 @@
 </file>
 
 <file path=ppt/slides/slide1.xml><?xml version="1.0" encoding="utf-8"?>
-<p:sld xmlns:a="http://schemas.openxmlformats.org/drawingml/2006/main" xmlns:p="http://schemas.openxmlformats.org/presentationml/2006/main" xmlns:r="http://schemas.openxmlformats.org/officeDocument/2006/relationships">
+<p:sld xmlns:a="http://schemas.openxmlformats.org/drawingml/2006/main" xmlns:r="http://schemas.openxmlformats.org/officeDocument/2006/relationships" xmlns:p="http://schemas.openxmlformats.org/presentationml/2006/main">
   <p:cSld>
     <p:spTree>
       <p:nvGrpSpPr>
@@ -3350,7 +3355,7 @@
       </p:grpSpPr>
       <p:sp>
         <p:nvSpPr>
-          <p:cNvPr id="0" name="slide1">
+          <p:cNvPr id="2" name="slide1">
             <a:extLst>
               <a:ext uri="{FF2B5EF4-FFF2-40B4-BE49-F238E27FC236}">
                 <a16:creationId xmlns:a16="http://schemas.microsoft.com/office/drawing/2014/main" id="{20810E32-EBAA-4A77-82EC-E29112FEF2A2}"/>
@@ -3361,7 +3366,7 @@
             <a:spLocks noGrp="1"/>
           </p:cNvSpPr>
           <p:nvPr>
-            <p:ph idx="0" type="ctrTitle"/>
+            <p:ph type="ctrTitle"/>
           </p:nvPr>
         </p:nvSpPr>
         <p:spPr/>
@@ -3370,15 +3375,36 @@
           <a:lstStyle/>
           <a:p>
             <a:r>
-              <a:rPr/>
-              <a:t>DWProjectFinal</a:t>
-            </a:r>
-          </a:p>
-        </p:txBody>
-      </p:sp>
-      <p:sp>
-        <p:nvSpPr>
-          <p:cNvPr id="1" name="slide1">
+              <a:rPr dirty="0"/>
+              <a:t>D</a:t>
+            </a:r>
+            <a:r>
+              <a:rPr lang="en-US" dirty="0"/>
+              <a:t>ata </a:t>
+            </a:r>
+            <a:r>
+              <a:rPr dirty="0"/>
+              <a:t>W</a:t>
+            </a:r>
+            <a:r>
+              <a:rPr lang="en-US" dirty="0"/>
+              <a:t>arehousing </a:t>
+            </a:r>
+            <a:r>
+              <a:rPr dirty="0"/>
+              <a:t>Project</a:t>
+            </a:r>
+            <a:r>
+              <a:rPr lang="en-US" dirty="0"/>
+              <a:t>. </a:t>
+            </a:r>
+            <a:endParaRPr dirty="0"/>
+          </a:p>
+        </p:txBody>
+      </p:sp>
+      <p:sp>
+        <p:nvSpPr>
+          <p:cNvPr id="3" name="slide1">
             <a:extLst>
               <a:ext uri="{FF2B5EF4-FFF2-40B4-BE49-F238E27FC236}">
                 <a16:creationId xmlns:a16="http://schemas.microsoft.com/office/drawing/2014/main" id="{C1FE2668-E10C-4C07-90C8-080F8E0D94ED}"/>
@@ -3389,7 +3415,7 @@
             <a:spLocks noGrp="1"/>
           </p:cNvSpPr>
           <p:nvPr>
-            <p:ph idx="1" type="subTitle"/>
+            <p:ph type="subTitle" idx="1"/>
           </p:nvPr>
         </p:nvSpPr>
         <p:spPr/>
@@ -3398,9 +3424,10 @@
           <a:lstStyle/>
           <a:p>
             <a:r>
-              <a:rPr/>
-              <a:t>File created on: 7/10/2020 11:39:15 PM</a:t>
-            </a:r>
+              <a:rPr lang="en-US" dirty="0"/>
+              <a:t>By Moses Mbabaali 4846019 </a:t>
+            </a:r>
+            <a:endParaRPr dirty="0"/>
           </a:p>
         </p:txBody>
       </p:sp>
@@ -3418,7 +3445,124 @@
 </file>
 
 <file path=ppt/slides/slide10.xml><?xml version="1.0" encoding="utf-8"?>
-<p:sld xmlns:a="http://schemas.openxmlformats.org/drawingml/2006/main" xmlns:p="http://schemas.openxmlformats.org/presentationml/2006/main" xmlns:r="http://schemas.openxmlformats.org/officeDocument/2006/relationships">
+<p:sld xmlns:a="http://schemas.openxmlformats.org/drawingml/2006/main" xmlns:r="http://schemas.openxmlformats.org/officeDocument/2006/relationships" xmlns:p="http://schemas.openxmlformats.org/presentationml/2006/main">
+  <p:cSld>
+    <p:spTree>
+      <p:nvGrpSpPr>
+        <p:cNvPr id="1" name=""/>
+        <p:cNvGrpSpPr/>
+        <p:nvPr/>
+      </p:nvGrpSpPr>
+      <p:grpSpPr>
+        <a:xfrm>
+          <a:off x="0" y="0"/>
+          <a:ext cx="0" cy="0"/>
+          <a:chOff x="0" y="0"/>
+          <a:chExt cx="0" cy="0"/>
+        </a:xfrm>
+      </p:grpSpPr>
+      <p:sp>
+        <p:nvSpPr>
+          <p:cNvPr id="2" name="Title 1">
+            <a:extLst>
+              <a:ext uri="{FF2B5EF4-FFF2-40B4-BE49-F238E27FC236}">
+                <a16:creationId xmlns:a16="http://schemas.microsoft.com/office/drawing/2014/main" id="{3E14253D-8EE0-47BB-ABCB-F6510AAA3B4D}"/>
+              </a:ext>
+            </a:extLst>
+          </p:cNvPr>
+          <p:cNvSpPr>
+            <a:spLocks noGrp="1"/>
+          </p:cNvSpPr>
+          <p:nvPr>
+            <p:ph type="title"/>
+          </p:nvPr>
+        </p:nvSpPr>
+        <p:spPr/>
+        <p:txBody>
+          <a:bodyPr>
+            <a:normAutofit fontScale="90000"/>
+          </a:bodyPr>
+          <a:lstStyle/>
+          <a:p>
+            <a:pPr algn="ctr"/>
+            <a:r>
+              <a:rPr lang="en-US" b="1" dirty="0"/>
+              <a:t>What are the client registration trends over the years? </a:t>
+            </a:r>
+            <a:br>
+              <a:rPr lang="en-US" b="1" dirty="0"/>
+            </a:br>
+            <a:endParaRPr lang="en-US" b="1" dirty="0"/>
+          </a:p>
+        </p:txBody>
+      </p:sp>
+      <p:sp>
+        <p:nvSpPr>
+          <p:cNvPr id="3" name="Content Placeholder 2">
+            <a:extLst>
+              <a:ext uri="{FF2B5EF4-FFF2-40B4-BE49-F238E27FC236}">
+                <a16:creationId xmlns:a16="http://schemas.microsoft.com/office/drawing/2014/main" id="{19D477D3-48ED-4EBD-A569-A0B9082F8418}"/>
+              </a:ext>
+            </a:extLst>
+          </p:cNvPr>
+          <p:cNvSpPr>
+            <a:spLocks noGrp="1"/>
+          </p:cNvSpPr>
+          <p:nvPr>
+            <p:ph idx="1"/>
+          </p:nvPr>
+        </p:nvSpPr>
+        <p:spPr/>
+        <p:txBody>
+          <a:bodyPr/>
+          <a:lstStyle/>
+          <a:p>
+            <a:pPr marL="0" indent="0">
+              <a:buNone/>
+            </a:pPr>
+            <a:r>
+              <a:rPr lang="en-US" dirty="0"/>
+              <a:t>4. The trend for registration where gender is taken into consideration the average time between the 2 genders is the same or all service branches. </a:t>
+            </a:r>
+          </a:p>
+          <a:p>
+            <a:pPr marL="0" indent="0">
+              <a:buNone/>
+            </a:pPr>
+            <a:r>
+              <a:rPr lang="en-US" dirty="0"/>
+              <a:t>5. The average per service branch is less than 3 years but the higher end can go up to 8 years for lower rank service rank soldiers. </a:t>
+            </a:r>
+          </a:p>
+          <a:p>
+            <a:pPr marL="0" indent="0">
+              <a:buNone/>
+            </a:pPr>
+            <a:endParaRPr lang="en-US" dirty="0"/>
+          </a:p>
+          <a:p>
+            <a:pPr marL="0" indent="0">
+              <a:buNone/>
+            </a:pPr>
+            <a:endParaRPr lang="en-US" dirty="0"/>
+          </a:p>
+        </p:txBody>
+      </p:sp>
+    </p:spTree>
+    <p:extLst>
+      <p:ext uri="{BB962C8B-B14F-4D97-AF65-F5344CB8AC3E}">
+        <p14:creationId xmlns:p14="http://schemas.microsoft.com/office/powerpoint/2010/main" val="291983348"/>
+      </p:ext>
+    </p:extLst>
+  </p:cSld>
+  <p:clrMapOvr>
+    <a:masterClrMapping/>
+  </p:clrMapOvr>
+</p:sld>
+</file>
+
+<file path=ppt/slides/slide11.xml><?xml version="1.0" encoding="utf-8"?>
+<p:sld xmlns:a="http://schemas.openxmlformats.org/drawingml/2006/main" xmlns:r="http://schemas.openxmlformats.org/officeDocument/2006/relationships" xmlns:p="http://schemas.openxmlformats.org/presentationml/2006/main">
   <p:cSld>
     <p:spTree>
       <p:nvGrpSpPr>
@@ -3436,10 +3580,10 @@
       </p:grpSpPr>
       <p:pic>
         <p:nvPicPr>
-          <p:cNvPr descr="Employment by rank years in service" id="10" name="slide10">
-            <a:extLst>
-              <a:ext uri="{FF2B5EF4-FFF2-40B4-BE49-F238E27FC236}">
-                <a16:creationId xmlns:a16="http://schemas.microsoft.com/office/drawing/2014/main" id="{35BC2073-F1C1-4318-B28E-CB255FD24EE1}"/>
+          <p:cNvPr id="20" name="slide20" descr="Registration trends">
+            <a:extLst>
+              <a:ext uri="{FF2B5EF4-FFF2-40B4-BE49-F238E27FC236}">
+                <a16:creationId xmlns:a16="http://schemas.microsoft.com/office/drawing/2014/main" id="{99FEB1E9-9E23-4617-9F22-FDAD37BCA498}"/>
               </a:ext>
             </a:extLst>
           </p:cNvPr>
@@ -3449,7 +3593,7 @@
           <p:nvPr/>
         </p:nvPicPr>
         <p:blipFill>
-          <a:blip r:embed="rId15">
+          <a:blip r:embed="rId2">
             <a:extLst>
               <a:ext uri="{28A0092B-C50C-407E-A947-70E740481C1C}">
                 <a14:useLocalDpi xmlns:a14="http://schemas.microsoft.com/office/drawing/2010/main" val="0"/>
@@ -3462,8 +3606,8 @@
         </p:blipFill>
         <p:spPr>
           <a:xfrm>
-            <a:off x="4244601" y="0"/>
-            <a:ext cx="3702798" cy="6858000"/>
+            <a:off x="2468092" y="0"/>
+            <a:ext cx="7255816" cy="6858000"/>
           </a:xfrm>
           <a:prstGeom prst="rect">
             <a:avLst/>
@@ -3473,7 +3617,7 @@
     </p:spTree>
     <p:extLst>
       <p:ext uri="{BB962C8B-B14F-4D97-AF65-F5344CB8AC3E}">
-        <p14:creationId xmlns:p14="http://schemas.microsoft.com/office/powerpoint/2010/main" val="95992585"/>
+        <p14:creationId xmlns:p14="http://schemas.microsoft.com/office/powerpoint/2010/main" val="1890734849"/>
       </p:ext>
     </p:extLst>
   </p:cSld>
@@ -3483,8 +3627,8 @@
 </p:sld>
 </file>
 
-<file path=ppt/slides/slide11.xml><?xml version="1.0" encoding="utf-8"?>
-<p:sld xmlns:a="http://schemas.openxmlformats.org/drawingml/2006/main" xmlns:p="http://schemas.openxmlformats.org/presentationml/2006/main" xmlns:r="http://schemas.openxmlformats.org/officeDocument/2006/relationships">
+<file path=ppt/slides/slide12.xml><?xml version="1.0" encoding="utf-8"?>
+<p:sld xmlns:a="http://schemas.openxmlformats.org/drawingml/2006/main" xmlns:r="http://schemas.openxmlformats.org/officeDocument/2006/relationships" xmlns:p="http://schemas.openxmlformats.org/presentationml/2006/main">
   <p:cSld>
     <p:spTree>
       <p:nvGrpSpPr>
@@ -3502,10 +3646,10 @@
       </p:grpSpPr>
       <p:pic>
         <p:nvPicPr>
-          <p:cNvPr descr="Communication prefrences" id="11" name="slide11">
-            <a:extLst>
-              <a:ext uri="{FF2B5EF4-FFF2-40B4-BE49-F238E27FC236}">
-                <a16:creationId xmlns:a16="http://schemas.microsoft.com/office/drawing/2014/main" id="{045AC315-93E6-490A-8B22-A07361F825B0}"/>
+          <p:cNvPr id="3" name="slide3" descr="Average time service men register for services">
+            <a:extLst>
+              <a:ext uri="{FF2B5EF4-FFF2-40B4-BE49-F238E27FC236}">
+                <a16:creationId xmlns:a16="http://schemas.microsoft.com/office/drawing/2014/main" id="{776FC114-9182-4553-87A3-79678C7B656C}"/>
               </a:ext>
             </a:extLst>
           </p:cNvPr>
@@ -3515,7 +3659,7 @@
           <p:nvPr/>
         </p:nvPicPr>
         <p:blipFill>
-          <a:blip r:embed="rId16">
+          <a:blip r:embed="rId2">
             <a:extLst>
               <a:ext uri="{28A0092B-C50C-407E-A947-70E740481C1C}">
                 <a14:useLocalDpi xmlns:a14="http://schemas.microsoft.com/office/drawing/2010/main" val="0"/>
@@ -3528,8 +3672,8 @@
         </p:blipFill>
         <p:spPr>
           <a:xfrm>
-            <a:off x="2633662" y="1042987"/>
-            <a:ext cx="6924675" cy="4772025"/>
+            <a:off x="1990467" y="0"/>
+            <a:ext cx="8211065" cy="6858000"/>
           </a:xfrm>
           <a:prstGeom prst="rect">
             <a:avLst/>
@@ -3539,7 +3683,7 @@
     </p:spTree>
     <p:extLst>
       <p:ext uri="{BB962C8B-B14F-4D97-AF65-F5344CB8AC3E}">
-        <p14:creationId xmlns:p14="http://schemas.microsoft.com/office/powerpoint/2010/main" val="95992585"/>
+        <p14:creationId xmlns:p14="http://schemas.microsoft.com/office/powerpoint/2010/main" val="252382637"/>
       </p:ext>
     </p:extLst>
   </p:cSld>
@@ -3549,8 +3693,8 @@
 </p:sld>
 </file>
 
-<file path=ppt/slides/slide12.xml><?xml version="1.0" encoding="utf-8"?>
-<p:sld xmlns:a="http://schemas.openxmlformats.org/drawingml/2006/main" xmlns:p="http://schemas.openxmlformats.org/presentationml/2006/main" xmlns:r="http://schemas.openxmlformats.org/officeDocument/2006/relationships">
+<file path=ppt/slides/slide13.xml><?xml version="1.0" encoding="utf-8"?>
+<p:sld xmlns:a="http://schemas.openxmlformats.org/drawingml/2006/main" xmlns:r="http://schemas.openxmlformats.org/officeDocument/2006/relationships" xmlns:p="http://schemas.openxmlformats.org/presentationml/2006/main">
   <p:cSld>
     <p:spTree>
       <p:nvGrpSpPr>
@@ -3568,10 +3712,10 @@
       </p:grpSpPr>
       <p:pic>
         <p:nvPicPr>
-          <p:cNvPr descr="Service men by branch" id="12" name="slide12">
-            <a:extLst>
-              <a:ext uri="{FF2B5EF4-FFF2-40B4-BE49-F238E27FC236}">
-                <a16:creationId xmlns:a16="http://schemas.microsoft.com/office/drawing/2014/main" id="{821F5B84-13E2-44A3-86D5-35E7B48714D3}"/>
+          <p:cNvPr id="2" name="slide2" descr="Service branch emp by gender">
+            <a:extLst>
+              <a:ext uri="{FF2B5EF4-FFF2-40B4-BE49-F238E27FC236}">
+                <a16:creationId xmlns:a16="http://schemas.microsoft.com/office/drawing/2014/main" id="{0B318A67-711E-451A-A7B7-1BCD96355EBB}"/>
               </a:ext>
             </a:extLst>
           </p:cNvPr>
@@ -3581,7 +3725,7 @@
           <p:nvPr/>
         </p:nvPicPr>
         <p:blipFill>
-          <a:blip r:embed="rId17">
+          <a:blip r:embed="rId2">
             <a:extLst>
               <a:ext uri="{28A0092B-C50C-407E-A947-70E740481C1C}">
                 <a14:useLocalDpi xmlns:a14="http://schemas.microsoft.com/office/drawing/2010/main" val="0"/>
@@ -3594,8 +3738,8 @@
         </p:blipFill>
         <p:spPr>
           <a:xfrm>
-            <a:off x="1876425" y="1890712"/>
-            <a:ext cx="8439150" cy="3076575"/>
+            <a:off x="3622558" y="0"/>
+            <a:ext cx="4946883" cy="6858000"/>
           </a:xfrm>
           <a:prstGeom prst="rect">
             <a:avLst/>
@@ -3605,7 +3749,7 @@
     </p:spTree>
     <p:extLst>
       <p:ext uri="{BB962C8B-B14F-4D97-AF65-F5344CB8AC3E}">
-        <p14:creationId xmlns:p14="http://schemas.microsoft.com/office/powerpoint/2010/main" val="95992585"/>
+        <p14:creationId xmlns:p14="http://schemas.microsoft.com/office/powerpoint/2010/main" val="1101688490"/>
       </p:ext>
     </p:extLst>
   </p:cSld>
@@ -3615,8 +3759,8 @@
 </p:sld>
 </file>
 
-<file path=ppt/slides/slide13.xml><?xml version="1.0" encoding="utf-8"?>
-<p:sld xmlns:a="http://schemas.openxmlformats.org/drawingml/2006/main" xmlns:p="http://schemas.openxmlformats.org/presentationml/2006/main" xmlns:r="http://schemas.openxmlformats.org/officeDocument/2006/relationships">
+<file path=ppt/slides/slide14.xml><?xml version="1.0" encoding="utf-8"?>
+<p:sld xmlns:a="http://schemas.openxmlformats.org/drawingml/2006/main" xmlns:r="http://schemas.openxmlformats.org/officeDocument/2006/relationships" xmlns:p="http://schemas.openxmlformats.org/presentationml/2006/main">
   <p:cSld>
     <p:spTree>
       <p:nvGrpSpPr>
@@ -3634,10 +3778,10 @@
       </p:grpSpPr>
       <p:pic>
         <p:nvPicPr>
-          <p:cNvPr descr="No. service men by rank" id="13" name="slide13">
-            <a:extLst>
-              <a:ext uri="{FF2B5EF4-FFF2-40B4-BE49-F238E27FC236}">
-                <a16:creationId xmlns:a16="http://schemas.microsoft.com/office/drawing/2014/main" id="{28CC91DD-BF32-49BB-B915-64490193CD81}"/>
+          <p:cNvPr id="24" name="slide24" descr="Reg for services by branch">
+            <a:extLst>
+              <a:ext uri="{FF2B5EF4-FFF2-40B4-BE49-F238E27FC236}">
+                <a16:creationId xmlns:a16="http://schemas.microsoft.com/office/drawing/2014/main" id="{C9F748D7-760A-4C40-8F3D-3A17F58D03D1}"/>
               </a:ext>
             </a:extLst>
           </p:cNvPr>
@@ -3647,7 +3791,7 @@
           <p:nvPr/>
         </p:nvPicPr>
         <p:blipFill>
-          <a:blip r:embed="rId18">
+          <a:blip r:embed="rId2">
             <a:extLst>
               <a:ext uri="{28A0092B-C50C-407E-A947-70E740481C1C}">
                 <a14:useLocalDpi xmlns:a14="http://schemas.microsoft.com/office/drawing/2010/main" val="0"/>
@@ -3660,8 +3804,8 @@
         </p:blipFill>
         <p:spPr>
           <a:xfrm>
-            <a:off x="2385164" y="0"/>
-            <a:ext cx="7421671" cy="6858000"/>
+            <a:off x="2638425" y="2000250"/>
+            <a:ext cx="6915150" cy="2857500"/>
           </a:xfrm>
           <a:prstGeom prst="rect">
             <a:avLst/>
@@ -3671,7 +3815,7 @@
     </p:spTree>
     <p:extLst>
       <p:ext uri="{BB962C8B-B14F-4D97-AF65-F5344CB8AC3E}">
-        <p14:creationId xmlns:p14="http://schemas.microsoft.com/office/powerpoint/2010/main" val="95992585"/>
+        <p14:creationId xmlns:p14="http://schemas.microsoft.com/office/powerpoint/2010/main" val="622082529"/>
       </p:ext>
     </p:extLst>
   </p:cSld>
@@ -3681,8 +3825,8 @@
 </p:sld>
 </file>
 
-<file path=ppt/slides/slide14.xml><?xml version="1.0" encoding="utf-8"?>
-<p:sld xmlns:a="http://schemas.openxmlformats.org/drawingml/2006/main" xmlns:p="http://schemas.openxmlformats.org/presentationml/2006/main" xmlns:r="http://schemas.openxmlformats.org/officeDocument/2006/relationships">
+<file path=ppt/slides/slide15.xml><?xml version="1.0" encoding="utf-8"?>
+<p:sld xmlns:a="http://schemas.openxmlformats.org/drawingml/2006/main" xmlns:r="http://schemas.openxmlformats.org/officeDocument/2006/relationships" xmlns:p="http://schemas.openxmlformats.org/presentationml/2006/main">
   <p:cSld>
     <p:spTree>
       <p:nvGrpSpPr>
@@ -3700,10 +3844,10 @@
       </p:grpSpPr>
       <p:pic>
         <p:nvPicPr>
-          <p:cNvPr descr="Employement by status 2" id="14" name="slide14">
-            <a:extLst>
-              <a:ext uri="{FF2B5EF4-FFF2-40B4-BE49-F238E27FC236}">
-                <a16:creationId xmlns:a16="http://schemas.microsoft.com/office/drawing/2014/main" id="{67E833AD-85CA-4467-B36D-76065DBB77E2}"/>
+          <p:cNvPr id="2" name="slide2" descr="Registration Details">
+            <a:extLst>
+              <a:ext uri="{FF2B5EF4-FFF2-40B4-BE49-F238E27FC236}">
+                <a16:creationId xmlns:a16="http://schemas.microsoft.com/office/drawing/2014/main" id="{EAAE59B6-10F6-41E4-A2B1-0E3F56523195}"/>
               </a:ext>
             </a:extLst>
           </p:cNvPr>
@@ -3713,7 +3857,7 @@
           <p:nvPr/>
         </p:nvPicPr>
         <p:blipFill>
-          <a:blip r:embed="rId19">
+          <a:blip r:embed="rId2">
             <a:extLst>
               <a:ext uri="{28A0092B-C50C-407E-A947-70E740481C1C}">
                 <a14:useLocalDpi xmlns:a14="http://schemas.microsoft.com/office/drawing/2010/main" val="0"/>
@@ -3726,8 +3870,8 @@
         </p:blipFill>
         <p:spPr>
           <a:xfrm>
-            <a:off x="1881187" y="1123950"/>
-            <a:ext cx="8429625" cy="4610100"/>
+            <a:off x="1809750" y="0"/>
+            <a:ext cx="8572500" cy="6858000"/>
           </a:xfrm>
           <a:prstGeom prst="rect">
             <a:avLst/>
@@ -3737,7 +3881,7 @@
     </p:spTree>
     <p:extLst>
       <p:ext uri="{BB962C8B-B14F-4D97-AF65-F5344CB8AC3E}">
-        <p14:creationId xmlns:p14="http://schemas.microsoft.com/office/powerpoint/2010/main" val="95992585"/>
+        <p14:creationId xmlns:p14="http://schemas.microsoft.com/office/powerpoint/2010/main" val="2616095045"/>
       </p:ext>
     </p:extLst>
   </p:cSld>
@@ -3747,8 +3891,151 @@
 </p:sld>
 </file>
 
-<file path=ppt/slides/slide15.xml><?xml version="1.0" encoding="utf-8"?>
-<p:sld xmlns:a="http://schemas.openxmlformats.org/drawingml/2006/main" xmlns:p="http://schemas.openxmlformats.org/presentationml/2006/main" xmlns:r="http://schemas.openxmlformats.org/officeDocument/2006/relationships">
+<file path=ppt/slides/slide16.xml><?xml version="1.0" encoding="utf-8"?>
+<p:sld xmlns:a="http://schemas.openxmlformats.org/drawingml/2006/main" xmlns:r="http://schemas.openxmlformats.org/officeDocument/2006/relationships" xmlns:p="http://schemas.openxmlformats.org/presentationml/2006/main">
+  <p:cSld>
+    <p:spTree>
+      <p:nvGrpSpPr>
+        <p:cNvPr id="1" name=""/>
+        <p:cNvGrpSpPr/>
+        <p:nvPr/>
+      </p:nvGrpSpPr>
+      <p:grpSpPr>
+        <a:xfrm>
+          <a:off x="0" y="0"/>
+          <a:ext cx="0" cy="0"/>
+          <a:chOff x="0" y="0"/>
+          <a:chExt cx="0" cy="0"/>
+        </a:xfrm>
+      </p:grpSpPr>
+      <p:sp>
+        <p:nvSpPr>
+          <p:cNvPr id="2" name="Title 1">
+            <a:extLst>
+              <a:ext uri="{FF2B5EF4-FFF2-40B4-BE49-F238E27FC236}">
+                <a16:creationId xmlns:a16="http://schemas.microsoft.com/office/drawing/2014/main" id="{E4401174-CFDC-4987-93A9-E62E30B315BA}"/>
+              </a:ext>
+            </a:extLst>
+          </p:cNvPr>
+          <p:cNvSpPr>
+            <a:spLocks noGrp="1"/>
+          </p:cNvSpPr>
+          <p:nvPr>
+            <p:ph type="title"/>
+          </p:nvPr>
+        </p:nvSpPr>
+        <p:spPr/>
+        <p:txBody>
+          <a:bodyPr>
+            <a:normAutofit fontScale="90000"/>
+          </a:bodyPr>
+          <a:lstStyle/>
+          <a:p>
+            <a:pPr algn="ctr"/>
+            <a:r>
+              <a:rPr lang="en-US" b="1" dirty="0"/>
+              <a:t>How successful is the program in placing service men into jobs? </a:t>
+            </a:r>
+            <a:br>
+              <a:rPr lang="en-US" b="1" dirty="0"/>
+            </a:br>
+            <a:endParaRPr lang="en-US" b="1" dirty="0"/>
+          </a:p>
+        </p:txBody>
+      </p:sp>
+      <p:sp>
+        <p:nvSpPr>
+          <p:cNvPr id="3" name="Content Placeholder 2">
+            <a:extLst>
+              <a:ext uri="{FF2B5EF4-FFF2-40B4-BE49-F238E27FC236}">
+                <a16:creationId xmlns:a16="http://schemas.microsoft.com/office/drawing/2014/main" id="{4FB36C80-F6B2-4DC4-9EAF-4759825B04CF}"/>
+              </a:ext>
+            </a:extLst>
+          </p:cNvPr>
+          <p:cNvSpPr>
+            <a:spLocks noGrp="1"/>
+          </p:cNvSpPr>
+          <p:nvPr>
+            <p:ph idx="1"/>
+          </p:nvPr>
+        </p:nvSpPr>
+        <p:spPr/>
+        <p:txBody>
+          <a:bodyPr>
+            <a:normAutofit fontScale="77500" lnSpcReduction="20000"/>
+          </a:bodyPr>
+          <a:lstStyle/>
+          <a:p>
+            <a:pPr marL="514350" indent="-514350">
+              <a:buAutoNum type="arabicPeriod"/>
+            </a:pPr>
+            <a:r>
+              <a:rPr lang="en-US" dirty="0"/>
+              <a:t>To compute the group of service men that were hired through the project, I considered those that had left service and were not serving any more. </a:t>
+            </a:r>
+          </a:p>
+          <a:p>
+            <a:pPr marL="514350" indent="-514350">
+              <a:buAutoNum type="arabicPeriod"/>
+            </a:pPr>
+            <a:r>
+              <a:rPr lang="en-US" dirty="0"/>
+              <a:t>Those that got jobs over the years through the program are 20,091. These are not active service men, but instead those that retired. </a:t>
+            </a:r>
+          </a:p>
+          <a:p>
+            <a:pPr marL="514350" indent="-514350">
+              <a:buAutoNum type="arabicPeriod"/>
+            </a:pPr>
+            <a:r>
+              <a:rPr lang="en-US" dirty="0"/>
+              <a:t>The split between men and women is made up in such a way that more men got jobs than women. But this makes sense because overall there are more men than women in the program. 1950 clients never indicated their gender, 3731 were female and 14410 were male. </a:t>
+            </a:r>
+          </a:p>
+          <a:p>
+            <a:pPr marL="514350" indent="-514350">
+              <a:buAutoNum type="arabicPeriod"/>
+            </a:pPr>
+            <a:r>
+              <a:rPr lang="en-US" dirty="0"/>
+              <a:t>Since the program started it gained momentum by 2014 in fact in 2016 it was able to place over 8000 men into jobs, more than the unemployed to 2015. </a:t>
+            </a:r>
+          </a:p>
+          <a:p>
+            <a:pPr marL="514350" indent="-514350">
+              <a:buAutoNum type="arabicPeriod"/>
+            </a:pPr>
+            <a:r>
+              <a:rPr lang="en-US" dirty="0"/>
+              <a:t>From the data those that get hired through the program are mostly satisfied with the placements that they get. </a:t>
+            </a:r>
+          </a:p>
+          <a:p>
+            <a:pPr marL="514350" indent="-514350">
+              <a:buAutoNum type="arabicPeriod"/>
+            </a:pPr>
+            <a:r>
+              <a:rPr lang="en-US" dirty="0"/>
+              <a:t>In term of hires by service branch, the Army gets the lions share with 10,417 followed by the Navy with 3,055 and then Airforce with 2,880, then the Marines take up 2423 and Coast guard 170 and those that indicated null 1,145. </a:t>
+            </a:r>
+          </a:p>
+        </p:txBody>
+      </p:sp>
+    </p:spTree>
+    <p:extLst>
+      <p:ext uri="{BB962C8B-B14F-4D97-AF65-F5344CB8AC3E}">
+        <p14:creationId xmlns:p14="http://schemas.microsoft.com/office/powerpoint/2010/main" val="759755209"/>
+      </p:ext>
+    </p:extLst>
+  </p:cSld>
+  <p:clrMapOvr>
+    <a:masterClrMapping/>
+  </p:clrMapOvr>
+</p:sld>
+</file>
+
+<file path=ppt/slides/slide17.xml><?xml version="1.0" encoding="utf-8"?>
+<p:sld xmlns:a="http://schemas.openxmlformats.org/drawingml/2006/main" xmlns:r="http://schemas.openxmlformats.org/officeDocument/2006/relationships" xmlns:p="http://schemas.openxmlformats.org/presentationml/2006/main">
   <p:cSld>
     <p:spTree>
       <p:nvGrpSpPr>
@@ -3766,10 +4053,10 @@
       </p:grpSpPr>
       <p:pic>
         <p:nvPicPr>
-          <p:cNvPr descr="Employment by status" id="15" name="slide15">
-            <a:extLst>
-              <a:ext uri="{FF2B5EF4-FFF2-40B4-BE49-F238E27FC236}">
-                <a16:creationId xmlns:a16="http://schemas.microsoft.com/office/drawing/2014/main" id="{FF2F6ECC-32CF-4F3E-90C1-DBFD29397331}"/>
+          <p:cNvPr id="16" name="slide16" descr="Employment by gender">
+            <a:extLst>
+              <a:ext uri="{FF2B5EF4-FFF2-40B4-BE49-F238E27FC236}">
+                <a16:creationId xmlns:a16="http://schemas.microsoft.com/office/drawing/2014/main" id="{59D4DAE8-C5D6-4417-B46A-6CBD1F9AC426}"/>
               </a:ext>
             </a:extLst>
           </p:cNvPr>
@@ -3779,73 +4066,7 @@
           <p:nvPr/>
         </p:nvPicPr>
         <p:blipFill>
-          <a:blip r:embed="rId20">
-            <a:extLst>
-              <a:ext uri="{28A0092B-C50C-407E-A947-70E740481C1C}">
-                <a14:useLocalDpi xmlns:a14="http://schemas.microsoft.com/office/drawing/2010/main" val="0"/>
-              </a:ext>
-            </a:extLst>
-          </a:blip>
-          <a:stretch>
-            <a:fillRect/>
-          </a:stretch>
-        </p:blipFill>
-        <p:spPr>
-          <a:xfrm>
-            <a:off x="2561367" y="0"/>
-            <a:ext cx="7069265" cy="6858000"/>
-          </a:xfrm>
-          <a:prstGeom prst="rect">
-            <a:avLst/>
-          </a:prstGeom>
-        </p:spPr>
-      </p:pic>
-    </p:spTree>
-    <p:extLst>
-      <p:ext uri="{BB962C8B-B14F-4D97-AF65-F5344CB8AC3E}">
-        <p14:creationId xmlns:p14="http://schemas.microsoft.com/office/powerpoint/2010/main" val="95992585"/>
-      </p:ext>
-    </p:extLst>
-  </p:cSld>
-  <p:clrMapOvr>
-    <a:masterClrMapping/>
-  </p:clrMapOvr>
-</p:sld>
-</file>
-
-<file path=ppt/slides/slide16.xml><?xml version="1.0" encoding="utf-8"?>
-<p:sld xmlns:a="http://schemas.openxmlformats.org/drawingml/2006/main" xmlns:p="http://schemas.openxmlformats.org/presentationml/2006/main" xmlns:r="http://schemas.openxmlformats.org/officeDocument/2006/relationships">
-  <p:cSld>
-    <p:spTree>
-      <p:nvGrpSpPr>
-        <p:cNvPr id="1" name=""/>
-        <p:cNvGrpSpPr/>
-        <p:nvPr/>
-      </p:nvGrpSpPr>
-      <p:grpSpPr>
-        <a:xfrm>
-          <a:off x="0" y="0"/>
-          <a:ext cx="0" cy="0"/>
-          <a:chOff x="0" y="0"/>
-          <a:chExt cx="0" cy="0"/>
-        </a:xfrm>
-      </p:grpSpPr>
-      <p:pic>
-        <p:nvPicPr>
-          <p:cNvPr descr="Employment by gender" id="16" name="slide16">
-            <a:extLst>
-              <a:ext uri="{FF2B5EF4-FFF2-40B4-BE49-F238E27FC236}">
-                <a16:creationId xmlns:a16="http://schemas.microsoft.com/office/drawing/2014/main" id="{59D4DAE8-C5D6-4417-B46A-6CBD1F9AC426}"/>
-              </a:ext>
-            </a:extLst>
-          </p:cNvPr>
-          <p:cNvPicPr>
-            <a:picLocks noChangeAspect="1"/>
-          </p:cNvPicPr>
-          <p:nvPr/>
-        </p:nvPicPr>
-        <p:blipFill>
-          <a:blip r:embed="rId21">
+          <a:blip r:embed="rId2">
             <a:extLst>
               <a:ext uri="{28A0092B-C50C-407E-A947-70E740481C1C}">
                 <a14:useLocalDpi xmlns:a14="http://schemas.microsoft.com/office/drawing/2010/main" val="0"/>
@@ -3869,7 +4090,7 @@
     </p:spTree>
     <p:extLst>
       <p:ext uri="{BB962C8B-B14F-4D97-AF65-F5344CB8AC3E}">
-        <p14:creationId xmlns:p14="http://schemas.microsoft.com/office/powerpoint/2010/main" val="95992585"/>
+        <p14:creationId xmlns:p14="http://schemas.microsoft.com/office/powerpoint/2010/main" val="125174723"/>
       </p:ext>
     </p:extLst>
   </p:cSld>
@@ -3879,8 +4100,8 @@
 </p:sld>
 </file>
 
-<file path=ppt/slides/slide17.xml><?xml version="1.0" encoding="utf-8"?>
-<p:sld xmlns:a="http://schemas.openxmlformats.org/drawingml/2006/main" xmlns:p="http://schemas.openxmlformats.org/presentationml/2006/main" xmlns:r="http://schemas.openxmlformats.org/officeDocument/2006/relationships">
+<file path=ppt/slides/slide18.xml><?xml version="1.0" encoding="utf-8"?>
+<p:sld xmlns:a="http://schemas.openxmlformats.org/drawingml/2006/main" xmlns:r="http://schemas.openxmlformats.org/officeDocument/2006/relationships" xmlns:p="http://schemas.openxmlformats.org/presentationml/2006/main">
   <p:cSld>
     <p:spTree>
       <p:nvGrpSpPr>
@@ -3898,10 +4119,10 @@
       </p:grpSpPr>
       <p:pic>
         <p:nvPicPr>
-          <p:cNvPr descr="Average years in service" id="17" name="slide17">
-            <a:extLst>
-              <a:ext uri="{FF2B5EF4-FFF2-40B4-BE49-F238E27FC236}">
-                <a16:creationId xmlns:a16="http://schemas.microsoft.com/office/drawing/2014/main" id="{3CB770D8-9C6E-4A37-91C1-0CA662DD56E5}"/>
+          <p:cNvPr id="19" name="slide19" descr="Hire satisfaction">
+            <a:extLst>
+              <a:ext uri="{FF2B5EF4-FFF2-40B4-BE49-F238E27FC236}">
+                <a16:creationId xmlns:a16="http://schemas.microsoft.com/office/drawing/2014/main" id="{36F2C154-E7EF-4A3E-9BE5-6EE9FCF874A3}"/>
               </a:ext>
             </a:extLst>
           </p:cNvPr>
@@ -3911,7 +4132,7 @@
           <p:nvPr/>
         </p:nvPicPr>
         <p:blipFill>
-          <a:blip r:embed="rId22">
+          <a:blip r:embed="rId2">
             <a:extLst>
               <a:ext uri="{28A0092B-C50C-407E-A947-70E740481C1C}">
                 <a14:useLocalDpi xmlns:a14="http://schemas.microsoft.com/office/drawing/2010/main" val="0"/>
@@ -3924,8 +4145,8 @@
         </p:blipFill>
         <p:spPr>
           <a:xfrm>
-            <a:off x="2638425" y="1809750"/>
-            <a:ext cx="6915150" cy="3238500"/>
+            <a:off x="1871662" y="1885950"/>
+            <a:ext cx="8448675" cy="3086100"/>
           </a:xfrm>
           <a:prstGeom prst="rect">
             <a:avLst/>
@@ -3935,7 +4156,7 @@
     </p:spTree>
     <p:extLst>
       <p:ext uri="{BB962C8B-B14F-4D97-AF65-F5344CB8AC3E}">
-        <p14:creationId xmlns:p14="http://schemas.microsoft.com/office/powerpoint/2010/main" val="95992585"/>
+        <p14:creationId xmlns:p14="http://schemas.microsoft.com/office/powerpoint/2010/main" val="556344534"/>
       </p:ext>
     </p:extLst>
   </p:cSld>
@@ -3945,8 +4166,8 @@
 </p:sld>
 </file>
 
-<file path=ppt/slides/slide18.xml><?xml version="1.0" encoding="utf-8"?>
-<p:sld xmlns:a="http://schemas.openxmlformats.org/drawingml/2006/main" xmlns:p="http://schemas.openxmlformats.org/presentationml/2006/main" xmlns:r="http://schemas.openxmlformats.org/officeDocument/2006/relationships">
+<file path=ppt/slides/slide19.xml><?xml version="1.0" encoding="utf-8"?>
+<p:sld xmlns:a="http://schemas.openxmlformats.org/drawingml/2006/main" xmlns:r="http://schemas.openxmlformats.org/officeDocument/2006/relationships" xmlns:p="http://schemas.openxmlformats.org/presentationml/2006/main">
   <p:cSld>
     <p:spTree>
       <p:nvGrpSpPr>
@@ -3964,10 +4185,10 @@
       </p:grpSpPr>
       <p:pic>
         <p:nvPicPr>
-          <p:cNvPr descr="Hires" id="18" name="slide18">
-            <a:extLst>
-              <a:ext uri="{FF2B5EF4-FFF2-40B4-BE49-F238E27FC236}">
-                <a16:creationId xmlns:a16="http://schemas.microsoft.com/office/drawing/2014/main" id="{21207BCA-B1CD-4E47-93AC-E2DE298F5402}"/>
+          <p:cNvPr id="26" name="slide26" descr="Hires by service branch">
+            <a:extLst>
+              <a:ext uri="{FF2B5EF4-FFF2-40B4-BE49-F238E27FC236}">
+                <a16:creationId xmlns:a16="http://schemas.microsoft.com/office/drawing/2014/main" id="{6EF7F617-6151-4C94-A599-182015C46611}"/>
               </a:ext>
             </a:extLst>
           </p:cNvPr>
@@ -3977,7 +4198,202 @@
           <p:nvPr/>
         </p:nvPicPr>
         <p:blipFill>
-          <a:blip r:embed="rId23">
+          <a:blip r:embed="rId2">
+            <a:extLst>
+              <a:ext uri="{28A0092B-C50C-407E-A947-70E740481C1C}">
+                <a14:useLocalDpi xmlns:a14="http://schemas.microsoft.com/office/drawing/2010/main" val="0"/>
+              </a:ext>
+            </a:extLst>
+          </a:blip>
+          <a:stretch>
+            <a:fillRect/>
+          </a:stretch>
+        </p:blipFill>
+        <p:spPr>
+          <a:xfrm>
+            <a:off x="1871662" y="647700"/>
+            <a:ext cx="8448675" cy="5562600"/>
+          </a:xfrm>
+          <a:prstGeom prst="rect">
+            <a:avLst/>
+          </a:prstGeom>
+        </p:spPr>
+      </p:pic>
+    </p:spTree>
+    <p:extLst>
+      <p:ext uri="{BB962C8B-B14F-4D97-AF65-F5344CB8AC3E}">
+        <p14:creationId xmlns:p14="http://schemas.microsoft.com/office/powerpoint/2010/main" val="2894220385"/>
+      </p:ext>
+    </p:extLst>
+  </p:cSld>
+  <p:clrMapOvr>
+    <a:masterClrMapping/>
+  </p:clrMapOvr>
+</p:sld>
+</file>
+
+<file path=ppt/slides/slide2.xml><?xml version="1.0" encoding="utf-8"?>
+<p:sld xmlns:a="http://schemas.openxmlformats.org/drawingml/2006/main" xmlns:r="http://schemas.openxmlformats.org/officeDocument/2006/relationships" xmlns:p="http://schemas.openxmlformats.org/presentationml/2006/main">
+  <p:cSld>
+    <p:spTree>
+      <p:nvGrpSpPr>
+        <p:cNvPr id="1" name=""/>
+        <p:cNvGrpSpPr/>
+        <p:nvPr/>
+      </p:nvGrpSpPr>
+      <p:grpSpPr>
+        <a:xfrm>
+          <a:off x="0" y="0"/>
+          <a:ext cx="0" cy="0"/>
+          <a:chOff x="0" y="0"/>
+          <a:chExt cx="0" cy="0"/>
+        </a:xfrm>
+      </p:grpSpPr>
+      <p:sp>
+        <p:nvSpPr>
+          <p:cNvPr id="2" name="Title 1">
+            <a:extLst>
+              <a:ext uri="{FF2B5EF4-FFF2-40B4-BE49-F238E27FC236}">
+                <a16:creationId xmlns:a16="http://schemas.microsoft.com/office/drawing/2014/main" id="{144ACE2C-6081-426B-9904-5DF672396604}"/>
+              </a:ext>
+            </a:extLst>
+          </p:cNvPr>
+          <p:cNvSpPr>
+            <a:spLocks noGrp="1"/>
+          </p:cNvSpPr>
+          <p:nvPr>
+            <p:ph type="title"/>
+          </p:nvPr>
+        </p:nvSpPr>
+        <p:spPr/>
+        <p:txBody>
+          <a:bodyPr/>
+          <a:lstStyle/>
+          <a:p>
+            <a:pPr algn="ctr"/>
+            <a:r>
+              <a:rPr lang="en-US" b="1" dirty="0"/>
+              <a:t>My analysis is going to answer the following questions based on the hire heroes dataset. </a:t>
+            </a:r>
+          </a:p>
+        </p:txBody>
+      </p:sp>
+      <p:sp>
+        <p:nvSpPr>
+          <p:cNvPr id="3" name="Content Placeholder 2">
+            <a:extLst>
+              <a:ext uri="{FF2B5EF4-FFF2-40B4-BE49-F238E27FC236}">
+                <a16:creationId xmlns:a16="http://schemas.microsoft.com/office/drawing/2014/main" id="{3A87B3F0-7A37-4303-AB32-A47ACC7F00ED}"/>
+              </a:ext>
+            </a:extLst>
+          </p:cNvPr>
+          <p:cNvSpPr>
+            <a:spLocks noGrp="1"/>
+          </p:cNvSpPr>
+          <p:nvPr>
+            <p:ph idx="1"/>
+          </p:nvPr>
+        </p:nvSpPr>
+        <p:spPr/>
+        <p:txBody>
+          <a:bodyPr/>
+          <a:lstStyle/>
+          <a:p>
+            <a:pPr marL="514350" indent="-514350">
+              <a:buAutoNum type="arabicPeriod"/>
+            </a:pPr>
+            <a:r>
+              <a:rPr lang="en-US" dirty="0"/>
+              <a:t>What are the main statistics of the service men that register for employment placement at “Hire heroes”? </a:t>
+            </a:r>
+          </a:p>
+          <a:p>
+            <a:pPr marL="514350" indent="-514350">
+              <a:buAutoNum type="arabicPeriod"/>
+            </a:pPr>
+            <a:r>
+              <a:rPr lang="en-US" dirty="0"/>
+              <a:t>What are the client registration trends over the years? </a:t>
+            </a:r>
+          </a:p>
+          <a:p>
+            <a:pPr marL="514350" indent="-514350">
+              <a:buAutoNum type="arabicPeriod"/>
+            </a:pPr>
+            <a:r>
+              <a:rPr lang="en-US" dirty="0"/>
+              <a:t>How successful is the program in placing service men into jobs? </a:t>
+            </a:r>
+          </a:p>
+          <a:p>
+            <a:pPr marL="514350" indent="-514350">
+              <a:buAutoNum type="arabicPeriod"/>
+            </a:pPr>
+            <a:r>
+              <a:rPr lang="en-US" dirty="0"/>
+              <a:t>Which communication channels are successful? What are the outcomes of using those channels? </a:t>
+            </a:r>
+          </a:p>
+          <a:p>
+            <a:pPr marL="514350" indent="-514350">
+              <a:buAutoNum type="arabicPeriod"/>
+            </a:pPr>
+            <a:endParaRPr lang="en-US" dirty="0"/>
+          </a:p>
+          <a:p>
+            <a:pPr marL="514350" indent="-514350">
+              <a:buAutoNum type="arabicPeriod"/>
+            </a:pPr>
+            <a:endParaRPr lang="en-US" dirty="0"/>
+          </a:p>
+        </p:txBody>
+      </p:sp>
+    </p:spTree>
+    <p:extLst>
+      <p:ext uri="{BB962C8B-B14F-4D97-AF65-F5344CB8AC3E}">
+        <p14:creationId xmlns:p14="http://schemas.microsoft.com/office/powerpoint/2010/main" val="3781736166"/>
+      </p:ext>
+    </p:extLst>
+  </p:cSld>
+  <p:clrMapOvr>
+    <a:masterClrMapping/>
+  </p:clrMapOvr>
+</p:sld>
+</file>
+
+<file path=ppt/slides/slide20.xml><?xml version="1.0" encoding="utf-8"?>
+<p:sld xmlns:a="http://schemas.openxmlformats.org/drawingml/2006/main" xmlns:r="http://schemas.openxmlformats.org/officeDocument/2006/relationships" xmlns:p="http://schemas.openxmlformats.org/presentationml/2006/main">
+  <p:cSld>
+    <p:spTree>
+      <p:nvGrpSpPr>
+        <p:cNvPr id="1" name=""/>
+        <p:cNvGrpSpPr/>
+        <p:nvPr/>
+      </p:nvGrpSpPr>
+      <p:grpSpPr>
+        <a:xfrm>
+          <a:off x="0" y="0"/>
+          <a:ext cx="0" cy="0"/>
+          <a:chOff x="0" y="0"/>
+          <a:chExt cx="0" cy="0"/>
+        </a:xfrm>
+      </p:grpSpPr>
+      <p:pic>
+        <p:nvPicPr>
+          <p:cNvPr id="18" name="slide18" descr="Hires">
+            <a:extLst>
+              <a:ext uri="{FF2B5EF4-FFF2-40B4-BE49-F238E27FC236}">
+                <a16:creationId xmlns:a16="http://schemas.microsoft.com/office/drawing/2014/main" id="{21207BCA-B1CD-4E47-93AC-E2DE298F5402}"/>
+              </a:ext>
+            </a:extLst>
+          </p:cNvPr>
+          <p:cNvPicPr>
+            <a:picLocks noChangeAspect="1"/>
+          </p:cNvPicPr>
+          <p:nvPr/>
+        </p:nvPicPr>
+        <p:blipFill>
+          <a:blip r:embed="rId2">
             <a:extLst>
               <a:ext uri="{28A0092B-C50C-407E-A947-70E740481C1C}">
                 <a14:useLocalDpi xmlns:a14="http://schemas.microsoft.com/office/drawing/2010/main" val="0"/>
@@ -4001,7 +4417,7 @@
     </p:spTree>
     <p:extLst>
       <p:ext uri="{BB962C8B-B14F-4D97-AF65-F5344CB8AC3E}">
-        <p14:creationId xmlns:p14="http://schemas.microsoft.com/office/powerpoint/2010/main" val="95992585"/>
+        <p14:creationId xmlns:p14="http://schemas.microsoft.com/office/powerpoint/2010/main" val="3002180549"/>
       </p:ext>
     </p:extLst>
   </p:cSld>
@@ -4011,8 +4427,8 @@
 </p:sld>
 </file>
 
-<file path=ppt/slides/slide19.xml><?xml version="1.0" encoding="utf-8"?>
-<p:sld xmlns:a="http://schemas.openxmlformats.org/drawingml/2006/main" xmlns:p="http://schemas.openxmlformats.org/presentationml/2006/main" xmlns:r="http://schemas.openxmlformats.org/officeDocument/2006/relationships">
+<file path=ppt/slides/slide21.xml><?xml version="1.0" encoding="utf-8"?>
+<p:sld xmlns:a="http://schemas.openxmlformats.org/drawingml/2006/main" xmlns:r="http://schemas.openxmlformats.org/officeDocument/2006/relationships" xmlns:p="http://schemas.openxmlformats.org/presentationml/2006/main">
   <p:cSld>
     <p:spTree>
       <p:nvGrpSpPr>
@@ -4030,10 +4446,10 @@
       </p:grpSpPr>
       <p:pic>
         <p:nvPicPr>
-          <p:cNvPr descr="Hire satisfaction" id="19" name="slide19">
-            <a:extLst>
-              <a:ext uri="{FF2B5EF4-FFF2-40B4-BE49-F238E27FC236}">
-                <a16:creationId xmlns:a16="http://schemas.microsoft.com/office/drawing/2014/main" id="{36F2C154-E7EF-4A3E-9BE5-6EE9FCF874A3}"/>
+          <p:cNvPr id="9" name="slide9" descr="Employment by service years">
+            <a:extLst>
+              <a:ext uri="{FF2B5EF4-FFF2-40B4-BE49-F238E27FC236}">
+                <a16:creationId xmlns:a16="http://schemas.microsoft.com/office/drawing/2014/main" id="{F5D9B6F8-E6B8-4C66-A91B-79227CD45CD6}"/>
               </a:ext>
             </a:extLst>
           </p:cNvPr>
@@ -4043,7 +4459,7 @@
           <p:nvPr/>
         </p:nvPicPr>
         <p:blipFill>
-          <a:blip r:embed="rId24">
+          <a:blip r:embed="rId2">
             <a:extLst>
               <a:ext uri="{28A0092B-C50C-407E-A947-70E740481C1C}">
                 <a14:useLocalDpi xmlns:a14="http://schemas.microsoft.com/office/drawing/2010/main" val="0"/>
@@ -4056,8 +4472,8 @@
         </p:blipFill>
         <p:spPr>
           <a:xfrm>
-            <a:off x="1871662" y="1885950"/>
-            <a:ext cx="8448675" cy="3086100"/>
+            <a:off x="2638425" y="976312"/>
+            <a:ext cx="6915150" cy="4905375"/>
           </a:xfrm>
           <a:prstGeom prst="rect">
             <a:avLst/>
@@ -4067,7 +4483,7 @@
     </p:spTree>
     <p:extLst>
       <p:ext uri="{BB962C8B-B14F-4D97-AF65-F5344CB8AC3E}">
-        <p14:creationId xmlns:p14="http://schemas.microsoft.com/office/powerpoint/2010/main" val="95992585"/>
+        <p14:creationId xmlns:p14="http://schemas.microsoft.com/office/powerpoint/2010/main" val="1701524142"/>
       </p:ext>
     </p:extLst>
   </p:cSld>
@@ -4077,8 +4493,8 @@
 </p:sld>
 </file>
 
-<file path=ppt/slides/slide2.xml><?xml version="1.0" encoding="utf-8"?>
-<p:sld xmlns:a="http://schemas.openxmlformats.org/drawingml/2006/main" xmlns:p="http://schemas.openxmlformats.org/presentationml/2006/main" xmlns:r="http://schemas.openxmlformats.org/officeDocument/2006/relationships">
+<file path=ppt/slides/slide22.xml><?xml version="1.0" encoding="utf-8"?>
+<p:sld xmlns:a="http://schemas.openxmlformats.org/drawingml/2006/main" xmlns:r="http://schemas.openxmlformats.org/officeDocument/2006/relationships" xmlns:p="http://schemas.openxmlformats.org/presentationml/2006/main">
   <p:cSld>
     <p:spTree>
       <p:nvGrpSpPr>
@@ -4096,10 +4512,10 @@
       </p:grpSpPr>
       <p:pic>
         <p:nvPicPr>
-          <p:cNvPr descr="Service rank Vs Years in service. " id="2" name="slide2">
-            <a:extLst>
-              <a:ext uri="{FF2B5EF4-FFF2-40B4-BE49-F238E27FC236}">
-                <a16:creationId xmlns:a16="http://schemas.microsoft.com/office/drawing/2014/main" id="{07A75A52-B821-49EA-86B9-972F377FF0E1}"/>
+          <p:cNvPr id="10" name="slide10" descr="Employment by rank years in service">
+            <a:extLst>
+              <a:ext uri="{FF2B5EF4-FFF2-40B4-BE49-F238E27FC236}">
+                <a16:creationId xmlns:a16="http://schemas.microsoft.com/office/drawing/2014/main" id="{35BC2073-F1C1-4318-B28E-CB255FD24EE1}"/>
               </a:ext>
             </a:extLst>
           </p:cNvPr>
@@ -4109,7 +4525,7 @@
           <p:nvPr/>
         </p:nvPicPr>
         <p:blipFill>
-          <a:blip r:embed="rId7">
+          <a:blip r:embed="rId2">
             <a:extLst>
               <a:ext uri="{28A0092B-C50C-407E-A947-70E740481C1C}">
                 <a14:useLocalDpi xmlns:a14="http://schemas.microsoft.com/office/drawing/2010/main" val="0"/>
@@ -4122,8 +4538,8 @@
         </p:blipFill>
         <p:spPr>
           <a:xfrm>
-            <a:off x="2114225" y="0"/>
-            <a:ext cx="7963549" cy="6858000"/>
+            <a:off x="3389376" y="0"/>
+            <a:ext cx="5291328" cy="6858000"/>
           </a:xfrm>
           <a:prstGeom prst="rect">
             <a:avLst/>
@@ -4133,7 +4549,7 @@
     </p:spTree>
     <p:extLst>
       <p:ext uri="{BB962C8B-B14F-4D97-AF65-F5344CB8AC3E}">
-        <p14:creationId xmlns:p14="http://schemas.microsoft.com/office/powerpoint/2010/main" val="95992585"/>
+        <p14:creationId xmlns:p14="http://schemas.microsoft.com/office/powerpoint/2010/main" val="172970106"/>
       </p:ext>
     </p:extLst>
   </p:cSld>
@@ -4143,8 +4559,8 @@
 </p:sld>
 </file>
 
-<file path=ppt/slides/slide20.xml><?xml version="1.0" encoding="utf-8"?>
-<p:sld xmlns:a="http://schemas.openxmlformats.org/drawingml/2006/main" xmlns:p="http://schemas.openxmlformats.org/presentationml/2006/main" xmlns:r="http://schemas.openxmlformats.org/officeDocument/2006/relationships">
+<file path=ppt/slides/slide23.xml><?xml version="1.0" encoding="utf-8"?>
+<p:sld xmlns:a="http://schemas.openxmlformats.org/drawingml/2006/main" xmlns:r="http://schemas.openxmlformats.org/officeDocument/2006/relationships" xmlns:p="http://schemas.openxmlformats.org/presentationml/2006/main">
   <p:cSld>
     <p:spTree>
       <p:nvGrpSpPr>
@@ -4162,10 +4578,10 @@
       </p:grpSpPr>
       <p:pic>
         <p:nvPicPr>
-          <p:cNvPr descr="Registration trends" id="20" name="slide20">
-            <a:extLst>
-              <a:ext uri="{FF2B5EF4-FFF2-40B4-BE49-F238E27FC236}">
-                <a16:creationId xmlns:a16="http://schemas.microsoft.com/office/drawing/2014/main" id="{99FEB1E9-9E23-4617-9F22-FDAD37BCA498}"/>
+          <p:cNvPr id="25" name="slide25" descr="Hire information">
+            <a:extLst>
+              <a:ext uri="{FF2B5EF4-FFF2-40B4-BE49-F238E27FC236}">
+                <a16:creationId xmlns:a16="http://schemas.microsoft.com/office/drawing/2014/main" id="{50168C0C-D665-4C5B-95BE-57CEDFEDC84E}"/>
               </a:ext>
             </a:extLst>
           </p:cNvPr>
@@ -4175,205 +4591,7 @@
           <p:nvPr/>
         </p:nvPicPr>
         <p:blipFill>
-          <a:blip r:embed="rId25">
-            <a:extLst>
-              <a:ext uri="{28A0092B-C50C-407E-A947-70E740481C1C}">
-                <a14:useLocalDpi xmlns:a14="http://schemas.microsoft.com/office/drawing/2010/main" val="0"/>
-              </a:ext>
-            </a:extLst>
-          </a:blip>
-          <a:stretch>
-            <a:fillRect/>
-          </a:stretch>
-        </p:blipFill>
-        <p:spPr>
-          <a:xfrm>
-            <a:off x="2468092" y="0"/>
-            <a:ext cx="7255816" cy="6858000"/>
-          </a:xfrm>
-          <a:prstGeom prst="rect">
-            <a:avLst/>
-          </a:prstGeom>
-        </p:spPr>
-      </p:pic>
-    </p:spTree>
-    <p:extLst>
-      <p:ext uri="{BB962C8B-B14F-4D97-AF65-F5344CB8AC3E}">
-        <p14:creationId xmlns:p14="http://schemas.microsoft.com/office/powerpoint/2010/main" val="95992585"/>
-      </p:ext>
-    </p:extLst>
-  </p:cSld>
-  <p:clrMapOvr>
-    <a:masterClrMapping/>
-  </p:clrMapOvr>
-</p:sld>
-</file>
-
-<file path=ppt/slides/slide21.xml><?xml version="1.0" encoding="utf-8"?>
-<p:sld xmlns:a="http://schemas.openxmlformats.org/drawingml/2006/main" xmlns:p="http://schemas.openxmlformats.org/presentationml/2006/main" xmlns:r="http://schemas.openxmlformats.org/officeDocument/2006/relationships">
-  <p:cSld>
-    <p:spTree>
-      <p:nvGrpSpPr>
-        <p:cNvPr id="1" name=""/>
-        <p:cNvGrpSpPr/>
-        <p:nvPr/>
-      </p:nvGrpSpPr>
-      <p:grpSpPr>
-        <a:xfrm>
-          <a:off x="0" y="0"/>
-          <a:ext cx="0" cy="0"/>
-          <a:chOff x="0" y="0"/>
-          <a:chExt cx="0" cy="0"/>
-        </a:xfrm>
-      </p:grpSpPr>
-      <p:pic>
-        <p:nvPicPr>
-          <p:cNvPr descr="Dashboard 1" id="21" name="slide21">
-            <a:extLst>
-              <a:ext uri="{FF2B5EF4-FFF2-40B4-BE49-F238E27FC236}">
-                <a16:creationId xmlns:a16="http://schemas.microsoft.com/office/drawing/2014/main" id="{A81D9BEC-4419-43DF-B401-56A4879C3193}"/>
-              </a:ext>
-            </a:extLst>
-          </p:cNvPr>
-          <p:cNvPicPr>
-            <a:picLocks noChangeAspect="1"/>
-          </p:cNvPicPr>
-          <p:nvPr/>
-        </p:nvPicPr>
-        <p:blipFill>
-          <a:blip r:embed="rId26">
-            <a:extLst>
-              <a:ext uri="{28A0092B-C50C-407E-A947-70E740481C1C}">
-                <a14:useLocalDpi xmlns:a14="http://schemas.microsoft.com/office/drawing/2010/main" val="0"/>
-              </a:ext>
-            </a:extLst>
-          </a:blip>
-          <a:stretch>
-            <a:fillRect/>
-          </a:stretch>
-        </p:blipFill>
-        <p:spPr>
-          <a:xfrm>
-            <a:off x="1809750" y="0"/>
-            <a:ext cx="8572500" cy="6858000"/>
-          </a:xfrm>
-          <a:prstGeom prst="rect">
-            <a:avLst/>
-          </a:prstGeom>
-        </p:spPr>
-      </p:pic>
-    </p:spTree>
-    <p:extLst>
-      <p:ext uri="{BB962C8B-B14F-4D97-AF65-F5344CB8AC3E}">
-        <p14:creationId xmlns:p14="http://schemas.microsoft.com/office/powerpoint/2010/main" val="95992585"/>
-      </p:ext>
-    </p:extLst>
-  </p:cSld>
-  <p:clrMapOvr>
-    <a:masterClrMapping/>
-  </p:clrMapOvr>
-</p:sld>
-</file>
-
-<file path=ppt/slides/slide22.xml><?xml version="1.0" encoding="utf-8"?>
-<p:sld xmlns:a="http://schemas.openxmlformats.org/drawingml/2006/main" xmlns:p="http://schemas.openxmlformats.org/presentationml/2006/main" xmlns:r="http://schemas.openxmlformats.org/officeDocument/2006/relationships">
-  <p:cSld>
-    <p:spTree>
-      <p:nvGrpSpPr>
-        <p:cNvPr id="1" name=""/>
-        <p:cNvGrpSpPr/>
-        <p:nvPr/>
-      </p:nvGrpSpPr>
-      <p:grpSpPr>
-        <a:xfrm>
-          <a:off x="0" y="0"/>
-          <a:ext cx="0" cy="0"/>
-          <a:chOff x="0" y="0"/>
-          <a:chExt cx="0" cy="0"/>
-        </a:xfrm>
-      </p:grpSpPr>
-      <p:pic>
-        <p:nvPicPr>
-          <p:cNvPr descr="Service Details" id="22" name="slide22">
-            <a:extLst>
-              <a:ext uri="{FF2B5EF4-FFF2-40B4-BE49-F238E27FC236}">
-                <a16:creationId xmlns:a16="http://schemas.microsoft.com/office/drawing/2014/main" id="{552F154B-F3B8-453B-B4CF-7DEC8A9DE4BD}"/>
-              </a:ext>
-            </a:extLst>
-          </p:cNvPr>
-          <p:cNvPicPr>
-            <a:picLocks noChangeAspect="1"/>
-          </p:cNvPicPr>
-          <p:nvPr/>
-        </p:nvPicPr>
-        <p:blipFill>
-          <a:blip r:embed="rId27">
-            <a:extLst>
-              <a:ext uri="{28A0092B-C50C-407E-A947-70E740481C1C}">
-                <a14:useLocalDpi xmlns:a14="http://schemas.microsoft.com/office/drawing/2010/main" val="0"/>
-              </a:ext>
-            </a:extLst>
-          </a:blip>
-          <a:stretch>
-            <a:fillRect/>
-          </a:stretch>
-        </p:blipFill>
-        <p:spPr>
-          <a:xfrm>
-            <a:off x="1809750" y="0"/>
-            <a:ext cx="8572500" cy="6858000"/>
-          </a:xfrm>
-          <a:prstGeom prst="rect">
-            <a:avLst/>
-          </a:prstGeom>
-        </p:spPr>
-      </p:pic>
-    </p:spTree>
-    <p:extLst>
-      <p:ext uri="{BB962C8B-B14F-4D97-AF65-F5344CB8AC3E}">
-        <p14:creationId xmlns:p14="http://schemas.microsoft.com/office/powerpoint/2010/main" val="95992585"/>
-      </p:ext>
-    </p:extLst>
-  </p:cSld>
-  <p:clrMapOvr>
-    <a:masterClrMapping/>
-  </p:clrMapOvr>
-</p:sld>
-</file>
-
-<file path=ppt/slides/slide23.xml><?xml version="1.0" encoding="utf-8"?>
-<p:sld xmlns:a="http://schemas.openxmlformats.org/drawingml/2006/main" xmlns:p="http://schemas.openxmlformats.org/presentationml/2006/main" xmlns:r="http://schemas.openxmlformats.org/officeDocument/2006/relationships">
-  <p:cSld>
-    <p:spTree>
-      <p:nvGrpSpPr>
-        <p:cNvPr id="1" name=""/>
-        <p:cNvGrpSpPr/>
-        <p:nvPr/>
-      </p:nvGrpSpPr>
-      <p:grpSpPr>
-        <a:xfrm>
-          <a:off x="0" y="0"/>
-          <a:ext cx="0" cy="0"/>
-          <a:chOff x="0" y="0"/>
-          <a:chExt cx="0" cy="0"/>
-        </a:xfrm>
-      </p:grpSpPr>
-      <p:pic>
-        <p:nvPicPr>
-          <p:cNvPr descr="Registration Details" id="23" name="slide23">
-            <a:extLst>
-              <a:ext uri="{FF2B5EF4-FFF2-40B4-BE49-F238E27FC236}">
-                <a16:creationId xmlns:a16="http://schemas.microsoft.com/office/drawing/2014/main" id="{99AA39C3-DF97-46FB-98A0-05AEEF01F9FC}"/>
-              </a:ext>
-            </a:extLst>
-          </p:cNvPr>
-          <p:cNvPicPr>
-            <a:picLocks noChangeAspect="1"/>
-          </p:cNvPicPr>
-          <p:nvPr/>
-        </p:nvPicPr>
-        <p:blipFill>
-          <a:blip r:embed="rId28">
+          <a:blip r:embed="rId2">
             <a:extLst>
               <a:ext uri="{28A0092B-C50C-407E-A947-70E740481C1C}">
                 <a14:useLocalDpi xmlns:a14="http://schemas.microsoft.com/office/drawing/2010/main" val="0"/>
@@ -4408,7 +4626,126 @@
 </file>
 
 <file path=ppt/slides/slide24.xml><?xml version="1.0" encoding="utf-8"?>
-<p:sld xmlns:a="http://schemas.openxmlformats.org/drawingml/2006/main" xmlns:p="http://schemas.openxmlformats.org/presentationml/2006/main" xmlns:r="http://schemas.openxmlformats.org/officeDocument/2006/relationships">
+<p:sld xmlns:a="http://schemas.openxmlformats.org/drawingml/2006/main" xmlns:r="http://schemas.openxmlformats.org/officeDocument/2006/relationships" xmlns:p="http://schemas.openxmlformats.org/presentationml/2006/main">
+  <p:cSld>
+    <p:spTree>
+      <p:nvGrpSpPr>
+        <p:cNvPr id="1" name=""/>
+        <p:cNvGrpSpPr/>
+        <p:nvPr/>
+      </p:nvGrpSpPr>
+      <p:grpSpPr>
+        <a:xfrm>
+          <a:off x="0" y="0"/>
+          <a:ext cx="0" cy="0"/>
+          <a:chOff x="0" y="0"/>
+          <a:chExt cx="0" cy="0"/>
+        </a:xfrm>
+      </p:grpSpPr>
+      <p:sp>
+        <p:nvSpPr>
+          <p:cNvPr id="2" name="Title 1">
+            <a:extLst>
+              <a:ext uri="{FF2B5EF4-FFF2-40B4-BE49-F238E27FC236}">
+                <a16:creationId xmlns:a16="http://schemas.microsoft.com/office/drawing/2014/main" id="{18A01CC4-B511-471E-89F2-D13AE3BB3F52}"/>
+              </a:ext>
+            </a:extLst>
+          </p:cNvPr>
+          <p:cNvSpPr>
+            <a:spLocks noGrp="1"/>
+          </p:cNvSpPr>
+          <p:nvPr>
+            <p:ph type="title"/>
+          </p:nvPr>
+        </p:nvSpPr>
+        <p:spPr/>
+        <p:txBody>
+          <a:bodyPr>
+            <a:normAutofit fontScale="90000"/>
+          </a:bodyPr>
+          <a:lstStyle/>
+          <a:p>
+            <a:r>
+              <a:rPr lang="en-US" b="1" dirty="0"/>
+              <a:t>Which communication channels are successful? What are the outcomes of using those channels? </a:t>
+            </a:r>
+            <a:br>
+              <a:rPr lang="en-US" b="1" dirty="0"/>
+            </a:br>
+            <a:endParaRPr lang="en-US" b="1" dirty="0"/>
+          </a:p>
+        </p:txBody>
+      </p:sp>
+      <p:sp>
+        <p:nvSpPr>
+          <p:cNvPr id="3" name="Content Placeholder 2">
+            <a:extLst>
+              <a:ext uri="{FF2B5EF4-FFF2-40B4-BE49-F238E27FC236}">
+                <a16:creationId xmlns:a16="http://schemas.microsoft.com/office/drawing/2014/main" id="{044CDE7A-1E03-42E2-A895-5136CA5EFFF0}"/>
+              </a:ext>
+            </a:extLst>
+          </p:cNvPr>
+          <p:cNvSpPr>
+            <a:spLocks noGrp="1"/>
+          </p:cNvSpPr>
+          <p:nvPr>
+            <p:ph idx="1"/>
+          </p:nvPr>
+        </p:nvSpPr>
+        <p:spPr/>
+        <p:txBody>
+          <a:bodyPr/>
+          <a:lstStyle/>
+          <a:p>
+            <a:pPr marL="514350" indent="-514350">
+              <a:buAutoNum type="arabicPeriod"/>
+            </a:pPr>
+            <a:r>
+              <a:rPr lang="en-US" dirty="0"/>
+              <a:t>So far the most used communication channels are telephone,  email and text.</a:t>
+            </a:r>
+          </a:p>
+          <a:p>
+            <a:pPr marL="514350" indent="-514350">
+              <a:buAutoNum type="arabicPeriod"/>
+            </a:pPr>
+            <a:r>
+              <a:rPr lang="en-US" dirty="0"/>
+              <a:t>Those that got job placements mostly used Phone and Email. </a:t>
+            </a:r>
+          </a:p>
+          <a:p>
+            <a:pPr marL="514350" indent="-514350">
+              <a:buAutoNum type="arabicPeriod"/>
+            </a:pPr>
+            <a:r>
+              <a:rPr lang="en-US" dirty="0"/>
+              <a:t>So this is one of key factors that determine successful job placement. </a:t>
+            </a:r>
+          </a:p>
+          <a:p>
+            <a:pPr marL="0" indent="0">
+              <a:buNone/>
+            </a:pPr>
+            <a:endParaRPr lang="en-US" dirty="0"/>
+          </a:p>
+        </p:txBody>
+      </p:sp>
+    </p:spTree>
+    <p:extLst>
+      <p:ext uri="{BB962C8B-B14F-4D97-AF65-F5344CB8AC3E}">
+        <p14:creationId xmlns:p14="http://schemas.microsoft.com/office/powerpoint/2010/main" val="124388972"/>
+      </p:ext>
+    </p:extLst>
+  </p:cSld>
+  <p:clrMapOvr>
+    <a:masterClrMapping/>
+  </p:clrMapOvr>
+</p:sld>
+</file>
+
+<file path=ppt/slides/slide25.xml><?xml version="1.0" encoding="utf-8"?>
+<p:sld xmlns:a="http://schemas.openxmlformats.org/drawingml/2006/main" xmlns:r="http://schemas.openxmlformats.org/officeDocument/2006/relationships" xmlns:p="http://schemas.openxmlformats.org/presentationml/2006/main">
   <p:cSld>
     <p:spTree>
       <p:nvGrpSpPr>
@@ -4426,10 +4763,10 @@
       </p:grpSpPr>
       <p:pic>
         <p:nvPicPr>
-          <p:cNvPr descr="Reg for services by branch" id="24" name="slide24">
-            <a:extLst>
-              <a:ext uri="{FF2B5EF4-FFF2-40B4-BE49-F238E27FC236}">
-                <a16:creationId xmlns:a16="http://schemas.microsoft.com/office/drawing/2014/main" id="{C9F748D7-760A-4C40-8F3D-3A17F58D03D1}"/>
+          <p:cNvPr id="11" name="slide11" descr="Communication prefrences">
+            <a:extLst>
+              <a:ext uri="{FF2B5EF4-FFF2-40B4-BE49-F238E27FC236}">
+                <a16:creationId xmlns:a16="http://schemas.microsoft.com/office/drawing/2014/main" id="{045AC315-93E6-490A-8B22-A07361F825B0}"/>
               </a:ext>
             </a:extLst>
           </p:cNvPr>
@@ -4439,7 +4776,7 @@
           <p:nvPr/>
         </p:nvPicPr>
         <p:blipFill>
-          <a:blip r:embed="rId29">
+          <a:blip r:embed="rId2">
             <a:extLst>
               <a:ext uri="{28A0092B-C50C-407E-A947-70E740481C1C}">
                 <a14:useLocalDpi xmlns:a14="http://schemas.microsoft.com/office/drawing/2010/main" val="0"/>
@@ -4452,8 +4789,8 @@
         </p:blipFill>
         <p:spPr>
           <a:xfrm>
-            <a:off x="2638425" y="2000250"/>
-            <a:ext cx="6915150" cy="2857500"/>
+            <a:off x="2633662" y="1042987"/>
+            <a:ext cx="6924675" cy="4772025"/>
           </a:xfrm>
           <a:prstGeom prst="rect">
             <a:avLst/>
@@ -4463,7 +4800,7 @@
     </p:spTree>
     <p:extLst>
       <p:ext uri="{BB962C8B-B14F-4D97-AF65-F5344CB8AC3E}">
-        <p14:creationId xmlns:p14="http://schemas.microsoft.com/office/powerpoint/2010/main" val="95992585"/>
+        <p14:creationId xmlns:p14="http://schemas.microsoft.com/office/powerpoint/2010/main" val="1580406610"/>
       </p:ext>
     </p:extLst>
   </p:cSld>
@@ -4473,8 +4810,8 @@
 </p:sld>
 </file>
 
-<file path=ppt/slides/slide25.xml><?xml version="1.0" encoding="utf-8"?>
-<p:sld xmlns:a="http://schemas.openxmlformats.org/drawingml/2006/main" xmlns:p="http://schemas.openxmlformats.org/presentationml/2006/main" xmlns:r="http://schemas.openxmlformats.org/officeDocument/2006/relationships">
+<file path=ppt/slides/slide26.xml><?xml version="1.0" encoding="utf-8"?>
+<p:sld xmlns:a="http://schemas.openxmlformats.org/drawingml/2006/main" xmlns:r="http://schemas.openxmlformats.org/officeDocument/2006/relationships" xmlns:p="http://schemas.openxmlformats.org/presentationml/2006/main">
   <p:cSld>
     <p:spTree>
       <p:nvGrpSpPr>
@@ -4492,10 +4829,10 @@
       </p:grpSpPr>
       <p:pic>
         <p:nvPicPr>
-          <p:cNvPr descr="Hire information" id="25" name="slide25">
-            <a:extLst>
-              <a:ext uri="{FF2B5EF4-FFF2-40B4-BE49-F238E27FC236}">
-                <a16:creationId xmlns:a16="http://schemas.microsoft.com/office/drawing/2014/main" id="{50168C0C-D665-4C5B-95BE-57CEDFEDC84E}"/>
+          <p:cNvPr id="8" name="slide8" descr="Communication by service years">
+            <a:extLst>
+              <a:ext uri="{FF2B5EF4-FFF2-40B4-BE49-F238E27FC236}">
+                <a16:creationId xmlns:a16="http://schemas.microsoft.com/office/drawing/2014/main" id="{637F8BE0-5D79-4737-976B-1CE55390E40B}"/>
               </a:ext>
             </a:extLst>
           </p:cNvPr>
@@ -4505,7 +4842,139 @@
           <p:nvPr/>
         </p:nvPicPr>
         <p:blipFill>
-          <a:blip r:embed="rId30">
+          <a:blip r:embed="rId2">
+            <a:extLst>
+              <a:ext uri="{28A0092B-C50C-407E-A947-70E740481C1C}">
+                <a14:useLocalDpi xmlns:a14="http://schemas.microsoft.com/office/drawing/2010/main" val="0"/>
+              </a:ext>
+            </a:extLst>
+          </a:blip>
+          <a:stretch>
+            <a:fillRect/>
+          </a:stretch>
+        </p:blipFill>
+        <p:spPr>
+          <a:xfrm>
+            <a:off x="2638425" y="1085850"/>
+            <a:ext cx="6915150" cy="4686300"/>
+          </a:xfrm>
+          <a:prstGeom prst="rect">
+            <a:avLst/>
+          </a:prstGeom>
+        </p:spPr>
+      </p:pic>
+    </p:spTree>
+    <p:extLst>
+      <p:ext uri="{BB962C8B-B14F-4D97-AF65-F5344CB8AC3E}">
+        <p14:creationId xmlns:p14="http://schemas.microsoft.com/office/powerpoint/2010/main" val="1975473772"/>
+      </p:ext>
+    </p:extLst>
+  </p:cSld>
+  <p:clrMapOvr>
+    <a:masterClrMapping/>
+  </p:clrMapOvr>
+</p:sld>
+</file>
+
+<file path=ppt/slides/slide27.xml><?xml version="1.0" encoding="utf-8"?>
+<p:sld xmlns:a="http://schemas.openxmlformats.org/drawingml/2006/main" xmlns:r="http://schemas.openxmlformats.org/officeDocument/2006/relationships" xmlns:p="http://schemas.openxmlformats.org/presentationml/2006/main">
+  <p:cSld>
+    <p:spTree>
+      <p:nvGrpSpPr>
+        <p:cNvPr id="1" name=""/>
+        <p:cNvGrpSpPr/>
+        <p:nvPr/>
+      </p:nvGrpSpPr>
+      <p:grpSpPr>
+        <a:xfrm>
+          <a:off x="0" y="0"/>
+          <a:ext cx="0" cy="0"/>
+          <a:chOff x="0" y="0"/>
+          <a:chExt cx="0" cy="0"/>
+        </a:xfrm>
+      </p:grpSpPr>
+      <p:pic>
+        <p:nvPicPr>
+          <p:cNvPr id="28" name="slide28" descr="Communication by branches">
+            <a:extLst>
+              <a:ext uri="{FF2B5EF4-FFF2-40B4-BE49-F238E27FC236}">
+                <a16:creationId xmlns:a16="http://schemas.microsoft.com/office/drawing/2014/main" id="{2ED7EDE8-95E8-4A6C-876A-3059B174894E}"/>
+              </a:ext>
+            </a:extLst>
+          </p:cNvPr>
+          <p:cNvPicPr>
+            <a:picLocks noChangeAspect="1"/>
+          </p:cNvPicPr>
+          <p:nvPr/>
+        </p:nvPicPr>
+        <p:blipFill>
+          <a:blip r:embed="rId2">
+            <a:extLst>
+              <a:ext uri="{28A0092B-C50C-407E-A947-70E740481C1C}">
+                <a14:useLocalDpi xmlns:a14="http://schemas.microsoft.com/office/drawing/2010/main" val="0"/>
+              </a:ext>
+            </a:extLst>
+          </a:blip>
+          <a:stretch>
+            <a:fillRect/>
+          </a:stretch>
+        </p:blipFill>
+        <p:spPr>
+          <a:xfrm>
+            <a:off x="2647950" y="1995487"/>
+            <a:ext cx="6896100" cy="2867025"/>
+          </a:xfrm>
+          <a:prstGeom prst="rect">
+            <a:avLst/>
+          </a:prstGeom>
+        </p:spPr>
+      </p:pic>
+    </p:spTree>
+    <p:extLst>
+      <p:ext uri="{BB962C8B-B14F-4D97-AF65-F5344CB8AC3E}">
+        <p14:creationId xmlns:p14="http://schemas.microsoft.com/office/powerpoint/2010/main" val="3978800524"/>
+      </p:ext>
+    </p:extLst>
+  </p:cSld>
+  <p:clrMapOvr>
+    <a:masterClrMapping/>
+  </p:clrMapOvr>
+</p:sld>
+</file>
+
+<file path=ppt/slides/slide28.xml><?xml version="1.0" encoding="utf-8"?>
+<p:sld xmlns:a="http://schemas.openxmlformats.org/drawingml/2006/main" xmlns:r="http://schemas.openxmlformats.org/officeDocument/2006/relationships" xmlns:p="http://schemas.openxmlformats.org/presentationml/2006/main">
+  <p:cSld>
+    <p:spTree>
+      <p:nvGrpSpPr>
+        <p:cNvPr id="1" name=""/>
+        <p:cNvGrpSpPr/>
+        <p:nvPr/>
+      </p:nvGrpSpPr>
+      <p:grpSpPr>
+        <a:xfrm>
+          <a:off x="0" y="0"/>
+          <a:ext cx="0" cy="0"/>
+          <a:chOff x="0" y="0"/>
+          <a:chExt cx="0" cy="0"/>
+        </a:xfrm>
+      </p:grpSpPr>
+      <p:pic>
+        <p:nvPicPr>
+          <p:cNvPr id="27" name="slide27" descr="Communication Dashboard">
+            <a:extLst>
+              <a:ext uri="{FF2B5EF4-FFF2-40B4-BE49-F238E27FC236}">
+                <a16:creationId xmlns:a16="http://schemas.microsoft.com/office/drawing/2014/main" id="{03FC6236-B9AD-4921-BC14-E273E7DF2179}"/>
+              </a:ext>
+            </a:extLst>
+          </p:cNvPr>
+          <p:cNvPicPr>
+            <a:picLocks noChangeAspect="1"/>
+          </p:cNvPicPr>
+          <p:nvPr/>
+        </p:nvPicPr>
+        <p:blipFill>
+          <a:blip r:embed="rId2">
             <a:extLst>
               <a:ext uri="{28A0092B-C50C-407E-A947-70E740481C1C}">
                 <a14:useLocalDpi xmlns:a14="http://schemas.microsoft.com/office/drawing/2010/main" val="0"/>
@@ -4539,8 +5008,136 @@
 </p:sld>
 </file>
 
-<file path=ppt/slides/slide26.xml><?xml version="1.0" encoding="utf-8"?>
-<p:sld xmlns:a="http://schemas.openxmlformats.org/drawingml/2006/main" xmlns:p="http://schemas.openxmlformats.org/presentationml/2006/main" xmlns:r="http://schemas.openxmlformats.org/officeDocument/2006/relationships">
+<file path=ppt/slides/slide3.xml><?xml version="1.0" encoding="utf-8"?>
+<p:sld xmlns:a="http://schemas.openxmlformats.org/drawingml/2006/main" xmlns:r="http://schemas.openxmlformats.org/officeDocument/2006/relationships" xmlns:p="http://schemas.openxmlformats.org/presentationml/2006/main">
+  <p:cSld>
+    <p:spTree>
+      <p:nvGrpSpPr>
+        <p:cNvPr id="1" name=""/>
+        <p:cNvGrpSpPr/>
+        <p:nvPr/>
+      </p:nvGrpSpPr>
+      <p:grpSpPr>
+        <a:xfrm>
+          <a:off x="0" y="0"/>
+          <a:ext cx="0" cy="0"/>
+          <a:chOff x="0" y="0"/>
+          <a:chExt cx="0" cy="0"/>
+        </a:xfrm>
+      </p:grpSpPr>
+      <p:sp>
+        <p:nvSpPr>
+          <p:cNvPr id="2" name="Title 1">
+            <a:extLst>
+              <a:ext uri="{FF2B5EF4-FFF2-40B4-BE49-F238E27FC236}">
+                <a16:creationId xmlns:a16="http://schemas.microsoft.com/office/drawing/2014/main" id="{0BF68D3D-D824-4974-8536-A458EEBD7931}"/>
+              </a:ext>
+            </a:extLst>
+          </p:cNvPr>
+          <p:cNvSpPr>
+            <a:spLocks noGrp="1"/>
+          </p:cNvSpPr>
+          <p:nvPr>
+            <p:ph type="title"/>
+          </p:nvPr>
+        </p:nvSpPr>
+        <p:spPr/>
+        <p:txBody>
+          <a:bodyPr>
+            <a:normAutofit fontScale="90000"/>
+          </a:bodyPr>
+          <a:lstStyle/>
+          <a:p>
+            <a:pPr algn="ctr"/>
+            <a:br>
+              <a:rPr lang="en-US" dirty="0"/>
+            </a:br>
+            <a:r>
+              <a:rPr lang="en-US" b="1" dirty="0"/>
+              <a:t>Statistics of the service men that register for employment placement at “Hire heroes”.  </a:t>
+            </a:r>
+            <a:br>
+              <a:rPr lang="en-US" dirty="0"/>
+            </a:br>
+            <a:endParaRPr lang="en-US" dirty="0"/>
+          </a:p>
+        </p:txBody>
+      </p:sp>
+      <p:sp>
+        <p:nvSpPr>
+          <p:cNvPr id="3" name="Content Placeholder 2">
+            <a:extLst>
+              <a:ext uri="{FF2B5EF4-FFF2-40B4-BE49-F238E27FC236}">
+                <a16:creationId xmlns:a16="http://schemas.microsoft.com/office/drawing/2014/main" id="{3B30A672-B582-4B17-B7FD-422370D5C5CD}"/>
+              </a:ext>
+            </a:extLst>
+          </p:cNvPr>
+          <p:cNvSpPr>
+            <a:spLocks noGrp="1"/>
+          </p:cNvSpPr>
+          <p:nvPr>
+            <p:ph idx="1"/>
+          </p:nvPr>
+        </p:nvSpPr>
+        <p:spPr/>
+        <p:txBody>
+          <a:bodyPr>
+            <a:normAutofit fontScale="92500" lnSpcReduction="10000"/>
+          </a:bodyPr>
+          <a:lstStyle/>
+          <a:p>
+            <a:pPr marL="514350" indent="-514350">
+              <a:buAutoNum type="arabicPeriod"/>
+            </a:pPr>
+            <a:r>
+              <a:rPr lang="en-US" dirty="0"/>
+              <a:t>In terms of numbers by service branch the army has over 50K registrants, followed by those that did not mention which branch they belong to and then Navy with a little over 10K, Marines, Airforce, Coast guard and one solo Merchant Marine. </a:t>
+            </a:r>
+          </a:p>
+          <a:p>
+            <a:pPr marL="514350" indent="-514350">
+              <a:buAutoNum type="arabicPeriod"/>
+            </a:pPr>
+            <a:r>
+              <a:rPr lang="en-US" dirty="0"/>
+              <a:t>The average amount of time spent in the army mostly is determined by one’s rank, C3s have the highest average of 28.9 years on the contrary  lower ranked service men spend the lowest amount of time in service. </a:t>
+            </a:r>
+          </a:p>
+          <a:p>
+            <a:pPr marL="514350" indent="-514350">
+              <a:buAutoNum type="arabicPeriod"/>
+            </a:pPr>
+            <a:r>
+              <a:rPr lang="en-US" dirty="0"/>
+              <a:t>E-4 to E-8 have highest composition of registrants. </a:t>
+            </a:r>
+          </a:p>
+          <a:p>
+            <a:pPr marL="514350" indent="-514350">
+              <a:buAutoNum type="arabicPeriod"/>
+            </a:pPr>
+            <a:r>
+              <a:rPr lang="en-US" dirty="0"/>
+              <a:t>In terms of time spent in the army, the Cost guard has the highest value in years which is 12.28 years, followed by the Airforce with 11.2 years, then Navy 10.15, Army 9.93, Marines 6.9, Merchant marine 4.04 years. </a:t>
+            </a:r>
+          </a:p>
+        </p:txBody>
+      </p:sp>
+    </p:spTree>
+    <p:extLst>
+      <p:ext uri="{BB962C8B-B14F-4D97-AF65-F5344CB8AC3E}">
+        <p14:creationId xmlns:p14="http://schemas.microsoft.com/office/powerpoint/2010/main" val="2873113072"/>
+      </p:ext>
+    </p:extLst>
+  </p:cSld>
+  <p:clrMapOvr>
+    <a:masterClrMapping/>
+  </p:clrMapOvr>
+</p:sld>
+</file>
+
+<file path=ppt/slides/slide4.xml><?xml version="1.0" encoding="utf-8"?>
+<p:sld xmlns:a="http://schemas.openxmlformats.org/drawingml/2006/main" xmlns:r="http://schemas.openxmlformats.org/officeDocument/2006/relationships" xmlns:p="http://schemas.openxmlformats.org/presentationml/2006/main">
   <p:cSld>
     <p:spTree>
       <p:nvGrpSpPr>
@@ -4558,10 +5155,10 @@
       </p:grpSpPr>
       <p:pic>
         <p:nvPicPr>
-          <p:cNvPr descr="Hires by service branch" id="26" name="slide26">
-            <a:extLst>
-              <a:ext uri="{FF2B5EF4-FFF2-40B4-BE49-F238E27FC236}">
-                <a16:creationId xmlns:a16="http://schemas.microsoft.com/office/drawing/2014/main" id="{6EF7F617-6151-4C94-A599-182015C46611}"/>
+          <p:cNvPr id="12" name="slide12" descr="Service men by branch">
+            <a:extLst>
+              <a:ext uri="{FF2B5EF4-FFF2-40B4-BE49-F238E27FC236}">
+                <a16:creationId xmlns:a16="http://schemas.microsoft.com/office/drawing/2014/main" id="{821F5B84-13E2-44A3-86D5-35E7B48714D3}"/>
               </a:ext>
             </a:extLst>
           </p:cNvPr>
@@ -4571,7 +5168,7 @@
           <p:nvPr/>
         </p:nvPicPr>
         <p:blipFill>
-          <a:blip r:embed="rId31">
+          <a:blip r:embed="rId2">
             <a:extLst>
               <a:ext uri="{28A0092B-C50C-407E-A947-70E740481C1C}">
                 <a14:useLocalDpi xmlns:a14="http://schemas.microsoft.com/office/drawing/2010/main" val="0"/>
@@ -4584,8 +5181,8 @@
         </p:blipFill>
         <p:spPr>
           <a:xfrm>
-            <a:off x="1871662" y="647700"/>
-            <a:ext cx="8448675" cy="5562600"/>
+            <a:off x="1876425" y="1890712"/>
+            <a:ext cx="8439150" cy="3076575"/>
           </a:xfrm>
           <a:prstGeom prst="rect">
             <a:avLst/>
@@ -4595,7 +5192,7 @@
     </p:spTree>
     <p:extLst>
       <p:ext uri="{BB962C8B-B14F-4D97-AF65-F5344CB8AC3E}">
-        <p14:creationId xmlns:p14="http://schemas.microsoft.com/office/powerpoint/2010/main" val="95992585"/>
+        <p14:creationId xmlns:p14="http://schemas.microsoft.com/office/powerpoint/2010/main" val="867552964"/>
       </p:ext>
     </p:extLst>
   </p:cSld>
@@ -4605,8 +5202,8 @@
 </p:sld>
 </file>
 
-<file path=ppt/slides/slide27.xml><?xml version="1.0" encoding="utf-8"?>
-<p:sld xmlns:a="http://schemas.openxmlformats.org/drawingml/2006/main" xmlns:p="http://schemas.openxmlformats.org/presentationml/2006/main" xmlns:r="http://schemas.openxmlformats.org/officeDocument/2006/relationships">
+<file path=ppt/slides/slide5.xml><?xml version="1.0" encoding="utf-8"?>
+<p:sld xmlns:a="http://schemas.openxmlformats.org/drawingml/2006/main" xmlns:r="http://schemas.openxmlformats.org/officeDocument/2006/relationships" xmlns:p="http://schemas.openxmlformats.org/presentationml/2006/main">
   <p:cSld>
     <p:spTree>
       <p:nvGrpSpPr>
@@ -4624,10 +5221,10 @@
       </p:grpSpPr>
       <p:pic>
         <p:nvPicPr>
-          <p:cNvPr descr="Communication Dashboard" id="27" name="slide27">
-            <a:extLst>
-              <a:ext uri="{FF2B5EF4-FFF2-40B4-BE49-F238E27FC236}">
-                <a16:creationId xmlns:a16="http://schemas.microsoft.com/office/drawing/2014/main" id="{03FC6236-B9AD-4921-BC14-E273E7DF2179}"/>
+          <p:cNvPr id="2" name="slide2" descr="Service rank Vs Years in service. ">
+            <a:extLst>
+              <a:ext uri="{FF2B5EF4-FFF2-40B4-BE49-F238E27FC236}">
+                <a16:creationId xmlns:a16="http://schemas.microsoft.com/office/drawing/2014/main" id="{07A75A52-B821-49EA-86B9-972F377FF0E1}"/>
               </a:ext>
             </a:extLst>
           </p:cNvPr>
@@ -4637,7 +5234,7 @@
           <p:nvPr/>
         </p:nvPicPr>
         <p:blipFill>
-          <a:blip r:embed="rId32">
+          <a:blip r:embed="rId2">
             <a:extLst>
               <a:ext uri="{28A0092B-C50C-407E-A947-70E740481C1C}">
                 <a14:useLocalDpi xmlns:a14="http://schemas.microsoft.com/office/drawing/2010/main" val="0"/>
@@ -4650,8 +5247,8 @@
         </p:blipFill>
         <p:spPr>
           <a:xfrm>
-            <a:off x="1809750" y="0"/>
-            <a:ext cx="8572500" cy="6858000"/>
+            <a:off x="2114225" y="0"/>
+            <a:ext cx="7963549" cy="6858000"/>
           </a:xfrm>
           <a:prstGeom prst="rect">
             <a:avLst/>
@@ -4661,7 +5258,7 @@
     </p:spTree>
     <p:extLst>
       <p:ext uri="{BB962C8B-B14F-4D97-AF65-F5344CB8AC3E}">
-        <p14:creationId xmlns:p14="http://schemas.microsoft.com/office/powerpoint/2010/main" val="95992585"/>
+        <p14:creationId xmlns:p14="http://schemas.microsoft.com/office/powerpoint/2010/main" val="2442616461"/>
       </p:ext>
     </p:extLst>
   </p:cSld>
@@ -4671,8 +5268,8 @@
 </p:sld>
 </file>
 
-<file path=ppt/slides/slide28.xml><?xml version="1.0" encoding="utf-8"?>
-<p:sld xmlns:a="http://schemas.openxmlformats.org/drawingml/2006/main" xmlns:p="http://schemas.openxmlformats.org/presentationml/2006/main" xmlns:r="http://schemas.openxmlformats.org/officeDocument/2006/relationships">
+<file path=ppt/slides/slide6.xml><?xml version="1.0" encoding="utf-8"?>
+<p:sld xmlns:a="http://schemas.openxmlformats.org/drawingml/2006/main" xmlns:r="http://schemas.openxmlformats.org/officeDocument/2006/relationships" xmlns:p="http://schemas.openxmlformats.org/presentationml/2006/main">
   <p:cSld>
     <p:spTree>
       <p:nvGrpSpPr>
@@ -4690,10 +5287,10 @@
       </p:grpSpPr>
       <p:pic>
         <p:nvPicPr>
-          <p:cNvPr descr="Communication by branches" id="28" name="slide28">
-            <a:extLst>
-              <a:ext uri="{FF2B5EF4-FFF2-40B4-BE49-F238E27FC236}">
-                <a16:creationId xmlns:a16="http://schemas.microsoft.com/office/drawing/2014/main" id="{2ED7EDE8-95E8-4A6C-876A-3059B174894E}"/>
+          <p:cNvPr id="17" name="slide17" descr="Average years in service">
+            <a:extLst>
+              <a:ext uri="{FF2B5EF4-FFF2-40B4-BE49-F238E27FC236}">
+                <a16:creationId xmlns:a16="http://schemas.microsoft.com/office/drawing/2014/main" id="{3CB770D8-9C6E-4A37-91C1-0CA662DD56E5}"/>
               </a:ext>
             </a:extLst>
           </p:cNvPr>
@@ -4703,7 +5300,7 @@
           <p:nvPr/>
         </p:nvPicPr>
         <p:blipFill>
-          <a:blip r:embed="rId33">
+          <a:blip r:embed="rId2">
             <a:extLst>
               <a:ext uri="{28A0092B-C50C-407E-A947-70E740481C1C}">
                 <a14:useLocalDpi xmlns:a14="http://schemas.microsoft.com/office/drawing/2010/main" val="0"/>
@@ -4716,8 +5313,8 @@
         </p:blipFill>
         <p:spPr>
           <a:xfrm>
-            <a:off x="2647950" y="1995487"/>
-            <a:ext cx="6896100" cy="2867025"/>
+            <a:off x="2638425" y="1809750"/>
+            <a:ext cx="6915150" cy="3238500"/>
           </a:xfrm>
           <a:prstGeom prst="rect">
             <a:avLst/>
@@ -4727,7 +5324,7 @@
     </p:spTree>
     <p:extLst>
       <p:ext uri="{BB962C8B-B14F-4D97-AF65-F5344CB8AC3E}">
-        <p14:creationId xmlns:p14="http://schemas.microsoft.com/office/powerpoint/2010/main" val="95992585"/>
+        <p14:creationId xmlns:p14="http://schemas.microsoft.com/office/powerpoint/2010/main" val="4096935420"/>
       </p:ext>
     </p:extLst>
   </p:cSld>
@@ -4737,8 +5334,8 @@
 </p:sld>
 </file>
 
-<file path=ppt/slides/slide3.xml><?xml version="1.0" encoding="utf-8"?>
-<p:sld xmlns:a="http://schemas.openxmlformats.org/drawingml/2006/main" xmlns:p="http://schemas.openxmlformats.org/presentationml/2006/main" xmlns:r="http://schemas.openxmlformats.org/officeDocument/2006/relationships">
+<file path=ppt/slides/slide7.xml><?xml version="1.0" encoding="utf-8"?>
+<p:sld xmlns:a="http://schemas.openxmlformats.org/drawingml/2006/main" xmlns:r="http://schemas.openxmlformats.org/officeDocument/2006/relationships" xmlns:p="http://schemas.openxmlformats.org/presentationml/2006/main">
   <p:cSld>
     <p:spTree>
       <p:nvGrpSpPr>
@@ -4756,10 +5353,10 @@
       </p:grpSpPr>
       <p:pic>
         <p:nvPicPr>
-          <p:cNvPr descr="Average time service men register for services" id="3" name="slide3">
-            <a:extLst>
-              <a:ext uri="{FF2B5EF4-FFF2-40B4-BE49-F238E27FC236}">
-                <a16:creationId xmlns:a16="http://schemas.microsoft.com/office/drawing/2014/main" id="{776FC114-9182-4553-87A3-79678C7B656C}"/>
+          <p:cNvPr id="13" name="slide13" descr="No. service men by rank">
+            <a:extLst>
+              <a:ext uri="{FF2B5EF4-FFF2-40B4-BE49-F238E27FC236}">
+                <a16:creationId xmlns:a16="http://schemas.microsoft.com/office/drawing/2014/main" id="{28CC91DD-BF32-49BB-B915-64490193CD81}"/>
               </a:ext>
             </a:extLst>
           </p:cNvPr>
@@ -4769,7 +5366,7 @@
           <p:nvPr/>
         </p:nvPicPr>
         <p:blipFill>
-          <a:blip r:embed="rId8">
+          <a:blip r:embed="rId2">
             <a:extLst>
               <a:ext uri="{28A0092B-C50C-407E-A947-70E740481C1C}">
                 <a14:useLocalDpi xmlns:a14="http://schemas.microsoft.com/office/drawing/2010/main" val="0"/>
@@ -4782,8 +5379,8 @@
         </p:blipFill>
         <p:spPr>
           <a:xfrm>
-            <a:off x="1990467" y="0"/>
-            <a:ext cx="8211065" cy="6858000"/>
+            <a:off x="2385164" y="0"/>
+            <a:ext cx="7421671" cy="6858000"/>
           </a:xfrm>
           <a:prstGeom prst="rect">
             <a:avLst/>
@@ -4793,7 +5390,7 @@
     </p:spTree>
     <p:extLst>
       <p:ext uri="{BB962C8B-B14F-4D97-AF65-F5344CB8AC3E}">
-        <p14:creationId xmlns:p14="http://schemas.microsoft.com/office/powerpoint/2010/main" val="95992585"/>
+        <p14:creationId xmlns:p14="http://schemas.microsoft.com/office/powerpoint/2010/main" val="3809841320"/>
       </p:ext>
     </p:extLst>
   </p:cSld>
@@ -4803,8 +5400,8 @@
 </p:sld>
 </file>
 
-<file path=ppt/slides/slide4.xml><?xml version="1.0" encoding="utf-8"?>
-<p:sld xmlns:a="http://schemas.openxmlformats.org/drawingml/2006/main" xmlns:p="http://schemas.openxmlformats.org/presentationml/2006/main" xmlns:r="http://schemas.openxmlformats.org/officeDocument/2006/relationships">
+<file path=ppt/slides/slide8.xml><?xml version="1.0" encoding="utf-8"?>
+<p:sld xmlns:a="http://schemas.openxmlformats.org/drawingml/2006/main" xmlns:r="http://schemas.openxmlformats.org/officeDocument/2006/relationships" xmlns:p="http://schemas.openxmlformats.org/presentationml/2006/main">
   <p:cSld>
     <p:spTree>
       <p:nvGrpSpPr>
@@ -4822,10 +5419,10 @@
       </p:grpSpPr>
       <p:pic>
         <p:nvPicPr>
-          <p:cNvPr descr="Service branch emp by gender" id="4" name="slide4">
-            <a:extLst>
-              <a:ext uri="{FF2B5EF4-FFF2-40B4-BE49-F238E27FC236}">
-                <a16:creationId xmlns:a16="http://schemas.microsoft.com/office/drawing/2014/main" id="{441B2C3D-6B0A-462C-9827-3E0FFBDD6D1C}"/>
+          <p:cNvPr id="22" name="slide22" descr="Service Details">
+            <a:extLst>
+              <a:ext uri="{FF2B5EF4-FFF2-40B4-BE49-F238E27FC236}">
+                <a16:creationId xmlns:a16="http://schemas.microsoft.com/office/drawing/2014/main" id="{552F154B-F3B8-453B-B4CF-7DEC8A9DE4BD}"/>
               </a:ext>
             </a:extLst>
           </p:cNvPr>
@@ -4835,7 +5432,7 @@
           <p:nvPr/>
         </p:nvPicPr>
         <p:blipFill>
-          <a:blip r:embed="rId9">
+          <a:blip r:embed="rId2">
             <a:extLst>
               <a:ext uri="{28A0092B-C50C-407E-A947-70E740481C1C}">
                 <a14:useLocalDpi xmlns:a14="http://schemas.microsoft.com/office/drawing/2010/main" val="0"/>
@@ -4848,278 +5445,49 @@
         </p:blipFill>
         <p:spPr>
           <a:xfrm>
-            <a:off x="4982771" y="0"/>
-            <a:ext cx="2226457" cy="6858000"/>
+            <a:off x="1100380" y="0"/>
+            <a:ext cx="8572500" cy="6858000"/>
           </a:xfrm>
           <a:prstGeom prst="rect">
             <a:avLst/>
           </a:prstGeom>
         </p:spPr>
       </p:pic>
-    </p:spTree>
-    <p:extLst>
-      <p:ext uri="{BB962C8B-B14F-4D97-AF65-F5344CB8AC3E}">
-        <p14:creationId xmlns:p14="http://schemas.microsoft.com/office/powerpoint/2010/main" val="95992585"/>
-      </p:ext>
-    </p:extLst>
-  </p:cSld>
-  <p:clrMapOvr>
-    <a:masterClrMapping/>
-  </p:clrMapOvr>
-</p:sld>
-</file>
-
-<file path=ppt/slides/slide5.xml><?xml version="1.0" encoding="utf-8"?>
-<p:sld xmlns:a="http://schemas.openxmlformats.org/drawingml/2006/main" xmlns:p="http://schemas.openxmlformats.org/presentationml/2006/main" xmlns:r="http://schemas.openxmlformats.org/officeDocument/2006/relationships">
-  <p:cSld>
-    <p:spTree>
-      <p:nvGrpSpPr>
-        <p:cNvPr id="1" name=""/>
-        <p:cNvGrpSpPr/>
-        <p:nvPr/>
-      </p:nvGrpSpPr>
-      <p:grpSpPr>
-        <a:xfrm>
-          <a:off x="0" y="0"/>
-          <a:ext cx="0" cy="0"/>
-          <a:chOff x="0" y="0"/>
-          <a:chExt cx="0" cy="0"/>
-        </a:xfrm>
-      </p:grpSpPr>
-      <p:pic>
-        <p:nvPicPr>
-          <p:cNvPr descr="Relationship between status and service time. " id="5" name="slide5">
-            <a:extLst>
-              <a:ext uri="{FF2B5EF4-FFF2-40B4-BE49-F238E27FC236}">
-                <a16:creationId xmlns:a16="http://schemas.microsoft.com/office/drawing/2014/main" id="{DDF681C6-ACF5-4834-85D6-749204781049}"/>
-              </a:ext>
-            </a:extLst>
-          </p:cNvPr>
-          <p:cNvPicPr>
-            <a:picLocks noChangeAspect="1"/>
-          </p:cNvPicPr>
+      <p:sp>
+        <p:nvSpPr>
+          <p:cNvPr id="2" name="TextBox 1">
+            <a:extLst>
+              <a:ext uri="{FF2B5EF4-FFF2-40B4-BE49-F238E27FC236}">
+                <a16:creationId xmlns:a16="http://schemas.microsoft.com/office/drawing/2014/main" id="{AE629E18-0ECA-4C18-9E86-A0E107ED4F7A}"/>
+              </a:ext>
+            </a:extLst>
+          </p:cNvPr>
+          <p:cNvSpPr txBox="1"/>
           <p:nvPr/>
-        </p:nvPicPr>
-        <p:blipFill>
-          <a:blip r:embed="rId10">
-            <a:extLst>
-              <a:ext uri="{28A0092B-C50C-407E-A947-70E740481C1C}">
-                <a14:useLocalDpi xmlns:a14="http://schemas.microsoft.com/office/drawing/2010/main" val="0"/>
-              </a:ext>
-            </a:extLst>
-          </a:blip>
-          <a:stretch>
-            <a:fillRect/>
-          </a:stretch>
-        </p:blipFill>
+        </p:nvSpPr>
         <p:spPr>
           <a:xfrm>
-            <a:off x="4754628" y="0"/>
-            <a:ext cx="2682743" cy="6858000"/>
+            <a:off x="8572500" y="356460"/>
+            <a:ext cx="3206212" cy="369332"/>
           </a:xfrm>
           <a:prstGeom prst="rect">
             <a:avLst/>
           </a:prstGeom>
+          <a:noFill/>
         </p:spPr>
-      </p:pic>
-    </p:spTree>
-    <p:extLst>
-      <p:ext uri="{BB962C8B-B14F-4D97-AF65-F5344CB8AC3E}">
-        <p14:creationId xmlns:p14="http://schemas.microsoft.com/office/powerpoint/2010/main" val="95992585"/>
-      </p:ext>
-    </p:extLst>
-  </p:cSld>
-  <p:clrMapOvr>
-    <a:masterClrMapping/>
-  </p:clrMapOvr>
-</p:sld>
-</file>
-
-<file path=ppt/slides/slide6.xml><?xml version="1.0" encoding="utf-8"?>
-<p:sld xmlns:a="http://schemas.openxmlformats.org/drawingml/2006/main" xmlns:p="http://schemas.openxmlformats.org/presentationml/2006/main" xmlns:r="http://schemas.openxmlformats.org/officeDocument/2006/relationships">
-  <p:cSld>
-    <p:spTree>
-      <p:nvGrpSpPr>
-        <p:cNvPr id="1" name=""/>
-        <p:cNvGrpSpPr/>
-        <p:nvPr/>
-      </p:nvGrpSpPr>
-      <p:grpSpPr>
-        <a:xfrm>
-          <a:off x="0" y="0"/>
-          <a:ext cx="0" cy="0"/>
-          <a:chOff x="0" y="0"/>
-          <a:chExt cx="0" cy="0"/>
-        </a:xfrm>
-      </p:grpSpPr>
-      <p:pic>
-        <p:nvPicPr>
-          <p:cNvPr descr="Service rank vs time in service." id="6" name="slide6">
-            <a:extLst>
-              <a:ext uri="{FF2B5EF4-FFF2-40B4-BE49-F238E27FC236}">
-                <a16:creationId xmlns:a16="http://schemas.microsoft.com/office/drawing/2014/main" id="{1150AB16-3298-4233-80D0-4184CEE7B8C4}"/>
-              </a:ext>
-            </a:extLst>
-          </p:cNvPr>
-          <p:cNvPicPr>
-            <a:picLocks noChangeAspect="1"/>
-          </p:cNvPicPr>
-          <p:nvPr/>
-        </p:nvPicPr>
-        <p:blipFill>
-          <a:blip r:embed="rId11">
-            <a:extLst>
-              <a:ext uri="{28A0092B-C50C-407E-A947-70E740481C1C}">
-                <a14:useLocalDpi xmlns:a14="http://schemas.microsoft.com/office/drawing/2010/main" val="0"/>
-              </a:ext>
-            </a:extLst>
-          </a:blip>
-          <a:stretch>
-            <a:fillRect/>
-          </a:stretch>
-        </p:blipFill>
-        <p:spPr>
-          <a:xfrm>
-            <a:off x="4476179" y="0"/>
-            <a:ext cx="3239640" cy="6858000"/>
-          </a:xfrm>
-          <a:prstGeom prst="rect">
-            <a:avLst/>
-          </a:prstGeom>
-        </p:spPr>
-      </p:pic>
-    </p:spTree>
-    <p:extLst>
-      <p:ext uri="{BB962C8B-B14F-4D97-AF65-F5344CB8AC3E}">
-        <p14:creationId xmlns:p14="http://schemas.microsoft.com/office/powerpoint/2010/main" val="95992585"/>
-      </p:ext>
-    </p:extLst>
-  </p:cSld>
-  <p:clrMapOvr>
-    <a:masterClrMapping/>
-  </p:clrMapOvr>
-</p:sld>
-</file>
-
-<file path=ppt/slides/slide7.xml><?xml version="1.0" encoding="utf-8"?>
-<p:sld xmlns:a="http://schemas.openxmlformats.org/drawingml/2006/main" xmlns:p="http://schemas.openxmlformats.org/presentationml/2006/main" xmlns:r="http://schemas.openxmlformats.org/officeDocument/2006/relationships">
-  <p:cSld>
-    <p:spTree>
-      <p:nvGrpSpPr>
-        <p:cNvPr id="1" name=""/>
-        <p:cNvGrpSpPr/>
-        <p:nvPr/>
-      </p:nvGrpSpPr>
-      <p:grpSpPr>
-        <a:xfrm>
-          <a:off x="0" y="0"/>
-          <a:ext cx="0" cy="0"/>
-          <a:chOff x="0" y="0"/>
-          <a:chExt cx="0" cy="0"/>
-        </a:xfrm>
-      </p:grpSpPr>
-      <p:pic>
-        <p:nvPicPr>
-          <p:cNvPr descr="Employment by location and service years. " id="7" name="slide7">
-            <a:extLst>
-              <a:ext uri="{FF2B5EF4-FFF2-40B4-BE49-F238E27FC236}">
-                <a16:creationId xmlns:a16="http://schemas.microsoft.com/office/drawing/2014/main" id="{30BBBA9F-25CB-4CB1-A83F-E542E8767415}"/>
-              </a:ext>
-            </a:extLst>
-          </p:cNvPr>
-          <p:cNvPicPr>
-            <a:picLocks noChangeAspect="1"/>
-          </p:cNvPicPr>
-          <p:nvPr/>
-        </p:nvPicPr>
-        <p:blipFill>
-          <a:blip r:embed="rId12">
-            <a:extLst>
-              <a:ext uri="{28A0092B-C50C-407E-A947-70E740481C1C}">
-                <a14:useLocalDpi xmlns:a14="http://schemas.microsoft.com/office/drawing/2010/main" val="0"/>
-              </a:ext>
-            </a:extLst>
-          </a:blip>
-          <a:stretch>
-            <a:fillRect/>
-          </a:stretch>
-        </p:blipFill>
-        <p:spPr>
-          <a:xfrm>
-            <a:off x="5602668" y="0"/>
-            <a:ext cx="986662" cy="6858000"/>
-          </a:xfrm>
-          <a:prstGeom prst="rect">
-            <a:avLst/>
-          </a:prstGeom>
-        </p:spPr>
-      </p:pic>
-    </p:spTree>
-    <p:extLst>
-      <p:ext uri="{BB962C8B-B14F-4D97-AF65-F5344CB8AC3E}">
-        <p14:creationId xmlns:p14="http://schemas.microsoft.com/office/powerpoint/2010/main" val="95992585"/>
-      </p:ext>
-    </p:extLst>
-  </p:cSld>
-  <p:clrMapOvr>
-    <a:masterClrMapping/>
-  </p:clrMapOvr>
-</p:sld>
-</file>
-
-<file path=ppt/slides/slide8.xml><?xml version="1.0" encoding="utf-8"?>
-<p:sld xmlns:a="http://schemas.openxmlformats.org/drawingml/2006/main" xmlns:p="http://schemas.openxmlformats.org/presentationml/2006/main" xmlns:r="http://schemas.openxmlformats.org/officeDocument/2006/relationships">
-  <p:cSld>
-    <p:spTree>
-      <p:nvGrpSpPr>
-        <p:cNvPr id="1" name=""/>
-        <p:cNvGrpSpPr/>
-        <p:nvPr/>
-      </p:nvGrpSpPr>
-      <p:grpSpPr>
-        <a:xfrm>
-          <a:off x="0" y="0"/>
-          <a:ext cx="0" cy="0"/>
-          <a:chOff x="0" y="0"/>
-          <a:chExt cx="0" cy="0"/>
-        </a:xfrm>
-      </p:grpSpPr>
-      <p:pic>
-        <p:nvPicPr>
-          <p:cNvPr descr="Communication by service years" id="8" name="slide8">
-            <a:extLst>
-              <a:ext uri="{FF2B5EF4-FFF2-40B4-BE49-F238E27FC236}">
-                <a16:creationId xmlns:a16="http://schemas.microsoft.com/office/drawing/2014/main" id="{637F8BE0-5D79-4737-976B-1CE55390E40B}"/>
-              </a:ext>
-            </a:extLst>
-          </p:cNvPr>
-          <p:cNvPicPr>
-            <a:picLocks noChangeAspect="1"/>
-          </p:cNvPicPr>
-          <p:nvPr/>
-        </p:nvPicPr>
-        <p:blipFill>
-          <a:blip r:embed="rId13">
-            <a:extLst>
-              <a:ext uri="{28A0092B-C50C-407E-A947-70E740481C1C}">
-                <a14:useLocalDpi xmlns:a14="http://schemas.microsoft.com/office/drawing/2010/main" val="0"/>
-              </a:ext>
-            </a:extLst>
-          </a:blip>
-          <a:stretch>
-            <a:fillRect/>
-          </a:stretch>
-        </p:blipFill>
-        <p:spPr>
-          <a:xfrm>
-            <a:off x="2638425" y="1085850"/>
-            <a:ext cx="6915150" cy="4686300"/>
-          </a:xfrm>
-          <a:prstGeom prst="rect">
-            <a:avLst/>
-          </a:prstGeom>
-        </p:spPr>
-      </p:pic>
+        <p:txBody>
+          <a:bodyPr wrap="square" rtlCol="0">
+            <a:spAutoFit/>
+          </a:bodyPr>
+          <a:lstStyle/>
+          <a:p>
+            <a:r>
+              <a:rPr lang="en-US" dirty="0"/>
+              <a:t>1.</a:t>
+            </a:r>
+          </a:p>
+        </p:txBody>
+      </p:sp>
     </p:spTree>
     <p:extLst>
       <p:ext uri="{BB962C8B-B14F-4D97-AF65-F5344CB8AC3E}">
@@ -5134,72 +5502,6 @@
 </file>
 
 <file path=ppt/slides/slide9.xml><?xml version="1.0" encoding="utf-8"?>
-<p:sld xmlns:a="http://schemas.openxmlformats.org/drawingml/2006/main" xmlns:p="http://schemas.openxmlformats.org/presentationml/2006/main" xmlns:r="http://schemas.openxmlformats.org/officeDocument/2006/relationships">
-  <p:cSld>
-    <p:spTree>
-      <p:nvGrpSpPr>
-        <p:cNvPr id="1" name=""/>
-        <p:cNvGrpSpPr/>
-        <p:nvPr/>
-      </p:nvGrpSpPr>
-      <p:grpSpPr>
-        <a:xfrm>
-          <a:off x="0" y="0"/>
-          <a:ext cx="0" cy="0"/>
-          <a:chOff x="0" y="0"/>
-          <a:chExt cx="0" cy="0"/>
-        </a:xfrm>
-      </p:grpSpPr>
-      <p:pic>
-        <p:nvPicPr>
-          <p:cNvPr descr="Employment by service years" id="9" name="slide9">
-            <a:extLst>
-              <a:ext uri="{FF2B5EF4-FFF2-40B4-BE49-F238E27FC236}">
-                <a16:creationId xmlns:a16="http://schemas.microsoft.com/office/drawing/2014/main" id="{F5D9B6F8-E6B8-4C66-A91B-79227CD45CD6}"/>
-              </a:ext>
-            </a:extLst>
-          </p:cNvPr>
-          <p:cNvPicPr>
-            <a:picLocks noChangeAspect="1"/>
-          </p:cNvPicPr>
-          <p:nvPr/>
-        </p:nvPicPr>
-        <p:blipFill>
-          <a:blip r:embed="rId14">
-            <a:extLst>
-              <a:ext uri="{28A0092B-C50C-407E-A947-70E740481C1C}">
-                <a14:useLocalDpi xmlns:a14="http://schemas.microsoft.com/office/drawing/2010/main" val="0"/>
-              </a:ext>
-            </a:extLst>
-          </a:blip>
-          <a:stretch>
-            <a:fillRect/>
-          </a:stretch>
-        </p:blipFill>
-        <p:spPr>
-          <a:xfrm>
-            <a:off x="2638425" y="976312"/>
-            <a:ext cx="6915150" cy="4905375"/>
-          </a:xfrm>
-          <a:prstGeom prst="rect">
-            <a:avLst/>
-          </a:prstGeom>
-        </p:spPr>
-      </p:pic>
-    </p:spTree>
-    <p:extLst>
-      <p:ext uri="{BB962C8B-B14F-4D97-AF65-F5344CB8AC3E}">
-        <p14:creationId xmlns:p14="http://schemas.microsoft.com/office/powerpoint/2010/main" val="95992585"/>
-      </p:ext>
-    </p:extLst>
-  </p:cSld>
-  <p:clrMapOvr>
-    <a:masterClrMapping/>
-  </p:clrMapOvr>
-</p:sld>
-</file>
-
-<file path=ppt/slides/slideTemplate.xml><?xml version="1.0" encoding="utf-8"?>
 <p:sld xmlns:a="http://schemas.openxmlformats.org/drawingml/2006/main" xmlns:r="http://schemas.openxmlformats.org/officeDocument/2006/relationships" xmlns:p="http://schemas.openxmlformats.org/presentationml/2006/main">
   <p:cSld>
     <p:spTree>
@@ -5216,10 +5518,112 @@
           <a:chExt cx="0" cy="0"/>
         </a:xfrm>
       </p:grpSpPr>
+      <p:sp>
+        <p:nvSpPr>
+          <p:cNvPr id="2" name="Title 1">
+            <a:extLst>
+              <a:ext uri="{FF2B5EF4-FFF2-40B4-BE49-F238E27FC236}">
+                <a16:creationId xmlns:a16="http://schemas.microsoft.com/office/drawing/2014/main" id="{EAB55D90-E857-4C51-B485-31A16CB88C14}"/>
+              </a:ext>
+            </a:extLst>
+          </p:cNvPr>
+          <p:cNvSpPr>
+            <a:spLocks noGrp="1"/>
+          </p:cNvSpPr>
+          <p:nvPr>
+            <p:ph type="title"/>
+          </p:nvPr>
+        </p:nvSpPr>
+        <p:spPr/>
+        <p:txBody>
+          <a:bodyPr>
+            <a:normAutofit fontScale="90000"/>
+          </a:bodyPr>
+          <a:lstStyle/>
+          <a:p>
+            <a:pPr algn="ctr"/>
+            <a:r>
+              <a:rPr lang="en-US" b="1" dirty="0"/>
+              <a:t>What are the client registration trends over the years? </a:t>
+            </a:r>
+            <a:br>
+              <a:rPr lang="en-US" b="1" dirty="0"/>
+            </a:br>
+            <a:endParaRPr lang="en-US" b="1" dirty="0"/>
+          </a:p>
+        </p:txBody>
+      </p:sp>
+      <p:sp>
+        <p:nvSpPr>
+          <p:cNvPr id="3" name="Content Placeholder 2">
+            <a:extLst>
+              <a:ext uri="{FF2B5EF4-FFF2-40B4-BE49-F238E27FC236}">
+                <a16:creationId xmlns:a16="http://schemas.microsoft.com/office/drawing/2014/main" id="{14B06695-8114-4C1D-810B-C6FB4EE08585}"/>
+              </a:ext>
+            </a:extLst>
+          </p:cNvPr>
+          <p:cNvSpPr>
+            <a:spLocks noGrp="1"/>
+          </p:cNvSpPr>
+          <p:nvPr>
+            <p:ph idx="1"/>
+          </p:nvPr>
+        </p:nvSpPr>
+        <p:spPr/>
+        <p:txBody>
+          <a:bodyPr/>
+          <a:lstStyle/>
+          <a:p>
+            <a:pPr marL="514350" indent="-514350">
+              <a:buAutoNum type="arabicPeriod"/>
+            </a:pPr>
+            <a:r>
+              <a:rPr lang="en-US" dirty="0"/>
+              <a:t>Since the inception of the program in 2007 seems that the trend has been going up and from the historical values its very much evident this trend is going to continue to go up. </a:t>
+            </a:r>
+          </a:p>
+          <a:p>
+            <a:pPr marL="514350" indent="-514350">
+              <a:buAutoNum type="arabicPeriod"/>
+            </a:pPr>
+            <a:r>
+              <a:rPr lang="en-US" dirty="0"/>
+              <a:t>In term of registration service men with lower ranks take longer to register for services compared with those that have higher ranks. It should also be noted that higher service men have spent more time in the army.  </a:t>
+            </a:r>
+          </a:p>
+          <a:p>
+            <a:pPr marL="514350" indent="-514350">
+              <a:buAutoNum type="arabicPeriod"/>
+            </a:pPr>
+            <a:r>
+              <a:rPr lang="en-US" dirty="0"/>
+              <a:t>Lower rank service men will register on average 8 years after service and higher rank and service men spouses register when they are still in service hence the negative values. </a:t>
+            </a:r>
+          </a:p>
+          <a:p>
+            <a:pPr marL="514350" indent="-514350">
+              <a:buAutoNum type="arabicPeriod"/>
+            </a:pPr>
+            <a:endParaRPr lang="en-US" dirty="0"/>
+          </a:p>
+          <a:p>
+            <a:pPr marL="0" indent="0">
+              <a:buNone/>
+            </a:pPr>
+            <a:endParaRPr lang="en-US" dirty="0"/>
+          </a:p>
+          <a:p>
+            <a:pPr marL="514350" indent="-514350">
+              <a:buAutoNum type="arabicPeriod"/>
+            </a:pPr>
+            <a:endParaRPr lang="en-US" dirty="0"/>
+          </a:p>
+        </p:txBody>
+      </p:sp>
     </p:spTree>
     <p:extLst>
       <p:ext uri="{BB962C8B-B14F-4D97-AF65-F5344CB8AC3E}">
-        <p14:creationId xmlns:p14="http://schemas.microsoft.com/office/powerpoint/2010/main" val="95992585"/>
+        <p14:creationId xmlns:p14="http://schemas.microsoft.com/office/powerpoint/2010/main" val="796774665"/>
       </p:ext>
     </p:extLst>
   </p:cSld>
